--- a/Giới-thiệu-về-React-Redux.pptx
+++ b/Giới-thiệu-về-React-Redux.pptx
@@ -12130,10 +12130,10 @@
               <a:t>và</a:t>
             </a:r>
             <a:r>
-              <a:rPr lang="en-US" smtClean="0"/>
+              <a:rPr lang="en-US" dirty="0" smtClean="0"/>
               <a:t> demo.</a:t>
             </a:r>
-            <a:endParaRPr lang="en-US"/>
+            <a:endParaRPr lang="en-US" dirty="0"/>
           </a:p>
         </p:txBody>
       </p:sp>
@@ -12152,10 +12152,47 @@
           <a:bodyPr/>
           <a:lstStyle/>
           <a:p>
-            <a:endParaRPr lang="en-US"/>
+            <a:r>
+              <a:rPr lang="en-US" dirty="0" smtClean="0"/>
+              <a:t>Video </a:t>
+            </a:r>
+            <a:endParaRPr lang="en-US" dirty="0"/>
           </a:p>
         </p:txBody>
       </p:sp>
+      <p:pic>
+        <p:nvPicPr>
+          <p:cNvPr id="4" name="20160527162122-af01a0fbc5.[gif-2-mp4.com]">
+            <a:hlinkClick r:id="" action="ppaction://media"/>
+          </p:cNvPr>
+          <p:cNvPicPr>
+            <a:picLocks noChangeAspect="1"/>
+          </p:cNvPicPr>
+          <p:nvPr>
+            <a:videoFile r:link="rId2"/>
+            <p:extLst>
+              <p:ext uri="{DAA4B4D4-6D71-4841-9C94-3DE7FCFB9230}">
+                <p14:media xmlns:p14="http://schemas.microsoft.com/office/powerpoint/2010/main" r:embed="rId1"/>
+              </p:ext>
+            </p:extLst>
+          </p:nvPr>
+        </p:nvPicPr>
+        <p:blipFill>
+          <a:blip r:embed="rId4"/>
+          <a:stretch>
+            <a:fillRect/>
+          </a:stretch>
+        </p:blipFill>
+        <p:spPr>
+          <a:xfrm>
+            <a:off x="3086235" y="2563834"/>
+            <a:ext cx="7410450" cy="3790950"/>
+          </a:xfrm>
+          <a:prstGeom prst="rect">
+            <a:avLst/>
+          </a:prstGeom>
+        </p:spPr>
+      </p:pic>
     </p:spTree>
     <p:extLst>
       <p:ext uri="{BB962C8B-B14F-4D97-AF65-F5344CB8AC3E}">
@@ -12166,6 +12203,86 @@
   <p:clrMapOvr>
     <a:masterClrMapping/>
   </p:clrMapOvr>
+  <p:timing>
+    <p:tnLst>
+      <p:par>
+        <p:cTn id="1" dur="indefinite" restart="never" nodeType="tmRoot">
+          <p:childTnLst>
+            <p:seq concurrent="1" nextAc="seek">
+              <p:cTn id="2" restart="whenNotActive" fill="hold" evtFilter="cancelBubble" nodeType="interactiveSeq">
+                <p:stCondLst>
+                  <p:cond evt="onClick" delay="0">
+                    <p:tgtEl>
+                      <p:spTgt spid="4"/>
+                    </p:tgtEl>
+                  </p:cond>
+                </p:stCondLst>
+                <p:endSync evt="end" delay="0">
+                  <p:rtn val="all"/>
+                </p:endSync>
+                <p:childTnLst>
+                  <p:par>
+                    <p:cTn id="3" fill="hold">
+                      <p:stCondLst>
+                        <p:cond delay="0"/>
+                      </p:stCondLst>
+                      <p:childTnLst>
+                        <p:par>
+                          <p:cTn id="4" fill="hold">
+                            <p:stCondLst>
+                              <p:cond delay="0"/>
+                            </p:stCondLst>
+                            <p:childTnLst>
+                              <p:par>
+                                <p:cTn id="5" presetID="2" presetClass="mediacall" presetSubtype="0" fill="hold" nodeType="clickEffect">
+                                  <p:stCondLst>
+                                    <p:cond delay="0"/>
+                                  </p:stCondLst>
+                                  <p:childTnLst>
+                                    <p:cmd type="call" cmd="togglePause">
+                                      <p:cBhvr>
+                                        <p:cTn id="6" dur="1" fill="hold"/>
+                                        <p:tgtEl>
+                                          <p:spTgt spid="4"/>
+                                        </p:tgtEl>
+                                      </p:cBhvr>
+                                    </p:cmd>
+                                  </p:childTnLst>
+                                </p:cTn>
+                              </p:par>
+                            </p:childTnLst>
+                          </p:cTn>
+                        </p:par>
+                      </p:childTnLst>
+                    </p:cTn>
+                  </p:par>
+                </p:childTnLst>
+              </p:cTn>
+              <p:nextCondLst>
+                <p:cond evt="onClick" delay="0">
+                  <p:tgtEl>
+                    <p:spTgt spid="4"/>
+                  </p:tgtEl>
+                </p:cond>
+              </p:nextCondLst>
+            </p:seq>
+            <p:video>
+              <p:cMediaNode vol="80000">
+                <p:cTn id="7" fill="hold" display="0">
+                  <p:stCondLst>
+                    <p:cond delay="indefinite"/>
+                  </p:stCondLst>
+                </p:cTn>
+                <p:tgtEl>
+                  <p:spTgt spid="4"/>
+                </p:tgtEl>
+              </p:cMediaNode>
+            </p:video>
+          </p:childTnLst>
+        </p:cTn>
+      </p:par>
+    </p:tnLst>
+  </p:timing>
 </p:sld>
 </file>
 

--- a/Giới-thiệu-về-React-Redux.pptx
+++ b/Giới-thiệu-về-React-Redux.pptx
@@ -4,15 +4,28 @@
   <p:sldMasterIdLst>
     <p:sldMasterId id="2147483665" r:id="rId1"/>
   </p:sldMasterIdLst>
+  <p:notesMasterIdLst>
+    <p:notesMasterId r:id="rId20"/>
+  </p:notesMasterIdLst>
   <p:sldIdLst>
-    <p:sldId id="256" r:id="rId2"/>
-    <p:sldId id="257" r:id="rId3"/>
-    <p:sldId id="258" r:id="rId4"/>
-    <p:sldId id="259" r:id="rId5"/>
-    <p:sldId id="260" r:id="rId6"/>
-    <p:sldId id="261" r:id="rId7"/>
-    <p:sldId id="262" r:id="rId8"/>
-    <p:sldId id="263" r:id="rId9"/>
+    <p:sldId id="264" r:id="rId2"/>
+    <p:sldId id="265" r:id="rId3"/>
+    <p:sldId id="266" r:id="rId4"/>
+    <p:sldId id="267" r:id="rId5"/>
+    <p:sldId id="268" r:id="rId6"/>
+    <p:sldId id="269" r:id="rId7"/>
+    <p:sldId id="270" r:id="rId8"/>
+    <p:sldId id="271" r:id="rId9"/>
+    <p:sldId id="272" r:id="rId10"/>
+    <p:sldId id="273" r:id="rId11"/>
+    <p:sldId id="274" r:id="rId12"/>
+    <p:sldId id="275" r:id="rId13"/>
+    <p:sldId id="276" r:id="rId14"/>
+    <p:sldId id="277" r:id="rId15"/>
+    <p:sldId id="278" r:id="rId16"/>
+    <p:sldId id="279" r:id="rId17"/>
+    <p:sldId id="280" r:id="rId18"/>
+    <p:sldId id="263" r:id="rId19"/>
   </p:sldIdLst>
   <p:sldSz cx="12192000" cy="6858000"/>
   <p:notesSz cx="6858000" cy="9144000"/>
@@ -117,6 +130,524 @@
     </p:ext>
   </p:extLst>
 </p:presentation>
+</file>
+
+<file path=ppt/notesMasters/notesMaster1.xml><?xml version="1.0" encoding="utf-8"?>
+<p:notesMaster xmlns:a="http://schemas.openxmlformats.org/drawingml/2006/main" xmlns:r="http://schemas.openxmlformats.org/officeDocument/2006/relationships" xmlns:p="http://schemas.openxmlformats.org/presentationml/2006/main">
+  <p:cSld>
+    <p:bg>
+      <p:bgRef idx="1001">
+        <a:schemeClr val="bg1"/>
+      </p:bgRef>
+    </p:bg>
+    <p:spTree>
+      <p:nvGrpSpPr>
+        <p:cNvPr id="1" name=""/>
+        <p:cNvGrpSpPr/>
+        <p:nvPr/>
+      </p:nvGrpSpPr>
+      <p:grpSpPr>
+        <a:xfrm>
+          <a:off x="0" y="0"/>
+          <a:ext cx="0" cy="0"/>
+          <a:chOff x="0" y="0"/>
+          <a:chExt cx="0" cy="0"/>
+        </a:xfrm>
+      </p:grpSpPr>
+      <p:sp>
+        <p:nvSpPr>
+          <p:cNvPr id="2" name="Header Placeholder 1"/>
+          <p:cNvSpPr>
+            <a:spLocks noGrp="1"/>
+          </p:cNvSpPr>
+          <p:nvPr>
+            <p:ph type="hdr" sz="quarter"/>
+          </p:nvPr>
+        </p:nvSpPr>
+        <p:spPr>
+          <a:xfrm>
+            <a:off x="0" y="0"/>
+            <a:ext cx="2971800" cy="458788"/>
+          </a:xfrm>
+          <a:prstGeom prst="rect">
+            <a:avLst/>
+          </a:prstGeom>
+        </p:spPr>
+        <p:txBody>
+          <a:bodyPr vert="horz" lIns="91440" tIns="45720" rIns="91440" bIns="45720" rtlCol="0"/>
+          <a:lstStyle>
+            <a:lvl1pPr algn="l">
+              <a:defRPr sz="1200"/>
+            </a:lvl1pPr>
+          </a:lstStyle>
+          <a:p>
+            <a:endParaRPr lang="vi-VN"/>
+          </a:p>
+        </p:txBody>
+      </p:sp>
+      <p:sp>
+        <p:nvSpPr>
+          <p:cNvPr id="3" name="Date Placeholder 2"/>
+          <p:cNvSpPr>
+            <a:spLocks noGrp="1"/>
+          </p:cNvSpPr>
+          <p:nvPr>
+            <p:ph type="dt" idx="1"/>
+          </p:nvPr>
+        </p:nvSpPr>
+        <p:spPr>
+          <a:xfrm>
+            <a:off x="3884613" y="0"/>
+            <a:ext cx="2971800" cy="458788"/>
+          </a:xfrm>
+          <a:prstGeom prst="rect">
+            <a:avLst/>
+          </a:prstGeom>
+        </p:spPr>
+        <p:txBody>
+          <a:bodyPr vert="horz" lIns="91440" tIns="45720" rIns="91440" bIns="45720" rtlCol="0"/>
+          <a:lstStyle>
+            <a:lvl1pPr algn="r">
+              <a:defRPr sz="1200"/>
+            </a:lvl1pPr>
+          </a:lstStyle>
+          <a:p>
+            <a:fld id="{D69FF2D4-5CAD-4585-95D0-897AD77D0C6B}" type="datetimeFigureOut">
+              <a:rPr lang="vi-VN" smtClean="0"/>
+              <a:t>27/05/2016</a:t>
+            </a:fld>
+            <a:endParaRPr lang="vi-VN"/>
+          </a:p>
+        </p:txBody>
+      </p:sp>
+      <p:sp>
+        <p:nvSpPr>
+          <p:cNvPr id="4" name="Slide Image Placeholder 3"/>
+          <p:cNvSpPr>
+            <a:spLocks noGrp="1" noRot="1" noChangeAspect="1"/>
+          </p:cNvSpPr>
+          <p:nvPr>
+            <p:ph type="sldImg" idx="2"/>
+          </p:nvPr>
+        </p:nvSpPr>
+        <p:spPr>
+          <a:xfrm>
+            <a:off x="685800" y="1143000"/>
+            <a:ext cx="5486400" cy="3086100"/>
+          </a:xfrm>
+          <a:prstGeom prst="rect">
+            <a:avLst/>
+          </a:prstGeom>
+          <a:noFill/>
+          <a:ln w="12700">
+            <a:solidFill>
+              <a:prstClr val="black"/>
+            </a:solidFill>
+          </a:ln>
+        </p:spPr>
+        <p:txBody>
+          <a:bodyPr vert="horz" lIns="91440" tIns="45720" rIns="91440" bIns="45720" rtlCol="0" anchor="ctr"/>
+          <a:lstStyle/>
+          <a:p>
+            <a:endParaRPr lang="vi-VN"/>
+          </a:p>
+        </p:txBody>
+      </p:sp>
+      <p:sp>
+        <p:nvSpPr>
+          <p:cNvPr id="5" name="Notes Placeholder 4"/>
+          <p:cNvSpPr>
+            <a:spLocks noGrp="1"/>
+          </p:cNvSpPr>
+          <p:nvPr>
+            <p:ph type="body" sz="quarter" idx="3"/>
+          </p:nvPr>
+        </p:nvSpPr>
+        <p:spPr>
+          <a:xfrm>
+            <a:off x="685800" y="4400550"/>
+            <a:ext cx="5486400" cy="3600450"/>
+          </a:xfrm>
+          <a:prstGeom prst="rect">
+            <a:avLst/>
+          </a:prstGeom>
+        </p:spPr>
+        <p:txBody>
+          <a:bodyPr vert="horz" lIns="91440" tIns="45720" rIns="91440" bIns="45720" rtlCol="0"/>
+          <a:lstStyle/>
+          <a:p>
+            <a:pPr lvl="0"/>
+            <a:r>
+              <a:rPr lang="en-US" smtClean="0"/>
+              <a:t>Click to edit Master text styles</a:t>
+            </a:r>
+          </a:p>
+          <a:p>
+            <a:pPr lvl="1"/>
+            <a:r>
+              <a:rPr lang="en-US" smtClean="0"/>
+              <a:t>Second level</a:t>
+            </a:r>
+          </a:p>
+          <a:p>
+            <a:pPr lvl="2"/>
+            <a:r>
+              <a:rPr lang="en-US" smtClean="0"/>
+              <a:t>Third level</a:t>
+            </a:r>
+          </a:p>
+          <a:p>
+            <a:pPr lvl="3"/>
+            <a:r>
+              <a:rPr lang="en-US" smtClean="0"/>
+              <a:t>Fourth level</a:t>
+            </a:r>
+          </a:p>
+          <a:p>
+            <a:pPr lvl="4"/>
+            <a:r>
+              <a:rPr lang="en-US" smtClean="0"/>
+              <a:t>Fifth level</a:t>
+            </a:r>
+            <a:endParaRPr lang="vi-VN"/>
+          </a:p>
+        </p:txBody>
+      </p:sp>
+      <p:sp>
+        <p:nvSpPr>
+          <p:cNvPr id="6" name="Footer Placeholder 5"/>
+          <p:cNvSpPr>
+            <a:spLocks noGrp="1"/>
+          </p:cNvSpPr>
+          <p:nvPr>
+            <p:ph type="ftr" sz="quarter" idx="4"/>
+          </p:nvPr>
+        </p:nvSpPr>
+        <p:spPr>
+          <a:xfrm>
+            <a:off x="0" y="8685213"/>
+            <a:ext cx="2971800" cy="458787"/>
+          </a:xfrm>
+          <a:prstGeom prst="rect">
+            <a:avLst/>
+          </a:prstGeom>
+        </p:spPr>
+        <p:txBody>
+          <a:bodyPr vert="horz" lIns="91440" tIns="45720" rIns="91440" bIns="45720" rtlCol="0" anchor="b"/>
+          <a:lstStyle>
+            <a:lvl1pPr algn="l">
+              <a:defRPr sz="1200"/>
+            </a:lvl1pPr>
+          </a:lstStyle>
+          <a:p>
+            <a:endParaRPr lang="vi-VN"/>
+          </a:p>
+        </p:txBody>
+      </p:sp>
+      <p:sp>
+        <p:nvSpPr>
+          <p:cNvPr id="7" name="Slide Number Placeholder 6"/>
+          <p:cNvSpPr>
+            <a:spLocks noGrp="1"/>
+          </p:cNvSpPr>
+          <p:nvPr>
+            <p:ph type="sldNum" sz="quarter" idx="5"/>
+          </p:nvPr>
+        </p:nvSpPr>
+        <p:spPr>
+          <a:xfrm>
+            <a:off x="3884613" y="8685213"/>
+            <a:ext cx="2971800" cy="458787"/>
+          </a:xfrm>
+          <a:prstGeom prst="rect">
+            <a:avLst/>
+          </a:prstGeom>
+        </p:spPr>
+        <p:txBody>
+          <a:bodyPr vert="horz" lIns="91440" tIns="45720" rIns="91440" bIns="45720" rtlCol="0" anchor="b"/>
+          <a:lstStyle>
+            <a:lvl1pPr algn="r">
+              <a:defRPr sz="1200"/>
+            </a:lvl1pPr>
+          </a:lstStyle>
+          <a:p>
+            <a:fld id="{FD32E330-D5E4-40B0-90A7-EDDB83FECB95}" type="slidenum">
+              <a:rPr lang="vi-VN" smtClean="0"/>
+              <a:t>‹#›</a:t>
+            </a:fld>
+            <a:endParaRPr lang="vi-VN"/>
+          </a:p>
+        </p:txBody>
+      </p:sp>
+    </p:spTree>
+    <p:extLst>
+      <p:ext uri="{BB962C8B-B14F-4D97-AF65-F5344CB8AC3E}">
+        <p14:creationId xmlns:p14="http://schemas.microsoft.com/office/powerpoint/2010/main" val="1572626063"/>
+      </p:ext>
+    </p:extLst>
+  </p:cSld>
+  <p:clrMap bg1="lt1" tx1="dk1" bg2="lt2" tx2="dk2" accent1="accent1" accent2="accent2" accent3="accent3" accent4="accent4" accent5="accent5" accent6="accent6" hlink="hlink" folHlink="folHlink"/>
+  <p:notesStyle>
+    <a:lvl1pPr marL="0" algn="l" defTabSz="914400" rtl="0" eaLnBrk="1" latinLnBrk="0" hangingPunct="1">
+      <a:defRPr sz="1200" kern="1200">
+        <a:solidFill>
+          <a:schemeClr val="tx1"/>
+        </a:solidFill>
+        <a:latin typeface="+mn-lt"/>
+        <a:ea typeface="+mn-ea"/>
+        <a:cs typeface="+mn-cs"/>
+      </a:defRPr>
+    </a:lvl1pPr>
+    <a:lvl2pPr marL="457200" algn="l" defTabSz="914400" rtl="0" eaLnBrk="1" latinLnBrk="0" hangingPunct="1">
+      <a:defRPr sz="1200" kern="1200">
+        <a:solidFill>
+          <a:schemeClr val="tx1"/>
+        </a:solidFill>
+        <a:latin typeface="+mn-lt"/>
+        <a:ea typeface="+mn-ea"/>
+        <a:cs typeface="+mn-cs"/>
+      </a:defRPr>
+    </a:lvl2pPr>
+    <a:lvl3pPr marL="914400" algn="l" defTabSz="914400" rtl="0" eaLnBrk="1" latinLnBrk="0" hangingPunct="1">
+      <a:defRPr sz="1200" kern="1200">
+        <a:solidFill>
+          <a:schemeClr val="tx1"/>
+        </a:solidFill>
+        <a:latin typeface="+mn-lt"/>
+        <a:ea typeface="+mn-ea"/>
+        <a:cs typeface="+mn-cs"/>
+      </a:defRPr>
+    </a:lvl3pPr>
+    <a:lvl4pPr marL="1371600" algn="l" defTabSz="914400" rtl="0" eaLnBrk="1" latinLnBrk="0" hangingPunct="1">
+      <a:defRPr sz="1200" kern="1200">
+        <a:solidFill>
+          <a:schemeClr val="tx1"/>
+        </a:solidFill>
+        <a:latin typeface="+mn-lt"/>
+        <a:ea typeface="+mn-ea"/>
+        <a:cs typeface="+mn-cs"/>
+      </a:defRPr>
+    </a:lvl4pPr>
+    <a:lvl5pPr marL="1828800" algn="l" defTabSz="914400" rtl="0" eaLnBrk="1" latinLnBrk="0" hangingPunct="1">
+      <a:defRPr sz="1200" kern="1200">
+        <a:solidFill>
+          <a:schemeClr val="tx1"/>
+        </a:solidFill>
+        <a:latin typeface="+mn-lt"/>
+        <a:ea typeface="+mn-ea"/>
+        <a:cs typeface="+mn-cs"/>
+      </a:defRPr>
+    </a:lvl5pPr>
+    <a:lvl6pPr marL="2286000" algn="l" defTabSz="914400" rtl="0" eaLnBrk="1" latinLnBrk="0" hangingPunct="1">
+      <a:defRPr sz="1200" kern="1200">
+        <a:solidFill>
+          <a:schemeClr val="tx1"/>
+        </a:solidFill>
+        <a:latin typeface="+mn-lt"/>
+        <a:ea typeface="+mn-ea"/>
+        <a:cs typeface="+mn-cs"/>
+      </a:defRPr>
+    </a:lvl6pPr>
+    <a:lvl7pPr marL="2743200" algn="l" defTabSz="914400" rtl="0" eaLnBrk="1" latinLnBrk="0" hangingPunct="1">
+      <a:defRPr sz="1200" kern="1200">
+        <a:solidFill>
+          <a:schemeClr val="tx1"/>
+        </a:solidFill>
+        <a:latin typeface="+mn-lt"/>
+        <a:ea typeface="+mn-ea"/>
+        <a:cs typeface="+mn-cs"/>
+      </a:defRPr>
+    </a:lvl7pPr>
+    <a:lvl8pPr marL="3200400" algn="l" defTabSz="914400" rtl="0" eaLnBrk="1" latinLnBrk="0" hangingPunct="1">
+      <a:defRPr sz="1200" kern="1200">
+        <a:solidFill>
+          <a:schemeClr val="tx1"/>
+        </a:solidFill>
+        <a:latin typeface="+mn-lt"/>
+        <a:ea typeface="+mn-ea"/>
+        <a:cs typeface="+mn-cs"/>
+      </a:defRPr>
+    </a:lvl8pPr>
+    <a:lvl9pPr marL="3657600" algn="l" defTabSz="914400" rtl="0" eaLnBrk="1" latinLnBrk="0" hangingPunct="1">
+      <a:defRPr sz="1200" kern="1200">
+        <a:solidFill>
+          <a:schemeClr val="tx1"/>
+        </a:solidFill>
+        <a:latin typeface="+mn-lt"/>
+        <a:ea typeface="+mn-ea"/>
+        <a:cs typeface="+mn-cs"/>
+      </a:defRPr>
+    </a:lvl9pPr>
+  </p:notesStyle>
+</p:notesMaster>
+</file>
+
+<file path=ppt/notesSlides/notesSlide1.xml><?xml version="1.0" encoding="utf-8"?>
+<p:notes xmlns:a="http://schemas.openxmlformats.org/drawingml/2006/main" xmlns:r="http://schemas.openxmlformats.org/officeDocument/2006/relationships" xmlns:p="http://schemas.openxmlformats.org/presentationml/2006/main">
+  <p:cSld>
+    <p:spTree>
+      <p:nvGrpSpPr>
+        <p:cNvPr id="1" name=""/>
+        <p:cNvGrpSpPr/>
+        <p:nvPr/>
+      </p:nvGrpSpPr>
+      <p:grpSpPr>
+        <a:xfrm>
+          <a:off x="0" y="0"/>
+          <a:ext cx="0" cy="0"/>
+          <a:chOff x="0" y="0"/>
+          <a:chExt cx="0" cy="0"/>
+        </a:xfrm>
+      </p:grpSpPr>
+      <p:sp>
+        <p:nvSpPr>
+          <p:cNvPr id="2" name="Slide Image Placeholder 1"/>
+          <p:cNvSpPr>
+            <a:spLocks noGrp="1" noRot="1" noChangeAspect="1"/>
+          </p:cNvSpPr>
+          <p:nvPr>
+            <p:ph type="sldImg"/>
+          </p:nvPr>
+        </p:nvSpPr>
+        <p:spPr/>
+      </p:sp>
+      <p:sp>
+        <p:nvSpPr>
+          <p:cNvPr id="3" name="Notes Placeholder 2"/>
+          <p:cNvSpPr>
+            <a:spLocks noGrp="1"/>
+          </p:cNvSpPr>
+          <p:nvPr>
+            <p:ph type="body" idx="1"/>
+          </p:nvPr>
+        </p:nvSpPr>
+        <p:spPr/>
+        <p:txBody>
+          <a:bodyPr/>
+          <a:lstStyle/>
+          <a:p>
+            <a:endParaRPr lang="vi-VN" dirty="0"/>
+          </a:p>
+        </p:txBody>
+      </p:sp>
+      <p:sp>
+        <p:nvSpPr>
+          <p:cNvPr id="4" name="Slide Number Placeholder 3"/>
+          <p:cNvSpPr>
+            <a:spLocks noGrp="1"/>
+          </p:cNvSpPr>
+          <p:nvPr>
+            <p:ph type="sldNum" sz="quarter" idx="10"/>
+          </p:nvPr>
+        </p:nvSpPr>
+        <p:spPr/>
+        <p:txBody>
+          <a:bodyPr/>
+          <a:lstStyle/>
+          <a:p>
+            <a:fld id="{BE428086-88A3-406D-AF0D-B481DD3A51E7}" type="slidenum">
+              <a:rPr lang="vi-VN" smtClean="0"/>
+              <a:t>16</a:t>
+            </a:fld>
+            <a:endParaRPr lang="vi-VN"/>
+          </a:p>
+        </p:txBody>
+      </p:sp>
+    </p:spTree>
+    <p:extLst>
+      <p:ext uri="{BB962C8B-B14F-4D97-AF65-F5344CB8AC3E}">
+        <p14:creationId xmlns:p14="http://schemas.microsoft.com/office/powerpoint/2010/main" val="4002197414"/>
+      </p:ext>
+    </p:extLst>
+  </p:cSld>
+  <p:clrMapOvr>
+    <a:masterClrMapping/>
+  </p:clrMapOvr>
+</p:notes>
+</file>
+
+<file path=ppt/notesSlides/notesSlide2.xml><?xml version="1.0" encoding="utf-8"?>
+<p:notes xmlns:a="http://schemas.openxmlformats.org/drawingml/2006/main" xmlns:r="http://schemas.openxmlformats.org/officeDocument/2006/relationships" xmlns:p="http://schemas.openxmlformats.org/presentationml/2006/main">
+  <p:cSld>
+    <p:spTree>
+      <p:nvGrpSpPr>
+        <p:cNvPr id="1" name=""/>
+        <p:cNvGrpSpPr/>
+        <p:nvPr/>
+      </p:nvGrpSpPr>
+      <p:grpSpPr>
+        <a:xfrm>
+          <a:off x="0" y="0"/>
+          <a:ext cx="0" cy="0"/>
+          <a:chOff x="0" y="0"/>
+          <a:chExt cx="0" cy="0"/>
+        </a:xfrm>
+      </p:grpSpPr>
+      <p:sp>
+        <p:nvSpPr>
+          <p:cNvPr id="2" name="Slide Image Placeholder 1"/>
+          <p:cNvSpPr>
+            <a:spLocks noGrp="1" noRot="1" noChangeAspect="1"/>
+          </p:cNvSpPr>
+          <p:nvPr>
+            <p:ph type="sldImg"/>
+          </p:nvPr>
+        </p:nvSpPr>
+        <p:spPr/>
+      </p:sp>
+      <p:sp>
+        <p:nvSpPr>
+          <p:cNvPr id="3" name="Notes Placeholder 2"/>
+          <p:cNvSpPr>
+            <a:spLocks noGrp="1"/>
+          </p:cNvSpPr>
+          <p:nvPr>
+            <p:ph type="body" idx="1"/>
+          </p:nvPr>
+        </p:nvSpPr>
+        <p:spPr/>
+        <p:txBody>
+          <a:bodyPr/>
+          <a:lstStyle/>
+          <a:p>
+            <a:endParaRPr lang="vi-VN" dirty="0"/>
+          </a:p>
+        </p:txBody>
+      </p:sp>
+      <p:sp>
+        <p:nvSpPr>
+          <p:cNvPr id="4" name="Slide Number Placeholder 3"/>
+          <p:cNvSpPr>
+            <a:spLocks noGrp="1"/>
+          </p:cNvSpPr>
+          <p:nvPr>
+            <p:ph type="sldNum" sz="quarter" idx="10"/>
+          </p:nvPr>
+        </p:nvSpPr>
+        <p:spPr/>
+        <p:txBody>
+          <a:bodyPr/>
+          <a:lstStyle/>
+          <a:p>
+            <a:fld id="{BE428086-88A3-406D-AF0D-B481DD3A51E7}" type="slidenum">
+              <a:rPr lang="vi-VN" smtClean="0"/>
+              <a:t>17</a:t>
+            </a:fld>
+            <a:endParaRPr lang="vi-VN"/>
+          </a:p>
+        </p:txBody>
+      </p:sp>
+    </p:spTree>
+    <p:extLst>
+      <p:ext uri="{BB962C8B-B14F-4D97-AF65-F5344CB8AC3E}">
+        <p14:creationId xmlns:p14="http://schemas.microsoft.com/office/powerpoint/2010/main" val="971510373"/>
+      </p:ext>
+    </p:extLst>
+  </p:cSld>
+  <p:clrMapOvr>
+    <a:masterClrMapping/>
+  </p:clrMapOvr>
+</p:notes>
 </file>
 
 <file path=ppt/slideLayouts/slideLayout1.xml><?xml version="1.0" encoding="utf-8"?>
@@ -7861,7 +8392,12 @@
             <p:ph type="subTitle" idx="1"/>
           </p:nvPr>
         </p:nvSpPr>
-        <p:spPr/>
+        <p:spPr>
+          <a:xfrm>
+            <a:off x="2589213" y="4777379"/>
+            <a:ext cx="8915399" cy="1690328"/>
+          </a:xfrm>
+        </p:spPr>
         <p:txBody>
           <a:bodyPr/>
           <a:lstStyle/>
@@ -7869,7 +8405,90 @@
             <a:pPr algn="r"/>
             <a:r>
               <a:rPr lang="en-US" dirty="0" err="1" smtClean="0"/>
+              <a:t>Giáo</a:t>
+            </a:r>
+            <a:r>
+              <a:rPr lang="en-US" dirty="0" smtClean="0"/>
+              <a:t> </a:t>
+            </a:r>
+            <a:r>
+              <a:rPr lang="en-US" dirty="0" err="1" smtClean="0"/>
+              <a:t>viên</a:t>
+            </a:r>
+            <a:r>
+              <a:rPr lang="en-US" dirty="0" smtClean="0"/>
+              <a:t> </a:t>
+            </a:r>
+            <a:r>
+              <a:rPr lang="en-US" dirty="0" err="1" smtClean="0"/>
+              <a:t>phụ</a:t>
+            </a:r>
+            <a:r>
+              <a:rPr lang="en-US" dirty="0" smtClean="0"/>
+              <a:t> </a:t>
+            </a:r>
+            <a:r>
+              <a:rPr lang="en-US" dirty="0" err="1" smtClean="0"/>
+              <a:t>trách</a:t>
+            </a:r>
+            <a:r>
+              <a:rPr lang="en-US" dirty="0" smtClean="0"/>
+              <a:t> </a:t>
+            </a:r>
+          </a:p>
+          <a:p>
+            <a:pPr algn="r"/>
+            <a:r>
+              <a:rPr lang="en-US" dirty="0" err="1" smtClean="0"/>
+              <a:t>Hoàng</a:t>
+            </a:r>
+            <a:r>
+              <a:rPr lang="en-US" dirty="0" smtClean="0"/>
+              <a:t> Anh </a:t>
+            </a:r>
+            <a:r>
+              <a:rPr lang="en-US" dirty="0" err="1" smtClean="0"/>
+              <a:t>Tú</a:t>
+            </a:r>
+            <a:endParaRPr lang="en-US" dirty="0" smtClean="0"/>
+          </a:p>
+          <a:p>
+            <a:pPr algn="r"/>
+            <a:endParaRPr lang="en-US" dirty="0"/>
+          </a:p>
+          <a:p>
+            <a:pPr algn="r"/>
+            <a:r>
+              <a:rPr lang="en-US" dirty="0" err="1" smtClean="0"/>
               <a:t>Nhóm</a:t>
+            </a:r>
+            <a:r>
+              <a:rPr lang="en-US" dirty="0" smtClean="0"/>
+              <a:t> </a:t>
+            </a:r>
+            <a:r>
+              <a:rPr lang="en-US" dirty="0" err="1" smtClean="0"/>
+              <a:t>thực</a:t>
+            </a:r>
+            <a:r>
+              <a:rPr lang="en-US" dirty="0" smtClean="0"/>
+              <a:t> </a:t>
+            </a:r>
+            <a:r>
+              <a:rPr lang="en-US" dirty="0" err="1" smtClean="0"/>
+              <a:t>hiện</a:t>
+            </a:r>
+            <a:r>
+              <a:rPr lang="en-US" dirty="0" smtClean="0"/>
+              <a:t> : </a:t>
+            </a:r>
+            <a:r>
+              <a:rPr lang="en-US" dirty="0" err="1" smtClean="0"/>
+              <a:t>Nhóm</a:t>
+            </a:r>
+            <a:r>
+              <a:rPr lang="en-US" dirty="0" smtClean="0"/>
+              <a:t> 19</a:t>
             </a:r>
             <a:endParaRPr lang="vi-VN" dirty="0"/>
           </a:p>
@@ -8306,7 +8925,7 @@
     </p:spTree>
     <p:extLst>
       <p:ext uri="{BB962C8B-B14F-4D97-AF65-F5344CB8AC3E}">
-        <p14:creationId xmlns:p14="http://schemas.microsoft.com/office/powerpoint/2010/main" val="2584301782"/>
+        <p14:creationId xmlns:p14="http://schemas.microsoft.com/office/powerpoint/2010/main" val="2638934330"/>
       </p:ext>
     </p:extLst>
   </p:cSld>
@@ -8317,6 +8936,2818 @@
     <p:tnLst>
       <p:par>
         <p:cTn id="1" dur="indefinite" restart="never" nodeType="tmRoot"/>
+      </p:par>
+    </p:tnLst>
+  </p:timing>
+</p:sld>
+</file>
+
+<file path=ppt/slides/slide10.xml><?xml version="1.0" encoding="utf-8"?>
+<p:sld xmlns:a="http://schemas.openxmlformats.org/drawingml/2006/main" xmlns:r="http://schemas.openxmlformats.org/officeDocument/2006/relationships" xmlns:p="http://schemas.openxmlformats.org/presentationml/2006/main">
+  <p:cSld>
+    <p:spTree>
+      <p:nvGrpSpPr>
+        <p:cNvPr id="1" name=""/>
+        <p:cNvGrpSpPr/>
+        <p:nvPr/>
+      </p:nvGrpSpPr>
+      <p:grpSpPr>
+        <a:xfrm>
+          <a:off x="0" y="0"/>
+          <a:ext cx="0" cy="0"/>
+          <a:chOff x="0" y="0"/>
+          <a:chExt cx="0" cy="0"/>
+        </a:xfrm>
+      </p:grpSpPr>
+      <p:sp>
+        <p:nvSpPr>
+          <p:cNvPr id="2" name="Title 1"/>
+          <p:cNvSpPr>
+            <a:spLocks noGrp="1"/>
+          </p:cNvSpPr>
+          <p:nvPr>
+            <p:ph type="title"/>
+          </p:nvPr>
+        </p:nvSpPr>
+        <p:spPr/>
+        <p:txBody>
+          <a:bodyPr/>
+          <a:lstStyle/>
+          <a:p>
+            <a:r>
+              <a:rPr lang="en-US" dirty="0" err="1" smtClean="0"/>
+              <a:t>Vấn</a:t>
+            </a:r>
+            <a:r>
+              <a:rPr lang="en-US" dirty="0" smtClean="0"/>
+              <a:t> </a:t>
+            </a:r>
+            <a:r>
+              <a:rPr lang="en-US" dirty="0" err="1" smtClean="0"/>
+              <a:t>đề</a:t>
+            </a:r>
+            <a:r>
+              <a:rPr lang="en-US" dirty="0" smtClean="0"/>
+              <a:t> </a:t>
+            </a:r>
+            <a:r>
+              <a:rPr lang="en-US" dirty="0" err="1" smtClean="0"/>
+              <a:t>nảy</a:t>
+            </a:r>
+            <a:r>
+              <a:rPr lang="en-US" dirty="0" smtClean="0"/>
+              <a:t> </a:t>
+            </a:r>
+            <a:r>
+              <a:rPr lang="en-US" dirty="0" err="1" smtClean="0"/>
+              <a:t>sinh</a:t>
+            </a:r>
+            <a:endParaRPr lang="vi-VN" dirty="0"/>
+          </a:p>
+        </p:txBody>
+      </p:sp>
+      <p:sp>
+        <p:nvSpPr>
+          <p:cNvPr id="3" name="Content Placeholder 2"/>
+          <p:cNvSpPr>
+            <a:spLocks noGrp="1"/>
+          </p:cNvSpPr>
+          <p:nvPr>
+            <p:ph idx="1"/>
+          </p:nvPr>
+        </p:nvSpPr>
+        <p:spPr>
+          <a:xfrm>
+            <a:off x="2589212" y="2133599"/>
+            <a:ext cx="4293292" cy="3816439"/>
+          </a:xfrm>
+        </p:spPr>
+        <p:txBody>
+          <a:bodyPr>
+            <a:normAutofit/>
+          </a:bodyPr>
+          <a:lstStyle/>
+          <a:p>
+            <a:r>
+              <a:rPr lang="en-US" sz="2000" dirty="0" err="1" smtClean="0"/>
+              <a:t>Không</a:t>
+            </a:r>
+            <a:r>
+              <a:rPr lang="en-US" sz="2000" dirty="0" smtClean="0"/>
+              <a:t> </a:t>
+            </a:r>
+            <a:r>
+              <a:rPr lang="en-US" sz="2000" dirty="0" err="1" smtClean="0"/>
+              <a:t>thể</a:t>
+            </a:r>
+            <a:r>
+              <a:rPr lang="en-US" sz="2000" dirty="0" smtClean="0"/>
+              <a:t> </a:t>
+            </a:r>
+            <a:r>
+              <a:rPr lang="en-US" sz="2000" dirty="0" err="1" smtClean="0"/>
+              <a:t>giao</a:t>
+            </a:r>
+            <a:r>
+              <a:rPr lang="en-US" sz="2000" dirty="0" smtClean="0"/>
+              <a:t> </a:t>
+            </a:r>
+            <a:r>
+              <a:rPr lang="en-US" sz="2000" dirty="0" err="1" smtClean="0"/>
+              <a:t>tiếp</a:t>
+            </a:r>
+            <a:r>
+              <a:rPr lang="en-US" sz="2000" dirty="0" smtClean="0"/>
+              <a:t> </a:t>
+            </a:r>
+            <a:r>
+              <a:rPr lang="en-US" sz="2000" dirty="0" err="1" smtClean="0"/>
+              <a:t>với</a:t>
+            </a:r>
+            <a:r>
+              <a:rPr lang="en-US" sz="2000" dirty="0" smtClean="0"/>
+              <a:t> </a:t>
+            </a:r>
+            <a:r>
+              <a:rPr lang="en-US" sz="2000" dirty="0" err="1" smtClean="0"/>
+              <a:t>các</a:t>
+            </a:r>
+            <a:r>
+              <a:rPr lang="en-US" sz="2000" dirty="0" smtClean="0"/>
+              <a:t> component </a:t>
+            </a:r>
+            <a:r>
+              <a:rPr lang="en-US" sz="2000" dirty="0" err="1" smtClean="0"/>
+              <a:t>không</a:t>
+            </a:r>
+            <a:r>
+              <a:rPr lang="en-US" sz="2000" dirty="0" smtClean="0"/>
+              <a:t> </a:t>
+            </a:r>
+            <a:r>
+              <a:rPr lang="en-US" sz="2000" dirty="0" err="1" smtClean="0"/>
+              <a:t>phải</a:t>
+            </a:r>
+            <a:r>
+              <a:rPr lang="en-US" sz="2000" dirty="0" smtClean="0"/>
+              <a:t> </a:t>
+            </a:r>
+            <a:r>
+              <a:rPr lang="en-US" sz="2000" dirty="0" err="1" smtClean="0"/>
+              <a:t>là</a:t>
+            </a:r>
+            <a:r>
+              <a:rPr lang="en-US" sz="2000" dirty="0" smtClean="0"/>
+              <a:t> cha-con</a:t>
+            </a:r>
+          </a:p>
+          <a:p>
+            <a:r>
+              <a:rPr lang="en-US" sz="2000" dirty="0" err="1" smtClean="0"/>
+              <a:t>Dẫn</a:t>
+            </a:r>
+            <a:r>
+              <a:rPr lang="en-US" sz="2000" dirty="0" smtClean="0"/>
+              <a:t> </a:t>
+            </a:r>
+            <a:r>
+              <a:rPr lang="en-US" sz="2000" dirty="0" err="1" smtClean="0"/>
+              <a:t>đến</a:t>
+            </a:r>
+            <a:r>
+              <a:rPr lang="en-US" sz="2000" dirty="0" smtClean="0"/>
+              <a:t> </a:t>
+            </a:r>
+            <a:r>
+              <a:rPr lang="en-US" sz="2000" dirty="0" err="1" smtClean="0"/>
+              <a:t>việc</a:t>
+            </a:r>
+            <a:r>
+              <a:rPr lang="en-US" sz="2000" dirty="0" smtClean="0"/>
+              <a:t> </a:t>
+            </a:r>
+            <a:r>
+              <a:rPr lang="en-US" sz="2000" dirty="0" err="1" smtClean="0"/>
+              <a:t>đề</a:t>
+            </a:r>
+            <a:r>
+              <a:rPr lang="en-US" sz="2000" dirty="0" smtClean="0"/>
+              <a:t> </a:t>
+            </a:r>
+            <a:r>
+              <a:rPr lang="en-US" sz="2000" dirty="0" err="1" smtClean="0"/>
+              <a:t>xuất</a:t>
+            </a:r>
+            <a:r>
+              <a:rPr lang="en-US" sz="2000" dirty="0" smtClean="0"/>
+              <a:t> </a:t>
+            </a:r>
+            <a:r>
+              <a:rPr lang="en-US" sz="2000" dirty="0" err="1" smtClean="0"/>
+              <a:t>sử</a:t>
+            </a:r>
+            <a:r>
+              <a:rPr lang="en-US" sz="2000" dirty="0" smtClean="0"/>
+              <a:t> </a:t>
+            </a:r>
+            <a:r>
+              <a:rPr lang="en-US" sz="2000" dirty="0" err="1" smtClean="0"/>
+              <a:t>dụng</a:t>
+            </a:r>
+            <a:r>
+              <a:rPr lang="en-US" sz="2000" dirty="0" smtClean="0"/>
+              <a:t> Redux</a:t>
+            </a:r>
+            <a:endParaRPr lang="vi-VN" sz="2000" dirty="0"/>
+          </a:p>
+        </p:txBody>
+      </p:sp>
+      <p:sp>
+        <p:nvSpPr>
+          <p:cNvPr id="4" name="AutoShape 2" descr="https://cdn.css-tricks.com/wp-content/uploads/2016/03/redux-article-3-01.svg"/>
+          <p:cNvSpPr>
+            <a:spLocks noChangeAspect="1" noChangeArrowheads="1"/>
+          </p:cNvSpPr>
+          <p:nvPr/>
+        </p:nvSpPr>
+        <p:spPr bwMode="auto">
+          <a:xfrm>
+            <a:off x="155575" y="-144463"/>
+            <a:ext cx="304800" cy="304801"/>
+          </a:xfrm>
+          <a:prstGeom prst="rect">
+            <a:avLst/>
+          </a:prstGeom>
+          <a:noFill/>
+          <a:extLst>
+            <a:ext uri="{909E8E84-426E-40DD-AFC4-6F175D3DCCD1}">
+              <a14:hiddenFill xmlns:a14="http://schemas.microsoft.com/office/drawing/2010/main">
+                <a:solidFill>
+                  <a:srgbClr val="FFFFFF"/>
+                </a:solidFill>
+              </a14:hiddenFill>
+            </a:ext>
+          </a:extLst>
+        </p:spPr>
+        <p:txBody>
+          <a:bodyPr vert="horz" wrap="square" lIns="91440" tIns="45720" rIns="91440" bIns="45720" numCol="1" anchor="t" anchorCtr="0" compatLnSpc="1">
+            <a:prstTxWarp prst="textNoShape">
+              <a:avLst/>
+            </a:prstTxWarp>
+          </a:bodyPr>
+          <a:lstStyle/>
+          <a:p>
+            <a:endParaRPr lang="vi-VN"/>
+          </a:p>
+        </p:txBody>
+      </p:sp>
+      <p:pic>
+        <p:nvPicPr>
+          <p:cNvPr id="7" name="Picture 6"/>
+          <p:cNvPicPr>
+            <a:picLocks noChangeAspect="1"/>
+          </p:cNvPicPr>
+          <p:nvPr/>
+        </p:nvPicPr>
+        <p:blipFill>
+          <a:blip r:embed="rId2"/>
+          <a:stretch>
+            <a:fillRect/>
+          </a:stretch>
+        </p:blipFill>
+        <p:spPr>
+          <a:xfrm>
+            <a:off x="6882504" y="2009104"/>
+            <a:ext cx="4622108" cy="3271234"/>
+          </a:xfrm>
+          <a:prstGeom prst="rect">
+            <a:avLst/>
+          </a:prstGeom>
+        </p:spPr>
+      </p:pic>
+    </p:spTree>
+    <p:extLst>
+      <p:ext uri="{BB962C8B-B14F-4D97-AF65-F5344CB8AC3E}">
+        <p14:creationId xmlns:p14="http://schemas.microsoft.com/office/powerpoint/2010/main" val="1505330760"/>
+      </p:ext>
+    </p:extLst>
+  </p:cSld>
+  <p:clrMapOvr>
+    <a:masterClrMapping/>
+  </p:clrMapOvr>
+  <p:timing>
+    <p:tnLst>
+      <p:par>
+        <p:cTn id="1" dur="indefinite" restart="never" nodeType="tmRoot"/>
+      </p:par>
+    </p:tnLst>
+  </p:timing>
+</p:sld>
+</file>
+
+<file path=ppt/slides/slide11.xml><?xml version="1.0" encoding="utf-8"?>
+<p:sld xmlns:a="http://schemas.openxmlformats.org/drawingml/2006/main" xmlns:r="http://schemas.openxmlformats.org/officeDocument/2006/relationships" xmlns:p="http://schemas.openxmlformats.org/presentationml/2006/main">
+  <p:cSld>
+    <p:spTree>
+      <p:nvGrpSpPr>
+        <p:cNvPr id="1" name=""/>
+        <p:cNvGrpSpPr/>
+        <p:nvPr/>
+      </p:nvGrpSpPr>
+      <p:grpSpPr>
+        <a:xfrm>
+          <a:off x="0" y="0"/>
+          <a:ext cx="0" cy="0"/>
+          <a:chOff x="0" y="0"/>
+          <a:chExt cx="0" cy="0"/>
+        </a:xfrm>
+      </p:grpSpPr>
+      <p:sp>
+        <p:nvSpPr>
+          <p:cNvPr id="2" name="Title 1"/>
+          <p:cNvSpPr>
+            <a:spLocks noGrp="1"/>
+          </p:cNvSpPr>
+          <p:nvPr>
+            <p:ph type="title"/>
+          </p:nvPr>
+        </p:nvSpPr>
+        <p:spPr/>
+        <p:txBody>
+          <a:bodyPr/>
+          <a:lstStyle/>
+          <a:p>
+            <a:r>
+              <a:rPr lang="en-US" dirty="0" smtClean="0"/>
+              <a:t>Redux</a:t>
+            </a:r>
+            <a:endParaRPr lang="vi-VN" dirty="0"/>
+          </a:p>
+        </p:txBody>
+      </p:sp>
+      <p:sp>
+        <p:nvSpPr>
+          <p:cNvPr id="3" name="Content Placeholder 2"/>
+          <p:cNvSpPr>
+            <a:spLocks noGrp="1"/>
+          </p:cNvSpPr>
+          <p:nvPr>
+            <p:ph idx="1"/>
+          </p:nvPr>
+        </p:nvSpPr>
+        <p:spPr>
+          <a:xfrm>
+            <a:off x="2460423" y="1905000"/>
+            <a:ext cx="4713109" cy="3929130"/>
+          </a:xfrm>
+        </p:spPr>
+        <p:txBody>
+          <a:bodyPr/>
+          <a:lstStyle/>
+          <a:p>
+            <a:r>
+              <a:rPr lang="en-US" sz="2000" dirty="0" smtClean="0"/>
+              <a:t>Redux </a:t>
+            </a:r>
+            <a:r>
+              <a:rPr lang="en-US" sz="2000" dirty="0" err="1" smtClean="0"/>
+              <a:t>được</a:t>
+            </a:r>
+            <a:r>
+              <a:rPr lang="en-US" sz="2000" dirty="0" smtClean="0"/>
+              <a:t> </a:t>
+            </a:r>
+            <a:r>
+              <a:rPr lang="en-US" sz="2000" dirty="0" err="1" smtClean="0"/>
+              <a:t>coi</a:t>
+            </a:r>
+            <a:r>
+              <a:rPr lang="en-US" sz="2000" dirty="0" smtClean="0"/>
+              <a:t> </a:t>
+            </a:r>
+            <a:r>
+              <a:rPr lang="en-US" sz="2000" dirty="0" err="1" smtClean="0"/>
+              <a:t>là</a:t>
+            </a:r>
+            <a:r>
+              <a:rPr lang="en-US" sz="2000" dirty="0" smtClean="0"/>
+              <a:t> </a:t>
+            </a:r>
+            <a:r>
+              <a:rPr lang="en-US" sz="2000" dirty="0" err="1" smtClean="0"/>
+              <a:t>giải</a:t>
+            </a:r>
+            <a:r>
+              <a:rPr lang="en-US" sz="2000" dirty="0" smtClean="0"/>
+              <a:t> </a:t>
+            </a:r>
+            <a:r>
+              <a:rPr lang="en-US" sz="2000" dirty="0" err="1" smtClean="0"/>
+              <a:t>pháp</a:t>
+            </a:r>
+            <a:r>
+              <a:rPr lang="en-US" sz="2000" dirty="0" smtClean="0"/>
+              <a:t> </a:t>
+            </a:r>
+            <a:r>
+              <a:rPr lang="en-US" sz="2000" dirty="0" err="1" smtClean="0"/>
+              <a:t>cho</a:t>
+            </a:r>
+            <a:r>
+              <a:rPr lang="en-US" sz="2000" dirty="0" smtClean="0"/>
+              <a:t> </a:t>
+            </a:r>
+            <a:r>
+              <a:rPr lang="en-US" sz="2000" dirty="0" err="1" smtClean="0"/>
+              <a:t>sự</a:t>
+            </a:r>
+            <a:r>
+              <a:rPr lang="en-US" sz="2000" dirty="0" smtClean="0"/>
+              <a:t> </a:t>
+            </a:r>
+            <a:r>
+              <a:rPr lang="en-US" sz="2000" dirty="0" err="1" smtClean="0"/>
+              <a:t>lưu</a:t>
+            </a:r>
+            <a:r>
+              <a:rPr lang="en-US" sz="2000" dirty="0" smtClean="0"/>
+              <a:t> </a:t>
+            </a:r>
+            <a:r>
+              <a:rPr lang="en-US" sz="2000" dirty="0" err="1" smtClean="0"/>
+              <a:t>trữ</a:t>
+            </a:r>
+            <a:r>
+              <a:rPr lang="en-US" sz="2000" dirty="0" smtClean="0"/>
+              <a:t> </a:t>
+            </a:r>
+            <a:r>
+              <a:rPr lang="en-US" sz="2000" dirty="0" err="1" smtClean="0"/>
+              <a:t>các</a:t>
+            </a:r>
+            <a:r>
+              <a:rPr lang="en-US" sz="2000" dirty="0" smtClean="0"/>
+              <a:t> state </a:t>
+            </a:r>
+            <a:r>
+              <a:rPr lang="en-US" sz="2000" dirty="0" err="1" smtClean="0"/>
+              <a:t>của</a:t>
+            </a:r>
+            <a:r>
+              <a:rPr lang="en-US" sz="2000" dirty="0" smtClean="0"/>
+              <a:t> </a:t>
+            </a:r>
+            <a:r>
+              <a:rPr lang="en-US" sz="2000" dirty="0" err="1" smtClean="0"/>
+              <a:t>ứng</a:t>
+            </a:r>
+            <a:r>
+              <a:rPr lang="en-US" sz="2000" dirty="0" smtClean="0"/>
+              <a:t> </a:t>
+            </a:r>
+            <a:r>
+              <a:rPr lang="en-US" sz="2000" dirty="0" err="1" smtClean="0"/>
+              <a:t>dụng</a:t>
+            </a:r>
+            <a:r>
+              <a:rPr lang="en-US" sz="2000" dirty="0" smtClean="0"/>
+              <a:t> </a:t>
+            </a:r>
+            <a:r>
+              <a:rPr lang="en-US" sz="2000" dirty="0" err="1" smtClean="0"/>
+              <a:t>vào</a:t>
+            </a:r>
+            <a:r>
+              <a:rPr lang="en-US" sz="2000" dirty="0" smtClean="0"/>
+              <a:t> </a:t>
+            </a:r>
+            <a:r>
+              <a:rPr lang="en-US" sz="2000" dirty="0" err="1" smtClean="0"/>
+              <a:t>một</a:t>
+            </a:r>
+            <a:r>
+              <a:rPr lang="en-US" sz="2000" dirty="0" smtClean="0"/>
+              <a:t> </a:t>
+            </a:r>
+            <a:r>
+              <a:rPr lang="en-US" sz="2000" dirty="0" err="1" smtClean="0"/>
+              <a:t>chỗ</a:t>
+            </a:r>
+            <a:r>
+              <a:rPr lang="en-US" sz="2000" dirty="0" smtClean="0"/>
+              <a:t>, </a:t>
+            </a:r>
+            <a:r>
+              <a:rPr lang="en-US" sz="2000" dirty="0" err="1" smtClean="0"/>
+              <a:t>được</a:t>
+            </a:r>
+            <a:r>
+              <a:rPr lang="en-US" sz="2000" dirty="0" smtClean="0"/>
+              <a:t> </a:t>
+            </a:r>
+            <a:r>
+              <a:rPr lang="en-US" sz="2000" dirty="0" err="1" smtClean="0"/>
+              <a:t>gọi</a:t>
+            </a:r>
+            <a:r>
+              <a:rPr lang="en-US" sz="2000" dirty="0" smtClean="0"/>
+              <a:t> </a:t>
+            </a:r>
+            <a:r>
+              <a:rPr lang="en-US" sz="2000" dirty="0" err="1" smtClean="0"/>
+              <a:t>là</a:t>
+            </a:r>
+            <a:r>
+              <a:rPr lang="en-US" sz="2000" dirty="0" smtClean="0"/>
+              <a:t> “store”.</a:t>
+            </a:r>
+          </a:p>
+          <a:p>
+            <a:r>
+              <a:rPr lang="en-US" sz="2000" dirty="0" err="1" smtClean="0"/>
+              <a:t>Các</a:t>
+            </a:r>
+            <a:r>
+              <a:rPr lang="en-US" sz="2000" dirty="0" smtClean="0"/>
+              <a:t> component </a:t>
+            </a:r>
+            <a:r>
+              <a:rPr lang="en-US" sz="2000" dirty="0" err="1" smtClean="0"/>
+              <a:t>lúc</a:t>
+            </a:r>
+            <a:r>
+              <a:rPr lang="en-US" sz="2000" dirty="0" smtClean="0"/>
+              <a:t> </a:t>
+            </a:r>
+            <a:r>
+              <a:rPr lang="en-US" sz="2000" dirty="0" err="1" smtClean="0"/>
+              <a:t>này</a:t>
+            </a:r>
+            <a:r>
+              <a:rPr lang="en-US" sz="2000" dirty="0" smtClean="0"/>
+              <a:t> </a:t>
+            </a:r>
+            <a:r>
+              <a:rPr lang="en-US" sz="2000" dirty="0" err="1" smtClean="0"/>
+              <a:t>sẽ</a:t>
+            </a:r>
+            <a:r>
+              <a:rPr lang="en-US" sz="2000" dirty="0" smtClean="0"/>
+              <a:t> </a:t>
+            </a:r>
+            <a:r>
+              <a:rPr lang="en-US" sz="2000" dirty="0" err="1" smtClean="0"/>
+              <a:t>gửi</a:t>
+            </a:r>
+            <a:r>
+              <a:rPr lang="en-US" sz="2000" dirty="0" smtClean="0"/>
+              <a:t> </a:t>
+            </a:r>
+            <a:r>
+              <a:rPr lang="en-US" sz="2000" dirty="0" err="1" smtClean="0"/>
+              <a:t>các</a:t>
+            </a:r>
+            <a:r>
+              <a:rPr lang="en-US" sz="2000" dirty="0" smtClean="0"/>
+              <a:t> state </a:t>
+            </a:r>
+            <a:r>
+              <a:rPr lang="en-US" sz="2000" dirty="0" err="1" smtClean="0"/>
+              <a:t>của</a:t>
+            </a:r>
+            <a:r>
+              <a:rPr lang="en-US" sz="2000" dirty="0" smtClean="0"/>
+              <a:t> </a:t>
+            </a:r>
+            <a:r>
+              <a:rPr lang="en-US" sz="2000" dirty="0" err="1" smtClean="0"/>
+              <a:t>mình</a:t>
+            </a:r>
+            <a:r>
+              <a:rPr lang="en-US" sz="2000" dirty="0" smtClean="0"/>
+              <a:t> </a:t>
+            </a:r>
+            <a:r>
+              <a:rPr lang="en-US" sz="2000" dirty="0" err="1" smtClean="0"/>
+              <a:t>vào</a:t>
+            </a:r>
+            <a:r>
+              <a:rPr lang="en-US" sz="2000" dirty="0" smtClean="0"/>
+              <a:t> “store” , </a:t>
+            </a:r>
+            <a:r>
+              <a:rPr lang="en-US" sz="2000" dirty="0" err="1" smtClean="0"/>
+              <a:t>công</a:t>
+            </a:r>
+            <a:r>
+              <a:rPr lang="en-US" sz="2000" dirty="0" smtClean="0"/>
+              <a:t> </a:t>
+            </a:r>
+            <a:r>
+              <a:rPr lang="en-US" sz="2000" dirty="0" err="1" smtClean="0"/>
+              <a:t>việc</a:t>
+            </a:r>
+            <a:r>
+              <a:rPr lang="en-US" sz="2000" dirty="0" smtClean="0"/>
+              <a:t> </a:t>
+            </a:r>
+            <a:r>
+              <a:rPr lang="en-US" sz="2000" dirty="0" err="1" smtClean="0"/>
+              <a:t>này</a:t>
+            </a:r>
+            <a:r>
+              <a:rPr lang="en-US" sz="2000" dirty="0" smtClean="0"/>
+              <a:t> </a:t>
+            </a:r>
+            <a:r>
+              <a:rPr lang="en-US" sz="2000" dirty="0" err="1" smtClean="0"/>
+              <a:t>được</a:t>
+            </a:r>
+            <a:r>
+              <a:rPr lang="en-US" sz="2000" dirty="0" smtClean="0"/>
+              <a:t> </a:t>
+            </a:r>
+            <a:r>
+              <a:rPr lang="en-US" sz="2000" dirty="0" err="1" smtClean="0"/>
+              <a:t>gọi</a:t>
+            </a:r>
+            <a:r>
+              <a:rPr lang="en-US" sz="2000" dirty="0" smtClean="0"/>
+              <a:t> </a:t>
+            </a:r>
+            <a:r>
+              <a:rPr lang="en-US" sz="2000" dirty="0" err="1" smtClean="0"/>
+              <a:t>là</a:t>
+            </a:r>
+            <a:r>
+              <a:rPr lang="en-US" sz="2000" dirty="0" smtClean="0"/>
+              <a:t> “dispatch”. </a:t>
+            </a:r>
+            <a:r>
+              <a:rPr lang="en-US" sz="2000" dirty="0" err="1" smtClean="0"/>
+              <a:t>Và</a:t>
+            </a:r>
+            <a:r>
+              <a:rPr lang="en-US" sz="2000" dirty="0" smtClean="0"/>
+              <a:t> </a:t>
+            </a:r>
+            <a:r>
+              <a:rPr lang="en-US" sz="2000" dirty="0" err="1" smtClean="0"/>
+              <a:t>các</a:t>
+            </a:r>
+            <a:r>
+              <a:rPr lang="en-US" sz="2000" dirty="0" smtClean="0"/>
+              <a:t> component </a:t>
+            </a:r>
+            <a:r>
+              <a:rPr lang="en-US" sz="2000" dirty="0" err="1" smtClean="0"/>
+              <a:t>khác</a:t>
+            </a:r>
+            <a:r>
+              <a:rPr lang="en-US" sz="2000" dirty="0" smtClean="0"/>
+              <a:t> </a:t>
+            </a:r>
+            <a:r>
+              <a:rPr lang="en-US" sz="2000" dirty="0" err="1" smtClean="0"/>
+              <a:t>nếu</a:t>
+            </a:r>
+            <a:r>
+              <a:rPr lang="en-US" sz="2000" dirty="0" smtClean="0"/>
+              <a:t> </a:t>
+            </a:r>
+            <a:r>
+              <a:rPr lang="en-US" sz="2000" dirty="0" err="1" smtClean="0"/>
+              <a:t>muốn</a:t>
+            </a:r>
+            <a:r>
+              <a:rPr lang="en-US" sz="2000" dirty="0" smtClean="0"/>
+              <a:t> </a:t>
+            </a:r>
+            <a:r>
+              <a:rPr lang="en-US" sz="2000" dirty="0" err="1" smtClean="0"/>
+              <a:t>biết</a:t>
+            </a:r>
+            <a:r>
+              <a:rPr lang="en-US" sz="2000" dirty="0" smtClean="0"/>
+              <a:t> </a:t>
+            </a:r>
+            <a:r>
+              <a:rPr lang="en-US" sz="2000" dirty="0" err="1" smtClean="0"/>
+              <a:t>sự</a:t>
+            </a:r>
+            <a:r>
+              <a:rPr lang="en-US" sz="2000" dirty="0" smtClean="0"/>
+              <a:t> </a:t>
+            </a:r>
+            <a:r>
+              <a:rPr lang="en-US" sz="2000" dirty="0" err="1" smtClean="0"/>
+              <a:t>thay</a:t>
+            </a:r>
+            <a:r>
+              <a:rPr lang="en-US" sz="2000" dirty="0" smtClean="0"/>
+              <a:t> </a:t>
+            </a:r>
+            <a:r>
+              <a:rPr lang="en-US" sz="2000" dirty="0" err="1" smtClean="0"/>
+              <a:t>đổi</a:t>
+            </a:r>
+            <a:r>
+              <a:rPr lang="en-US" sz="2000" dirty="0" smtClean="0"/>
+              <a:t> </a:t>
+            </a:r>
+            <a:r>
+              <a:rPr lang="en-US" sz="2000" dirty="0" err="1" smtClean="0"/>
+              <a:t>của</a:t>
+            </a:r>
+            <a:r>
+              <a:rPr lang="en-US" sz="2000" dirty="0" smtClean="0"/>
+              <a:t> state </a:t>
+            </a:r>
+            <a:r>
+              <a:rPr lang="en-US" sz="2000" dirty="0" err="1" smtClean="0"/>
+              <a:t>thì</a:t>
+            </a:r>
+            <a:r>
+              <a:rPr lang="en-US" sz="2000" dirty="0" smtClean="0"/>
+              <a:t> </a:t>
+            </a:r>
+            <a:r>
+              <a:rPr lang="en-US" sz="2000" dirty="0" err="1" smtClean="0"/>
+              <a:t>có</a:t>
+            </a:r>
+            <a:r>
+              <a:rPr lang="en-US" sz="2000" dirty="0" smtClean="0"/>
+              <a:t> </a:t>
+            </a:r>
+            <a:r>
+              <a:rPr lang="en-US" sz="2000" dirty="0" err="1" smtClean="0"/>
+              <a:t>thể</a:t>
+            </a:r>
+            <a:r>
+              <a:rPr lang="en-US" sz="2000" dirty="0" smtClean="0"/>
+              <a:t> “</a:t>
+            </a:r>
+            <a:r>
+              <a:rPr lang="en-US" sz="2000" dirty="0" err="1" smtClean="0"/>
+              <a:t>subcribe</a:t>
+            </a:r>
+            <a:r>
+              <a:rPr lang="en-US" sz="2000" dirty="0" smtClean="0"/>
+              <a:t>” </a:t>
+            </a:r>
+            <a:r>
+              <a:rPr lang="en-US" sz="2000" dirty="0" err="1" smtClean="0"/>
+              <a:t>đến</a:t>
+            </a:r>
+            <a:r>
+              <a:rPr lang="en-US" sz="2000" dirty="0" smtClean="0"/>
+              <a:t> store</a:t>
+            </a:r>
+            <a:endParaRPr lang="vi-VN" sz="2000" dirty="0"/>
+          </a:p>
+        </p:txBody>
+      </p:sp>
+      <p:pic>
+        <p:nvPicPr>
+          <p:cNvPr id="6" name="Picture 5"/>
+          <p:cNvPicPr>
+            <a:picLocks noChangeAspect="1"/>
+          </p:cNvPicPr>
+          <p:nvPr/>
+        </p:nvPicPr>
+        <p:blipFill>
+          <a:blip r:embed="rId2"/>
+          <a:stretch>
+            <a:fillRect/>
+          </a:stretch>
+        </p:blipFill>
+        <p:spPr>
+          <a:xfrm>
+            <a:off x="7173532" y="1905000"/>
+            <a:ext cx="4610100" cy="3190606"/>
+          </a:xfrm>
+          <a:prstGeom prst="rect">
+            <a:avLst/>
+          </a:prstGeom>
+        </p:spPr>
+      </p:pic>
+    </p:spTree>
+    <p:extLst>
+      <p:ext uri="{BB962C8B-B14F-4D97-AF65-F5344CB8AC3E}">
+        <p14:creationId xmlns:p14="http://schemas.microsoft.com/office/powerpoint/2010/main" val="2535699730"/>
+      </p:ext>
+    </p:extLst>
+  </p:cSld>
+  <p:clrMapOvr>
+    <a:masterClrMapping/>
+  </p:clrMapOvr>
+  <p:timing>
+    <p:tnLst>
+      <p:par>
+        <p:cTn id="1" dur="indefinite" restart="never" nodeType="tmRoot"/>
+      </p:par>
+    </p:tnLst>
+  </p:timing>
+</p:sld>
+</file>
+
+<file path=ppt/slides/slide12.xml><?xml version="1.0" encoding="utf-8"?>
+<p:sld xmlns:a="http://schemas.openxmlformats.org/drawingml/2006/main" xmlns:r="http://schemas.openxmlformats.org/officeDocument/2006/relationships" xmlns:p="http://schemas.openxmlformats.org/presentationml/2006/main">
+  <p:cSld>
+    <p:spTree>
+      <p:nvGrpSpPr>
+        <p:cNvPr id="1" name=""/>
+        <p:cNvGrpSpPr/>
+        <p:nvPr/>
+      </p:nvGrpSpPr>
+      <p:grpSpPr>
+        <a:xfrm>
+          <a:off x="0" y="0"/>
+          <a:ext cx="0" cy="0"/>
+          <a:chOff x="0" y="0"/>
+          <a:chExt cx="0" cy="0"/>
+        </a:xfrm>
+      </p:grpSpPr>
+      <p:sp>
+        <p:nvSpPr>
+          <p:cNvPr id="2" name="Title 1"/>
+          <p:cNvSpPr>
+            <a:spLocks noGrp="1"/>
+          </p:cNvSpPr>
+          <p:nvPr>
+            <p:ph type="title"/>
+          </p:nvPr>
+        </p:nvSpPr>
+        <p:spPr/>
+        <p:txBody>
+          <a:bodyPr/>
+          <a:lstStyle/>
+          <a:p>
+            <a:r>
+              <a:rPr lang="en-US" dirty="0" smtClean="0"/>
+              <a:t>Redux</a:t>
+            </a:r>
+            <a:endParaRPr lang="vi-VN" dirty="0"/>
+          </a:p>
+        </p:txBody>
+      </p:sp>
+      <p:sp>
+        <p:nvSpPr>
+          <p:cNvPr id="4" name="Content Placeholder 3"/>
+          <p:cNvSpPr>
+            <a:spLocks noGrp="1"/>
+          </p:cNvSpPr>
+          <p:nvPr>
+            <p:ph idx="1"/>
+          </p:nvPr>
+        </p:nvSpPr>
+        <p:spPr/>
+        <p:txBody>
+          <a:bodyPr/>
+          <a:lstStyle/>
+          <a:p>
+            <a:endParaRPr lang="vi-VN" dirty="0"/>
+          </a:p>
+        </p:txBody>
+      </p:sp>
+      <p:pic>
+        <p:nvPicPr>
+          <p:cNvPr id="5" name="Picture 4"/>
+          <p:cNvPicPr>
+            <a:picLocks noChangeAspect="1"/>
+          </p:cNvPicPr>
+          <p:nvPr/>
+        </p:nvPicPr>
+        <p:blipFill>
+          <a:blip r:embed="rId2"/>
+          <a:stretch>
+            <a:fillRect/>
+          </a:stretch>
+        </p:blipFill>
+        <p:spPr>
+          <a:xfrm>
+            <a:off x="2589212" y="1593536"/>
+            <a:ext cx="7907070" cy="5091674"/>
+          </a:xfrm>
+          <a:prstGeom prst="rect">
+            <a:avLst/>
+          </a:prstGeom>
+        </p:spPr>
+      </p:pic>
+    </p:spTree>
+    <p:extLst>
+      <p:ext uri="{BB962C8B-B14F-4D97-AF65-F5344CB8AC3E}">
+        <p14:creationId xmlns:p14="http://schemas.microsoft.com/office/powerpoint/2010/main" val="3552697347"/>
+      </p:ext>
+    </p:extLst>
+  </p:cSld>
+  <p:clrMapOvr>
+    <a:masterClrMapping/>
+  </p:clrMapOvr>
+  <p:timing>
+    <p:tnLst>
+      <p:par>
+        <p:cTn id="1" dur="indefinite" restart="never" nodeType="tmRoot"/>
+      </p:par>
+    </p:tnLst>
+  </p:timing>
+</p:sld>
+</file>
+
+<file path=ppt/slides/slide13.xml><?xml version="1.0" encoding="utf-8"?>
+<p:sld xmlns:a="http://schemas.openxmlformats.org/drawingml/2006/main" xmlns:r="http://schemas.openxmlformats.org/officeDocument/2006/relationships" xmlns:p="http://schemas.openxmlformats.org/presentationml/2006/main">
+  <p:cSld>
+    <p:spTree>
+      <p:nvGrpSpPr>
+        <p:cNvPr id="1" name=""/>
+        <p:cNvGrpSpPr/>
+        <p:nvPr/>
+      </p:nvGrpSpPr>
+      <p:grpSpPr>
+        <a:xfrm>
+          <a:off x="0" y="0"/>
+          <a:ext cx="0" cy="0"/>
+          <a:chOff x="0" y="0"/>
+          <a:chExt cx="0" cy="0"/>
+        </a:xfrm>
+      </p:grpSpPr>
+      <p:sp>
+        <p:nvSpPr>
+          <p:cNvPr id="2" name="Title 1"/>
+          <p:cNvSpPr>
+            <a:spLocks noGrp="1"/>
+          </p:cNvSpPr>
+          <p:nvPr>
+            <p:ph type="title"/>
+          </p:nvPr>
+        </p:nvSpPr>
+        <p:spPr/>
+        <p:txBody>
+          <a:bodyPr/>
+          <a:lstStyle/>
+          <a:p>
+            <a:r>
+              <a:rPr lang="en-US" dirty="0" smtClean="0"/>
+              <a:t>Redux</a:t>
+            </a:r>
+            <a:endParaRPr lang="vi-VN" dirty="0"/>
+          </a:p>
+        </p:txBody>
+      </p:sp>
+      <p:sp>
+        <p:nvSpPr>
+          <p:cNvPr id="4" name="Content Placeholder 3"/>
+          <p:cNvSpPr>
+            <a:spLocks noGrp="1"/>
+          </p:cNvSpPr>
+          <p:nvPr>
+            <p:ph idx="1"/>
+          </p:nvPr>
+        </p:nvSpPr>
+        <p:spPr/>
+        <p:txBody>
+          <a:bodyPr>
+            <a:normAutofit/>
+          </a:bodyPr>
+          <a:lstStyle/>
+          <a:p>
+            <a:pPr marL="0" indent="0">
+              <a:buNone/>
+            </a:pPr>
+            <a:r>
+              <a:rPr lang="en-US" sz="2800" dirty="0" err="1" smtClean="0"/>
+              <a:t>Với</a:t>
+            </a:r>
+            <a:r>
+              <a:rPr lang="en-US" sz="2800" dirty="0" smtClean="0"/>
+              <a:t> Redux, </a:t>
+            </a:r>
+            <a:r>
+              <a:rPr lang="en-US" sz="2800" dirty="0" err="1" smtClean="0"/>
+              <a:t>tất</a:t>
+            </a:r>
+            <a:r>
+              <a:rPr lang="en-US" sz="2800" dirty="0" smtClean="0"/>
+              <a:t> </a:t>
+            </a:r>
+            <a:r>
+              <a:rPr lang="en-US" sz="2800" dirty="0" err="1" smtClean="0"/>
+              <a:t>cả</a:t>
+            </a:r>
+            <a:r>
+              <a:rPr lang="en-US" sz="2800" dirty="0" smtClean="0"/>
+              <a:t> </a:t>
+            </a:r>
+            <a:r>
+              <a:rPr lang="en-US" sz="2800" dirty="0" err="1" smtClean="0"/>
+              <a:t>các</a:t>
+            </a:r>
+            <a:r>
+              <a:rPr lang="en-US" sz="2800" dirty="0" smtClean="0"/>
+              <a:t> component </a:t>
+            </a:r>
+            <a:r>
+              <a:rPr lang="en-US" sz="2800" dirty="0" err="1" smtClean="0"/>
+              <a:t>đều</a:t>
+            </a:r>
+            <a:r>
+              <a:rPr lang="en-US" sz="2800" dirty="0" smtClean="0"/>
+              <a:t> </a:t>
+            </a:r>
+            <a:r>
+              <a:rPr lang="en-US" sz="2800" dirty="0" err="1" smtClean="0"/>
+              <a:t>có</a:t>
+            </a:r>
+            <a:r>
+              <a:rPr lang="en-US" sz="2800" dirty="0" smtClean="0"/>
+              <a:t> </a:t>
+            </a:r>
+            <a:r>
+              <a:rPr lang="en-US" sz="2800" dirty="0" err="1" smtClean="0"/>
+              <a:t>thể</a:t>
+            </a:r>
+            <a:r>
+              <a:rPr lang="en-US" sz="2800" dirty="0" smtClean="0"/>
+              <a:t> </a:t>
+            </a:r>
+            <a:r>
+              <a:rPr lang="en-US" sz="2800" dirty="0" err="1" smtClean="0"/>
+              <a:t>lấy</a:t>
+            </a:r>
+            <a:r>
+              <a:rPr lang="en-US" sz="2800" dirty="0" smtClean="0"/>
+              <a:t> state </a:t>
+            </a:r>
+            <a:r>
+              <a:rPr lang="en-US" sz="2800" dirty="0" err="1" smtClean="0"/>
+              <a:t>từ</a:t>
+            </a:r>
+            <a:r>
+              <a:rPr lang="en-US" sz="2800" dirty="0" smtClean="0"/>
+              <a:t> store. </a:t>
+            </a:r>
+            <a:r>
+              <a:rPr lang="en-US" sz="2800" dirty="0" err="1" smtClean="0"/>
+              <a:t>Các</a:t>
+            </a:r>
+            <a:r>
+              <a:rPr lang="en-US" sz="2800" dirty="0" smtClean="0"/>
+              <a:t> component </a:t>
+            </a:r>
+            <a:r>
+              <a:rPr lang="en-US" sz="2800" dirty="0" err="1" smtClean="0"/>
+              <a:t>chỉ</a:t>
+            </a:r>
+            <a:r>
+              <a:rPr lang="en-US" sz="2800" dirty="0" smtClean="0"/>
+              <a:t> </a:t>
+            </a:r>
+            <a:r>
+              <a:rPr lang="en-US" sz="2800" dirty="0" err="1" smtClean="0"/>
+              <a:t>cần</a:t>
+            </a:r>
+            <a:r>
+              <a:rPr lang="en-US" sz="2800" dirty="0" smtClean="0"/>
+              <a:t> </a:t>
+            </a:r>
+            <a:r>
+              <a:rPr lang="en-US" sz="2800" dirty="0" err="1" smtClean="0"/>
+              <a:t>khai</a:t>
+            </a:r>
+            <a:r>
+              <a:rPr lang="en-US" sz="2800" dirty="0" smtClean="0"/>
+              <a:t> </a:t>
+            </a:r>
+            <a:r>
+              <a:rPr lang="en-US" sz="2800" dirty="0" err="1" smtClean="0"/>
+              <a:t>báo</a:t>
+            </a:r>
+            <a:r>
+              <a:rPr lang="en-US" sz="2800" dirty="0" smtClean="0"/>
+              <a:t> </a:t>
+            </a:r>
+            <a:r>
+              <a:rPr lang="en-US" sz="2800" dirty="0" err="1" smtClean="0"/>
+              <a:t>sự</a:t>
+            </a:r>
+            <a:r>
+              <a:rPr lang="en-US" sz="2800" dirty="0" smtClean="0"/>
+              <a:t> </a:t>
+            </a:r>
+            <a:r>
+              <a:rPr lang="en-US" sz="2800" dirty="0" err="1" smtClean="0"/>
+              <a:t>thay</a:t>
+            </a:r>
+            <a:r>
+              <a:rPr lang="en-US" sz="2800" dirty="0" smtClean="0"/>
+              <a:t> </a:t>
+            </a:r>
+            <a:r>
+              <a:rPr lang="en-US" sz="2800" dirty="0" err="1" smtClean="0"/>
+              <a:t>đổi</a:t>
+            </a:r>
+            <a:r>
+              <a:rPr lang="en-US" sz="2800" dirty="0" smtClean="0"/>
+              <a:t> </a:t>
+            </a:r>
+            <a:r>
+              <a:rPr lang="en-US" sz="2800" dirty="0" err="1" smtClean="0"/>
+              <a:t>dữ</a:t>
+            </a:r>
+            <a:r>
+              <a:rPr lang="en-US" sz="2800" dirty="0" smtClean="0"/>
+              <a:t> </a:t>
+            </a:r>
+            <a:r>
+              <a:rPr lang="en-US" sz="2800" dirty="0" err="1" smtClean="0"/>
+              <a:t>liệu</a:t>
+            </a:r>
+            <a:r>
+              <a:rPr lang="en-US" sz="2800" dirty="0" smtClean="0"/>
+              <a:t> </a:t>
+            </a:r>
+            <a:r>
+              <a:rPr lang="en-US" sz="2800" dirty="0" err="1" smtClean="0"/>
+              <a:t>chỉ</a:t>
+            </a:r>
+            <a:r>
+              <a:rPr lang="en-US" sz="2800" dirty="0" smtClean="0"/>
+              <a:t> </a:t>
+            </a:r>
+            <a:r>
+              <a:rPr lang="en-US" sz="2800" dirty="0" err="1" smtClean="0"/>
+              <a:t>liên</a:t>
+            </a:r>
+            <a:r>
+              <a:rPr lang="en-US" sz="2800" dirty="0" smtClean="0"/>
+              <a:t> </a:t>
+            </a:r>
+            <a:r>
+              <a:rPr lang="en-US" sz="2800" dirty="0" err="1" smtClean="0"/>
+              <a:t>quan</a:t>
+            </a:r>
+            <a:r>
+              <a:rPr lang="en-US" sz="2800" dirty="0" smtClean="0"/>
+              <a:t> </a:t>
+            </a:r>
+            <a:r>
+              <a:rPr lang="en-US" sz="2800" dirty="0" err="1" smtClean="0"/>
+              <a:t>đến</a:t>
+            </a:r>
+            <a:r>
+              <a:rPr lang="en-US" sz="2800" dirty="0" smtClean="0"/>
+              <a:t> </a:t>
+            </a:r>
+            <a:r>
+              <a:rPr lang="en-US" sz="2800" dirty="0" err="1" smtClean="0"/>
+              <a:t>việc</a:t>
+            </a:r>
+            <a:r>
+              <a:rPr lang="en-US" sz="2800" dirty="0" smtClean="0"/>
+              <a:t> “dispatching” </a:t>
+            </a:r>
+            <a:r>
+              <a:rPr lang="en-US" sz="2800" dirty="0" err="1" smtClean="0"/>
+              <a:t>sự</a:t>
+            </a:r>
+            <a:r>
+              <a:rPr lang="en-US" sz="2800" dirty="0" smtClean="0"/>
+              <a:t> </a:t>
+            </a:r>
+            <a:r>
+              <a:rPr lang="en-US" sz="2800" dirty="0" err="1" smtClean="0"/>
+              <a:t>thay</a:t>
+            </a:r>
+            <a:r>
+              <a:rPr lang="en-US" sz="2800" dirty="0" smtClean="0"/>
+              <a:t> </a:t>
+            </a:r>
+            <a:r>
+              <a:rPr lang="en-US" sz="2800" dirty="0" err="1" smtClean="0"/>
+              <a:t>đổi</a:t>
+            </a:r>
+            <a:r>
+              <a:rPr lang="en-US" sz="2800" dirty="0" smtClean="0"/>
+              <a:t> </a:t>
+            </a:r>
+            <a:r>
+              <a:rPr lang="en-US" sz="2800" dirty="0" err="1" smtClean="0"/>
+              <a:t>đến</a:t>
+            </a:r>
+            <a:r>
+              <a:rPr lang="en-US" sz="2800" dirty="0" smtClean="0"/>
+              <a:t> store </a:t>
+            </a:r>
+            <a:r>
+              <a:rPr lang="en-US" sz="2800" dirty="0" err="1" smtClean="0"/>
+              <a:t>mà</a:t>
+            </a:r>
+            <a:r>
+              <a:rPr lang="en-US" sz="2800" dirty="0" smtClean="0"/>
+              <a:t> </a:t>
+            </a:r>
+            <a:r>
+              <a:rPr lang="en-US" sz="2800" dirty="0" err="1" smtClean="0"/>
+              <a:t>không</a:t>
+            </a:r>
+            <a:r>
+              <a:rPr lang="en-US" sz="2800" dirty="0" smtClean="0"/>
+              <a:t> </a:t>
+            </a:r>
+            <a:r>
+              <a:rPr lang="en-US" sz="2800" dirty="0" err="1" smtClean="0"/>
+              <a:t>cần</a:t>
+            </a:r>
+            <a:r>
+              <a:rPr lang="en-US" sz="2800" dirty="0" smtClean="0"/>
+              <a:t> </a:t>
+            </a:r>
+            <a:r>
+              <a:rPr lang="en-US" sz="2800" dirty="0" err="1" smtClean="0"/>
+              <a:t>quan</a:t>
+            </a:r>
+            <a:r>
+              <a:rPr lang="en-US" sz="2800" dirty="0" smtClean="0"/>
+              <a:t> </a:t>
+            </a:r>
+            <a:r>
+              <a:rPr lang="en-US" sz="2800" dirty="0" err="1" smtClean="0"/>
+              <a:t>tâm</a:t>
+            </a:r>
+            <a:r>
+              <a:rPr lang="en-US" sz="2800" dirty="0" smtClean="0"/>
+              <a:t> </a:t>
+            </a:r>
+            <a:r>
+              <a:rPr lang="en-US" sz="2800" dirty="0" err="1" smtClean="0"/>
+              <a:t>đếm</a:t>
+            </a:r>
+            <a:r>
+              <a:rPr lang="en-US" sz="2800" dirty="0" smtClean="0"/>
+              <a:t> </a:t>
+            </a:r>
+            <a:r>
+              <a:rPr lang="en-US" sz="2800" dirty="0" err="1" smtClean="0"/>
+              <a:t>các</a:t>
+            </a:r>
+            <a:r>
+              <a:rPr lang="en-US" sz="2800" dirty="0" smtClean="0"/>
+              <a:t> component </a:t>
+            </a:r>
+            <a:r>
+              <a:rPr lang="en-US" sz="2800" dirty="0" err="1" smtClean="0"/>
+              <a:t>cần</a:t>
+            </a:r>
+            <a:r>
+              <a:rPr lang="en-US" sz="2800" dirty="0" smtClean="0"/>
+              <a:t> </a:t>
+            </a:r>
+            <a:r>
+              <a:rPr lang="en-US" sz="2800" dirty="0" err="1" smtClean="0"/>
+              <a:t>biết</a:t>
+            </a:r>
+            <a:r>
+              <a:rPr lang="en-US" sz="2800" dirty="0" smtClean="0"/>
+              <a:t> </a:t>
+            </a:r>
+            <a:r>
+              <a:rPr lang="en-US" sz="2800" dirty="0" err="1" smtClean="0"/>
+              <a:t>đến</a:t>
+            </a:r>
+            <a:r>
+              <a:rPr lang="en-US" sz="2800" dirty="0" smtClean="0"/>
+              <a:t> </a:t>
+            </a:r>
+            <a:r>
+              <a:rPr lang="en-US" sz="2800" dirty="0" err="1" smtClean="0"/>
+              <a:t>sự</a:t>
+            </a:r>
+            <a:r>
+              <a:rPr lang="en-US" sz="2800" dirty="0" smtClean="0"/>
+              <a:t> </a:t>
+            </a:r>
+            <a:r>
+              <a:rPr lang="en-US" sz="2800" dirty="0" err="1" smtClean="0"/>
+              <a:t>thay</a:t>
+            </a:r>
+            <a:r>
+              <a:rPr lang="en-US" sz="2800" dirty="0" smtClean="0"/>
+              <a:t> </a:t>
+            </a:r>
+            <a:r>
+              <a:rPr lang="en-US" sz="2800" dirty="0" err="1" smtClean="0"/>
+              <a:t>đổi</a:t>
+            </a:r>
+            <a:r>
+              <a:rPr lang="en-US" sz="2800" dirty="0" smtClean="0"/>
+              <a:t> </a:t>
+            </a:r>
+            <a:r>
+              <a:rPr lang="en-US" sz="2800" dirty="0" err="1" smtClean="0"/>
+              <a:t>đó</a:t>
+            </a:r>
+            <a:r>
+              <a:rPr lang="en-US" sz="2800" dirty="0" smtClean="0"/>
+              <a:t>. </a:t>
+            </a:r>
+            <a:r>
+              <a:rPr lang="en-US" sz="2800" dirty="0" err="1" smtClean="0"/>
+              <a:t>Đó</a:t>
+            </a:r>
+            <a:r>
+              <a:rPr lang="en-US" sz="2800" dirty="0" smtClean="0"/>
+              <a:t> </a:t>
+            </a:r>
+            <a:r>
+              <a:rPr lang="en-US" sz="2800" dirty="0" err="1" smtClean="0"/>
+              <a:t>là</a:t>
+            </a:r>
+            <a:r>
+              <a:rPr lang="en-US" sz="2800" dirty="0" smtClean="0"/>
+              <a:t> </a:t>
+            </a:r>
+            <a:r>
+              <a:rPr lang="en-US" sz="2800" dirty="0" err="1" smtClean="0"/>
+              <a:t>cách</a:t>
+            </a:r>
+            <a:r>
+              <a:rPr lang="en-US" sz="2800" dirty="0" smtClean="0"/>
+              <a:t> </a:t>
+            </a:r>
+            <a:r>
+              <a:rPr lang="en-US" sz="2800" dirty="0" err="1" smtClean="0"/>
+              <a:t>mà</a:t>
+            </a:r>
+            <a:r>
+              <a:rPr lang="en-US" sz="2800" dirty="0" smtClean="0"/>
+              <a:t> Redux </a:t>
+            </a:r>
+            <a:r>
+              <a:rPr lang="en-US" sz="2800" dirty="0" err="1" smtClean="0"/>
+              <a:t>làm</a:t>
+            </a:r>
+            <a:r>
+              <a:rPr lang="en-US" sz="2800" dirty="0" smtClean="0"/>
+              <a:t> </a:t>
+            </a:r>
+            <a:r>
+              <a:rPr lang="en-US" sz="2800" dirty="0" err="1" smtClean="0"/>
+              <a:t>cho</a:t>
+            </a:r>
+            <a:r>
+              <a:rPr lang="en-US" sz="2800" dirty="0" smtClean="0"/>
+              <a:t> data flow </a:t>
+            </a:r>
+            <a:r>
+              <a:rPr lang="en-US" sz="2800" dirty="0" err="1" smtClean="0"/>
+              <a:t>dễ</a:t>
+            </a:r>
+            <a:r>
+              <a:rPr lang="en-US" sz="2800" dirty="0" smtClean="0"/>
+              <a:t> </a:t>
+            </a:r>
+            <a:r>
+              <a:rPr lang="en-US" sz="2800" dirty="0" err="1" smtClean="0"/>
+              <a:t>dàng</a:t>
+            </a:r>
+            <a:r>
+              <a:rPr lang="en-US" sz="2800" dirty="0" smtClean="0"/>
+              <a:t> </a:t>
+            </a:r>
+            <a:r>
+              <a:rPr lang="en-US" sz="2800" dirty="0" err="1" smtClean="0"/>
+              <a:t>hơn</a:t>
+            </a:r>
+            <a:r>
+              <a:rPr lang="en-US" sz="2800" dirty="0" smtClean="0"/>
+              <a:t>.</a:t>
+            </a:r>
+          </a:p>
+          <a:p>
+            <a:endParaRPr lang="vi-VN" sz="2000" dirty="0"/>
+          </a:p>
+        </p:txBody>
+      </p:sp>
+    </p:spTree>
+    <p:extLst>
+      <p:ext uri="{BB962C8B-B14F-4D97-AF65-F5344CB8AC3E}">
+        <p14:creationId xmlns:p14="http://schemas.microsoft.com/office/powerpoint/2010/main" val="2740131000"/>
+      </p:ext>
+    </p:extLst>
+  </p:cSld>
+  <p:clrMapOvr>
+    <a:masterClrMapping/>
+  </p:clrMapOvr>
+  <p:timing>
+    <p:tnLst>
+      <p:par>
+        <p:cTn id="1" dur="indefinite" restart="never" nodeType="tmRoot"/>
+      </p:par>
+    </p:tnLst>
+  </p:timing>
+</p:sld>
+</file>
+
+<file path=ppt/slides/slide14.xml><?xml version="1.0" encoding="utf-8"?>
+<p:sld xmlns:a="http://schemas.openxmlformats.org/drawingml/2006/main" xmlns:r="http://schemas.openxmlformats.org/officeDocument/2006/relationships" xmlns:p="http://schemas.openxmlformats.org/presentationml/2006/main">
+  <p:cSld>
+    <p:spTree>
+      <p:nvGrpSpPr>
+        <p:cNvPr id="1" name=""/>
+        <p:cNvGrpSpPr/>
+        <p:nvPr/>
+      </p:nvGrpSpPr>
+      <p:grpSpPr>
+        <a:xfrm>
+          <a:off x="0" y="0"/>
+          <a:ext cx="0" cy="0"/>
+          <a:chOff x="0" y="0"/>
+          <a:chExt cx="0" cy="0"/>
+        </a:xfrm>
+      </p:grpSpPr>
+      <p:sp>
+        <p:nvSpPr>
+          <p:cNvPr id="2" name="Title 1"/>
+          <p:cNvSpPr>
+            <a:spLocks noGrp="1"/>
+          </p:cNvSpPr>
+          <p:nvPr>
+            <p:ph type="title"/>
+          </p:nvPr>
+        </p:nvSpPr>
+        <p:spPr/>
+        <p:txBody>
+          <a:bodyPr/>
+          <a:lstStyle/>
+          <a:p>
+            <a:r>
+              <a:rPr lang="en-US" dirty="0" smtClean="0"/>
+              <a:t>Redux Flow</a:t>
+            </a:r>
+            <a:endParaRPr lang="vi-VN" dirty="0"/>
+          </a:p>
+        </p:txBody>
+      </p:sp>
+      <p:sp>
+        <p:nvSpPr>
+          <p:cNvPr id="3" name="Content Placeholder 2"/>
+          <p:cNvSpPr>
+            <a:spLocks noGrp="1"/>
+          </p:cNvSpPr>
+          <p:nvPr>
+            <p:ph idx="1"/>
+          </p:nvPr>
+        </p:nvSpPr>
+        <p:spPr/>
+        <p:txBody>
+          <a:bodyPr/>
+          <a:lstStyle/>
+          <a:p>
+            <a:endParaRPr lang="vi-VN" dirty="0"/>
+          </a:p>
+        </p:txBody>
+      </p:sp>
+      <p:pic>
+        <p:nvPicPr>
+          <p:cNvPr id="4" name="Picture 3"/>
+          <p:cNvPicPr>
+            <a:picLocks noChangeAspect="1"/>
+          </p:cNvPicPr>
+          <p:nvPr/>
+        </p:nvPicPr>
+        <p:blipFill>
+          <a:blip r:embed="rId2"/>
+          <a:stretch>
+            <a:fillRect/>
+          </a:stretch>
+        </p:blipFill>
+        <p:spPr>
+          <a:xfrm>
+            <a:off x="1836737" y="1389643"/>
+            <a:ext cx="9667875" cy="4619625"/>
+          </a:xfrm>
+          <a:prstGeom prst="rect">
+            <a:avLst/>
+          </a:prstGeom>
+        </p:spPr>
+      </p:pic>
+    </p:spTree>
+    <p:extLst>
+      <p:ext uri="{BB962C8B-B14F-4D97-AF65-F5344CB8AC3E}">
+        <p14:creationId xmlns:p14="http://schemas.microsoft.com/office/powerpoint/2010/main" val="3047399796"/>
+      </p:ext>
+    </p:extLst>
+  </p:cSld>
+  <p:clrMapOvr>
+    <a:masterClrMapping/>
+  </p:clrMapOvr>
+  <p:timing>
+    <p:tnLst>
+      <p:par>
+        <p:cTn id="1" dur="indefinite" restart="never" nodeType="tmRoot"/>
+      </p:par>
+    </p:tnLst>
+  </p:timing>
+</p:sld>
+</file>
+
+<file path=ppt/slides/slide15.xml><?xml version="1.0" encoding="utf-8"?>
+<p:sld xmlns:a="http://schemas.openxmlformats.org/drawingml/2006/main" xmlns:r="http://schemas.openxmlformats.org/officeDocument/2006/relationships" xmlns:p="http://schemas.openxmlformats.org/presentationml/2006/main">
+  <p:cSld>
+    <p:spTree>
+      <p:nvGrpSpPr>
+        <p:cNvPr id="1" name=""/>
+        <p:cNvGrpSpPr/>
+        <p:nvPr/>
+      </p:nvGrpSpPr>
+      <p:grpSpPr>
+        <a:xfrm>
+          <a:off x="0" y="0"/>
+          <a:ext cx="0" cy="0"/>
+          <a:chOff x="0" y="0"/>
+          <a:chExt cx="0" cy="0"/>
+        </a:xfrm>
+      </p:grpSpPr>
+      <p:sp>
+        <p:nvSpPr>
+          <p:cNvPr id="2" name="Title 1"/>
+          <p:cNvSpPr>
+            <a:spLocks noGrp="1"/>
+          </p:cNvSpPr>
+          <p:nvPr>
+            <p:ph type="title"/>
+          </p:nvPr>
+        </p:nvSpPr>
+        <p:spPr/>
+        <p:txBody>
+          <a:bodyPr/>
+          <a:lstStyle/>
+          <a:p>
+            <a:r>
+              <a:rPr lang="en-US" dirty="0" err="1" smtClean="0"/>
+              <a:t>Những</a:t>
+            </a:r>
+            <a:r>
+              <a:rPr lang="en-US" dirty="0" smtClean="0"/>
+              <a:t> </a:t>
+            </a:r>
+            <a:r>
+              <a:rPr lang="en-US" dirty="0" err="1" smtClean="0"/>
+              <a:t>đặc</a:t>
+            </a:r>
+            <a:r>
+              <a:rPr lang="en-US" dirty="0" smtClean="0"/>
+              <a:t> </a:t>
+            </a:r>
+            <a:r>
+              <a:rPr lang="en-US" dirty="0" err="1" smtClean="0"/>
+              <a:t>điểm</a:t>
+            </a:r>
+            <a:r>
+              <a:rPr lang="en-US" dirty="0" smtClean="0"/>
+              <a:t> </a:t>
+            </a:r>
+            <a:r>
+              <a:rPr lang="en-US" dirty="0" err="1" smtClean="0"/>
+              <a:t>của</a:t>
+            </a:r>
+            <a:r>
+              <a:rPr lang="en-US" dirty="0" smtClean="0"/>
+              <a:t> Redux</a:t>
+            </a:r>
+            <a:br>
+              <a:rPr lang="en-US" dirty="0" smtClean="0"/>
+            </a:br>
+            <a:endParaRPr lang="vi-VN" dirty="0"/>
+          </a:p>
+        </p:txBody>
+      </p:sp>
+      <p:sp>
+        <p:nvSpPr>
+          <p:cNvPr id="3" name="Content Placeholder 2"/>
+          <p:cNvSpPr>
+            <a:spLocks noGrp="1"/>
+          </p:cNvSpPr>
+          <p:nvPr>
+            <p:ph idx="1"/>
+          </p:nvPr>
+        </p:nvSpPr>
+        <p:spPr/>
+        <p:txBody>
+          <a:bodyPr>
+            <a:normAutofit/>
+          </a:bodyPr>
+          <a:lstStyle/>
+          <a:p>
+            <a:pPr>
+              <a:buFont typeface="+mj-lt"/>
+              <a:buAutoNum type="arabicPeriod"/>
+            </a:pPr>
+            <a:r>
+              <a:rPr lang="en-US" sz="2000" dirty="0"/>
+              <a:t>	</a:t>
+            </a:r>
+            <a:r>
+              <a:rPr lang="en-US" sz="2000" dirty="0" err="1"/>
+              <a:t>Nguồn</a:t>
+            </a:r>
+            <a:r>
+              <a:rPr lang="en-US" sz="2000" dirty="0"/>
+              <a:t> </a:t>
+            </a:r>
+            <a:r>
+              <a:rPr lang="en-US" sz="2000" dirty="0" err="1"/>
+              <a:t>dữ</a:t>
+            </a:r>
+            <a:r>
+              <a:rPr lang="en-US" sz="2000" dirty="0"/>
+              <a:t> </a:t>
+            </a:r>
+            <a:r>
+              <a:rPr lang="en-US" sz="2000" dirty="0" err="1"/>
+              <a:t>liệu</a:t>
+            </a:r>
+            <a:r>
+              <a:rPr lang="en-US" sz="2000" dirty="0"/>
+              <a:t> </a:t>
+            </a:r>
+            <a:r>
+              <a:rPr lang="en-US" sz="2000" dirty="0" err="1"/>
+              <a:t>đáng</a:t>
+            </a:r>
+            <a:r>
+              <a:rPr lang="en-US" sz="2000" dirty="0"/>
+              <a:t> tin </a:t>
+            </a:r>
+            <a:r>
+              <a:rPr lang="en-US" sz="2000" dirty="0" err="1"/>
+              <a:t>cậy</a:t>
+            </a:r>
+            <a:r>
+              <a:rPr lang="en-US" sz="2000" dirty="0"/>
+              <a:t> </a:t>
+            </a:r>
+            <a:r>
+              <a:rPr lang="en-US" sz="2000" dirty="0" err="1"/>
+              <a:t>duy</a:t>
+            </a:r>
+            <a:r>
+              <a:rPr lang="en-US" sz="2000" dirty="0"/>
+              <a:t> </a:t>
+            </a:r>
+            <a:r>
+              <a:rPr lang="en-US" sz="2000" dirty="0" err="1" smtClean="0"/>
+              <a:t>nhất</a:t>
+            </a:r>
+            <a:endParaRPr lang="en-US" sz="2000" dirty="0" smtClean="0"/>
+          </a:p>
+          <a:p>
+            <a:pPr marL="457200" lvl="1" indent="0">
+              <a:buNone/>
+            </a:pPr>
+            <a:r>
+              <a:rPr lang="en-US" sz="1800" dirty="0"/>
+              <a:t>	Redux </a:t>
+            </a:r>
+            <a:r>
+              <a:rPr lang="en-US" sz="1800" dirty="0" err="1"/>
+              <a:t>dùng</a:t>
+            </a:r>
+            <a:r>
+              <a:rPr lang="en-US" sz="1800" dirty="0"/>
+              <a:t> </a:t>
+            </a:r>
+            <a:r>
+              <a:rPr lang="en-US" sz="1800" dirty="0" err="1"/>
+              <a:t>để</a:t>
+            </a:r>
+            <a:r>
+              <a:rPr lang="en-US" sz="1800" dirty="0"/>
+              <a:t> </a:t>
+            </a:r>
+            <a:r>
+              <a:rPr lang="en-US" sz="1800" dirty="0" err="1"/>
+              <a:t>lưu</a:t>
+            </a:r>
+            <a:r>
+              <a:rPr lang="en-US" sz="1800" dirty="0"/>
+              <a:t> </a:t>
+            </a:r>
+            <a:r>
+              <a:rPr lang="en-US" sz="1800" dirty="0" err="1"/>
+              <a:t>trữ</a:t>
+            </a:r>
+            <a:r>
+              <a:rPr lang="en-US" sz="1800" dirty="0"/>
+              <a:t> </a:t>
+            </a:r>
+            <a:r>
+              <a:rPr lang="en-US" sz="1800" dirty="0" err="1"/>
+              <a:t>các</a:t>
+            </a:r>
+            <a:r>
+              <a:rPr lang="en-US" sz="1800" dirty="0"/>
+              <a:t> state </a:t>
+            </a:r>
+            <a:r>
+              <a:rPr lang="en-US" sz="1800" dirty="0" err="1"/>
+              <a:t>của</a:t>
+            </a:r>
+            <a:r>
+              <a:rPr lang="en-US" sz="1800" dirty="0"/>
+              <a:t> </a:t>
+            </a:r>
+            <a:r>
+              <a:rPr lang="en-US" sz="1800" dirty="0" err="1"/>
+              <a:t>ứng</a:t>
+            </a:r>
+            <a:r>
+              <a:rPr lang="en-US" sz="1800" dirty="0"/>
+              <a:t> </a:t>
+            </a:r>
+            <a:r>
+              <a:rPr lang="en-US" sz="1800" dirty="0" err="1"/>
+              <a:t>dụng</a:t>
+            </a:r>
+            <a:r>
+              <a:rPr lang="en-US" sz="1800" dirty="0"/>
+              <a:t> </a:t>
+            </a:r>
+            <a:r>
+              <a:rPr lang="en-US" sz="1800" dirty="0" err="1"/>
+              <a:t>vào</a:t>
+            </a:r>
+            <a:r>
+              <a:rPr lang="en-US" sz="1800" dirty="0"/>
+              <a:t> </a:t>
+            </a:r>
+            <a:r>
+              <a:rPr lang="en-US" sz="1800" dirty="0" err="1"/>
+              <a:t>một</a:t>
+            </a:r>
+            <a:r>
+              <a:rPr lang="en-US" sz="1800" dirty="0"/>
+              <a:t> </a:t>
+            </a:r>
+            <a:r>
+              <a:rPr lang="en-US" sz="1800" dirty="0" err="1"/>
+              <a:t>nơi</a:t>
+            </a:r>
+            <a:r>
+              <a:rPr lang="en-US" sz="1800" dirty="0"/>
+              <a:t>, </a:t>
+            </a:r>
+            <a:r>
+              <a:rPr lang="en-US" sz="1800" dirty="0" err="1"/>
+              <a:t>và</a:t>
+            </a:r>
+            <a:r>
+              <a:rPr lang="en-US" sz="1800" dirty="0"/>
+              <a:t> Redux </a:t>
+            </a:r>
+            <a:r>
+              <a:rPr lang="en-US" sz="1800" dirty="0" err="1"/>
+              <a:t>gọi</a:t>
+            </a:r>
+            <a:r>
+              <a:rPr lang="en-US" sz="1800" dirty="0"/>
+              <a:t> </a:t>
+            </a:r>
+            <a:r>
+              <a:rPr lang="en-US" sz="1800" dirty="0" err="1"/>
+              <a:t>nó</a:t>
+            </a:r>
+            <a:r>
+              <a:rPr lang="en-US" sz="1800" dirty="0"/>
+              <a:t> </a:t>
+            </a:r>
+            <a:r>
+              <a:rPr lang="en-US" sz="1800" dirty="0" err="1"/>
+              <a:t>là</a:t>
+            </a:r>
+            <a:r>
+              <a:rPr lang="en-US" sz="1800" dirty="0"/>
+              <a:t> Single source of </a:t>
+            </a:r>
+            <a:r>
+              <a:rPr lang="en-US" sz="1800" dirty="0" smtClean="0"/>
+              <a:t>truth</a:t>
+            </a:r>
+          </a:p>
+          <a:p>
+            <a:pPr marL="400050">
+              <a:buFont typeface="+mj-lt"/>
+              <a:buAutoNum type="arabicPeriod"/>
+            </a:pPr>
+            <a:r>
+              <a:rPr lang="en-US" sz="2000" dirty="0" smtClean="0"/>
+              <a:t>State </a:t>
+            </a:r>
+            <a:r>
+              <a:rPr lang="en-US" sz="2000" dirty="0" err="1" smtClean="0"/>
+              <a:t>là</a:t>
+            </a:r>
+            <a:r>
+              <a:rPr lang="en-US" sz="2000" dirty="0" smtClean="0"/>
+              <a:t> Read-Only</a:t>
+            </a:r>
+          </a:p>
+          <a:p>
+            <a:pPr marL="514350" lvl="1" indent="0">
+              <a:buNone/>
+            </a:pPr>
+            <a:r>
+              <a:rPr lang="en-US" sz="1800" dirty="0" err="1" smtClean="0"/>
+              <a:t>Chúng</a:t>
+            </a:r>
+            <a:r>
+              <a:rPr lang="en-US" sz="1800" dirty="0" smtClean="0"/>
+              <a:t> ta </a:t>
+            </a:r>
+            <a:r>
+              <a:rPr lang="en-US" sz="1800" dirty="0" err="1" smtClean="0"/>
+              <a:t>không</a:t>
+            </a:r>
+            <a:r>
+              <a:rPr lang="en-US" sz="1800" dirty="0" smtClean="0"/>
+              <a:t> </a:t>
+            </a:r>
+            <a:r>
+              <a:rPr lang="en-US" sz="1800" dirty="0" err="1" smtClean="0"/>
+              <a:t>thể</a:t>
+            </a:r>
+            <a:r>
+              <a:rPr lang="en-US" sz="1800" dirty="0" smtClean="0"/>
+              <a:t> </a:t>
+            </a:r>
+            <a:r>
+              <a:rPr lang="en-US" sz="1800" dirty="0" err="1" smtClean="0"/>
+              <a:t>thay</a:t>
+            </a:r>
+            <a:r>
+              <a:rPr lang="en-US" sz="1800" dirty="0"/>
+              <a:t> </a:t>
+            </a:r>
+            <a:r>
+              <a:rPr lang="en-US" sz="1800" dirty="0" err="1" smtClean="0"/>
+              <a:t>đổi</a:t>
+            </a:r>
+            <a:r>
+              <a:rPr lang="en-US" sz="1800" dirty="0" smtClean="0"/>
+              <a:t> state </a:t>
+            </a:r>
+            <a:r>
+              <a:rPr lang="en-US" sz="1800" dirty="0" err="1" smtClean="0"/>
+              <a:t>một</a:t>
+            </a:r>
+            <a:r>
+              <a:rPr lang="en-US" sz="1800" dirty="0" smtClean="0"/>
+              <a:t> </a:t>
+            </a:r>
+            <a:r>
+              <a:rPr lang="en-US" sz="1800" dirty="0" err="1" smtClean="0"/>
+              <a:t>cách</a:t>
+            </a:r>
+            <a:r>
+              <a:rPr lang="en-US" sz="1800" dirty="0" smtClean="0"/>
+              <a:t> </a:t>
+            </a:r>
+            <a:r>
+              <a:rPr lang="en-US" sz="1800" dirty="0" err="1" smtClean="0"/>
+              <a:t>trực</a:t>
+            </a:r>
+            <a:r>
+              <a:rPr lang="en-US" sz="1800" dirty="0" smtClean="0"/>
+              <a:t> </a:t>
+            </a:r>
+            <a:r>
+              <a:rPr lang="en-US" sz="1800" dirty="0" err="1" smtClean="0"/>
+              <a:t>tiếp</a:t>
+            </a:r>
+            <a:r>
+              <a:rPr lang="en-US" sz="1800" dirty="0" smtClean="0"/>
+              <a:t>, </a:t>
+            </a:r>
+            <a:r>
+              <a:rPr lang="en-US" sz="1800" dirty="0" err="1" smtClean="0"/>
+              <a:t>nó</a:t>
+            </a:r>
+            <a:r>
+              <a:rPr lang="en-US" sz="1800" dirty="0" smtClean="0"/>
+              <a:t> </a:t>
+            </a:r>
+            <a:r>
+              <a:rPr lang="en-US" sz="1800" dirty="0" err="1" smtClean="0"/>
+              <a:t>chỉ</a:t>
+            </a:r>
+            <a:r>
+              <a:rPr lang="en-US" sz="1800" dirty="0" smtClean="0"/>
+              <a:t> </a:t>
+            </a:r>
+            <a:r>
+              <a:rPr lang="en-US" sz="1800" dirty="0" err="1" smtClean="0"/>
+              <a:t>được</a:t>
+            </a:r>
+            <a:r>
+              <a:rPr lang="en-US" sz="1800" dirty="0" smtClean="0"/>
+              <a:t> </a:t>
+            </a:r>
+            <a:r>
+              <a:rPr lang="en-US" sz="1800" dirty="0" err="1" smtClean="0"/>
+              <a:t>thay</a:t>
+            </a:r>
+            <a:r>
+              <a:rPr lang="en-US" sz="1800" dirty="0" smtClean="0"/>
+              <a:t> </a:t>
+            </a:r>
+            <a:r>
+              <a:rPr lang="en-US" sz="1800" dirty="0" err="1" smtClean="0"/>
+              <a:t>đổi</a:t>
+            </a:r>
+            <a:r>
+              <a:rPr lang="en-US" sz="1800" dirty="0" smtClean="0"/>
+              <a:t> </a:t>
+            </a:r>
+            <a:r>
+              <a:rPr lang="en-US" sz="1800" dirty="0" err="1" smtClean="0"/>
+              <a:t>thông</a:t>
+            </a:r>
+            <a:r>
+              <a:rPr lang="en-US" sz="1800" dirty="0" smtClean="0"/>
+              <a:t> qua </a:t>
+            </a:r>
+            <a:r>
+              <a:rPr lang="en-US" sz="1800" dirty="0" err="1" smtClean="0"/>
+              <a:t>các</a:t>
+            </a:r>
+            <a:r>
+              <a:rPr lang="en-US" sz="1800" dirty="0" smtClean="0"/>
+              <a:t> “action”.</a:t>
+            </a:r>
+            <a:endParaRPr lang="en-US" sz="1800" dirty="0"/>
+          </a:p>
+        </p:txBody>
+      </p:sp>
+    </p:spTree>
+    <p:extLst>
+      <p:ext uri="{BB962C8B-B14F-4D97-AF65-F5344CB8AC3E}">
+        <p14:creationId xmlns:p14="http://schemas.microsoft.com/office/powerpoint/2010/main" val="2975217565"/>
+      </p:ext>
+    </p:extLst>
+  </p:cSld>
+  <p:clrMapOvr>
+    <a:masterClrMapping/>
+  </p:clrMapOvr>
+  <p:timing>
+    <p:tnLst>
+      <p:par>
+        <p:cTn id="1" dur="indefinite" restart="never" nodeType="tmRoot"/>
+      </p:par>
+    </p:tnLst>
+  </p:timing>
+</p:sld>
+</file>
+
+<file path=ppt/slides/slide16.xml><?xml version="1.0" encoding="utf-8"?>
+<p:sld xmlns:a="http://schemas.openxmlformats.org/drawingml/2006/main" xmlns:r="http://schemas.openxmlformats.org/officeDocument/2006/relationships" xmlns:p="http://schemas.openxmlformats.org/presentationml/2006/main">
+  <p:cSld>
+    <p:spTree>
+      <p:nvGrpSpPr>
+        <p:cNvPr id="1" name=""/>
+        <p:cNvGrpSpPr/>
+        <p:nvPr/>
+      </p:nvGrpSpPr>
+      <p:grpSpPr>
+        <a:xfrm>
+          <a:off x="0" y="0"/>
+          <a:ext cx="0" cy="0"/>
+          <a:chOff x="0" y="0"/>
+          <a:chExt cx="0" cy="0"/>
+        </a:xfrm>
+      </p:grpSpPr>
+      <p:sp>
+        <p:nvSpPr>
+          <p:cNvPr id="2" name="Title 1"/>
+          <p:cNvSpPr>
+            <a:spLocks noGrp="1"/>
+          </p:cNvSpPr>
+          <p:nvPr>
+            <p:ph type="title"/>
+          </p:nvPr>
+        </p:nvSpPr>
+        <p:spPr/>
+        <p:txBody>
+          <a:bodyPr/>
+          <a:lstStyle/>
+          <a:p>
+            <a:r>
+              <a:rPr lang="en-US" dirty="0" err="1" smtClean="0"/>
+              <a:t>Cách</a:t>
+            </a:r>
+            <a:r>
+              <a:rPr lang="en-US" dirty="0" smtClean="0"/>
+              <a:t> </a:t>
+            </a:r>
+            <a:r>
+              <a:rPr lang="en-US" dirty="0" err="1" smtClean="0"/>
+              <a:t>kết</a:t>
+            </a:r>
+            <a:r>
+              <a:rPr lang="en-US" dirty="0" smtClean="0"/>
+              <a:t> </a:t>
+            </a:r>
+            <a:r>
+              <a:rPr lang="en-US" dirty="0" err="1" smtClean="0"/>
+              <a:t>nối</a:t>
+            </a:r>
+            <a:r>
+              <a:rPr lang="en-US" dirty="0" smtClean="0"/>
+              <a:t> </a:t>
+            </a:r>
+            <a:r>
+              <a:rPr lang="en-US" dirty="0" err="1" smtClean="0"/>
+              <a:t>với</a:t>
+            </a:r>
+            <a:r>
+              <a:rPr lang="en-US" dirty="0" smtClean="0"/>
+              <a:t> React-Redux</a:t>
+            </a:r>
+            <a:br>
+              <a:rPr lang="en-US" dirty="0" smtClean="0"/>
+            </a:br>
+            <a:endParaRPr lang="vi-VN" dirty="0"/>
+          </a:p>
+        </p:txBody>
+      </p:sp>
+      <p:sp>
+        <p:nvSpPr>
+          <p:cNvPr id="3" name="Content Placeholder 2"/>
+          <p:cNvSpPr>
+            <a:spLocks noGrp="1"/>
+          </p:cNvSpPr>
+          <p:nvPr>
+            <p:ph idx="1"/>
+          </p:nvPr>
+        </p:nvSpPr>
+        <p:spPr>
+          <a:xfrm>
+            <a:off x="2567726" y="1772991"/>
+            <a:ext cx="8915400" cy="3777622"/>
+          </a:xfrm>
+        </p:spPr>
+        <p:txBody>
+          <a:bodyPr>
+            <a:normAutofit/>
+          </a:bodyPr>
+          <a:lstStyle/>
+          <a:p>
+            <a:r>
+              <a:rPr lang="en-US" sz="2000" dirty="0" err="1" smtClean="0"/>
+              <a:t>Cài</a:t>
+            </a:r>
+            <a:r>
+              <a:rPr lang="en-US" sz="2000" dirty="0" smtClean="0"/>
+              <a:t> </a:t>
+            </a:r>
+            <a:r>
+              <a:rPr lang="en-US" sz="2000" dirty="0" err="1" smtClean="0"/>
+              <a:t>đặt</a:t>
+            </a:r>
+            <a:r>
+              <a:rPr lang="en-US" sz="2000" dirty="0" smtClean="0"/>
+              <a:t> </a:t>
+            </a:r>
+            <a:r>
+              <a:rPr lang="en-US" sz="2800" dirty="0" smtClean="0">
+                <a:solidFill>
+                  <a:srgbClr val="FF0000"/>
+                </a:solidFill>
+              </a:rPr>
+              <a:t>React</a:t>
+            </a:r>
+            <a:r>
+              <a:rPr lang="en-US" sz="2800" dirty="0" smtClean="0"/>
+              <a:t> , </a:t>
+            </a:r>
+            <a:r>
+              <a:rPr lang="en-US" sz="2800" dirty="0" smtClean="0">
+                <a:solidFill>
+                  <a:srgbClr val="FF0000"/>
+                </a:solidFill>
+              </a:rPr>
+              <a:t>Redux</a:t>
+            </a:r>
+            <a:r>
+              <a:rPr lang="en-US" sz="2800" dirty="0" smtClean="0"/>
+              <a:t>, </a:t>
+            </a:r>
+            <a:r>
+              <a:rPr lang="en-US" sz="2800" dirty="0" smtClean="0">
+                <a:solidFill>
+                  <a:srgbClr val="FF0000"/>
+                </a:solidFill>
+              </a:rPr>
+              <a:t>React-Redux</a:t>
+            </a:r>
+            <a:r>
+              <a:rPr lang="en-US" sz="2800" dirty="0" smtClean="0"/>
+              <a:t> </a:t>
+            </a:r>
+            <a:r>
+              <a:rPr lang="en-US" sz="2000" dirty="0" smtClean="0"/>
+              <a:t> </a:t>
+            </a:r>
+            <a:r>
+              <a:rPr lang="en-US" sz="2000" dirty="0" err="1" smtClean="0"/>
+              <a:t>trên</a:t>
+            </a:r>
+            <a:r>
+              <a:rPr lang="en-US" sz="2000" dirty="0" smtClean="0"/>
+              <a:t> </a:t>
+            </a:r>
+            <a:r>
+              <a:rPr lang="en-US" sz="2000" dirty="0" err="1" smtClean="0"/>
+              <a:t>npm</a:t>
+            </a:r>
+            <a:r>
+              <a:rPr lang="en-US" sz="2000" dirty="0" smtClean="0"/>
+              <a:t>. Module </a:t>
+            </a:r>
+            <a:r>
+              <a:rPr lang="en-US" sz="2800" dirty="0" smtClean="0">
+                <a:solidFill>
+                  <a:srgbClr val="FF0000"/>
+                </a:solidFill>
+              </a:rPr>
+              <a:t>React-Redux</a:t>
+            </a:r>
+            <a:r>
+              <a:rPr lang="en-US" sz="2800" dirty="0" smtClean="0">
+                <a:solidFill>
+                  <a:prstClr val="black">
+                    <a:lumMod val="75000"/>
+                    <a:lumOff val="25000"/>
+                  </a:prstClr>
+                </a:solidFill>
+              </a:rPr>
+              <a:t> </a:t>
+            </a:r>
+            <a:r>
+              <a:rPr lang="en-US" sz="2000" dirty="0" err="1" smtClean="0">
+                <a:solidFill>
+                  <a:prstClr val="black">
+                    <a:lumMod val="75000"/>
+                    <a:lumOff val="25000"/>
+                  </a:prstClr>
+                </a:solidFill>
+              </a:rPr>
+              <a:t>cho</a:t>
+            </a:r>
+            <a:r>
+              <a:rPr lang="en-US" sz="2000" dirty="0" smtClean="0">
+                <a:solidFill>
+                  <a:prstClr val="black">
+                    <a:lumMod val="75000"/>
+                    <a:lumOff val="25000"/>
+                  </a:prstClr>
+                </a:solidFill>
+              </a:rPr>
+              <a:t> </a:t>
+            </a:r>
+            <a:r>
+              <a:rPr lang="en-US" sz="2000" dirty="0" err="1" smtClean="0">
+                <a:solidFill>
+                  <a:prstClr val="black">
+                    <a:lumMod val="75000"/>
+                    <a:lumOff val="25000"/>
+                  </a:prstClr>
+                </a:solidFill>
+              </a:rPr>
+              <a:t>phép</a:t>
+            </a:r>
+            <a:r>
+              <a:rPr lang="en-US" sz="2000" dirty="0" smtClean="0">
+                <a:solidFill>
+                  <a:prstClr val="black">
+                    <a:lumMod val="75000"/>
+                    <a:lumOff val="25000"/>
+                  </a:prstClr>
+                </a:solidFill>
+              </a:rPr>
+              <a:t> </a:t>
+            </a:r>
+            <a:r>
+              <a:rPr lang="en-US" sz="2000" dirty="0" err="1" smtClean="0">
+                <a:solidFill>
+                  <a:prstClr val="black">
+                    <a:lumMod val="75000"/>
+                    <a:lumOff val="25000"/>
+                  </a:prstClr>
+                </a:solidFill>
+              </a:rPr>
+              <a:t>kết</a:t>
+            </a:r>
+            <a:r>
+              <a:rPr lang="en-US" sz="2000" dirty="0" smtClean="0">
+                <a:solidFill>
+                  <a:prstClr val="black">
+                    <a:lumMod val="75000"/>
+                    <a:lumOff val="25000"/>
+                  </a:prstClr>
+                </a:solidFill>
+              </a:rPr>
+              <a:t> </a:t>
+            </a:r>
+            <a:r>
+              <a:rPr lang="en-US" sz="2000" dirty="0" err="1" smtClean="0">
+                <a:solidFill>
+                  <a:prstClr val="black">
+                    <a:lumMod val="75000"/>
+                    <a:lumOff val="25000"/>
+                  </a:prstClr>
+                </a:solidFill>
+              </a:rPr>
+              <a:t>nối</a:t>
+            </a:r>
+            <a:r>
+              <a:rPr lang="en-US" sz="2000" dirty="0" smtClean="0">
+                <a:solidFill>
+                  <a:prstClr val="black">
+                    <a:lumMod val="75000"/>
+                    <a:lumOff val="25000"/>
+                  </a:prstClr>
+                </a:solidFill>
+              </a:rPr>
+              <a:t> </a:t>
+            </a:r>
+            <a:r>
+              <a:rPr lang="en-US" sz="2000" dirty="0" err="1" smtClean="0">
+                <a:solidFill>
+                  <a:prstClr val="black">
+                    <a:lumMod val="75000"/>
+                    <a:lumOff val="25000"/>
+                  </a:prstClr>
+                </a:solidFill>
+              </a:rPr>
+              <a:t>các</a:t>
+            </a:r>
+            <a:r>
+              <a:rPr lang="en-US" sz="2000" dirty="0" smtClean="0">
+                <a:solidFill>
+                  <a:prstClr val="black">
+                    <a:lumMod val="75000"/>
+                    <a:lumOff val="25000"/>
+                  </a:prstClr>
+                </a:solidFill>
+              </a:rPr>
+              <a:t> React component </a:t>
+            </a:r>
+            <a:r>
+              <a:rPr lang="en-US" sz="2000" dirty="0" err="1" smtClean="0">
+                <a:solidFill>
+                  <a:prstClr val="black">
+                    <a:lumMod val="75000"/>
+                    <a:lumOff val="25000"/>
+                  </a:prstClr>
+                </a:solidFill>
+              </a:rPr>
+              <a:t>đến</a:t>
+            </a:r>
+            <a:r>
+              <a:rPr lang="en-US" sz="2000" dirty="0" smtClean="0">
+                <a:solidFill>
+                  <a:prstClr val="black">
+                    <a:lumMod val="75000"/>
+                    <a:lumOff val="25000"/>
+                  </a:prstClr>
+                </a:solidFill>
+              </a:rPr>
+              <a:t> Redux </a:t>
+            </a:r>
+            <a:r>
+              <a:rPr lang="en-US" sz="2000" dirty="0" err="1" smtClean="0">
+                <a:solidFill>
+                  <a:prstClr val="black">
+                    <a:lumMod val="75000"/>
+                    <a:lumOff val="25000"/>
+                  </a:prstClr>
+                </a:solidFill>
+              </a:rPr>
+              <a:t>một</a:t>
+            </a:r>
+            <a:r>
+              <a:rPr lang="en-US" sz="2000" dirty="0" smtClean="0">
+                <a:solidFill>
+                  <a:prstClr val="black">
+                    <a:lumMod val="75000"/>
+                    <a:lumOff val="25000"/>
+                  </a:prstClr>
+                </a:solidFill>
+              </a:rPr>
+              <a:t> </a:t>
+            </a:r>
+            <a:r>
+              <a:rPr lang="en-US" sz="2000" dirty="0" err="1" smtClean="0">
+                <a:solidFill>
+                  <a:prstClr val="black">
+                    <a:lumMod val="75000"/>
+                    <a:lumOff val="25000"/>
+                  </a:prstClr>
+                </a:solidFill>
+              </a:rPr>
+              <a:t>cách</a:t>
+            </a:r>
+            <a:r>
+              <a:rPr lang="en-US" sz="2000" dirty="0" smtClean="0">
+                <a:solidFill>
+                  <a:prstClr val="black">
+                    <a:lumMod val="75000"/>
+                    <a:lumOff val="25000"/>
+                  </a:prstClr>
+                </a:solidFill>
+              </a:rPr>
+              <a:t> </a:t>
+            </a:r>
+            <a:r>
+              <a:rPr lang="en-US" sz="2000" dirty="0" err="1" smtClean="0">
+                <a:solidFill>
+                  <a:prstClr val="black">
+                    <a:lumMod val="75000"/>
+                    <a:lumOff val="25000"/>
+                  </a:prstClr>
+                </a:solidFill>
+              </a:rPr>
+              <a:t>tiện</a:t>
+            </a:r>
+            <a:r>
+              <a:rPr lang="en-US" sz="2000" dirty="0" smtClean="0">
+                <a:solidFill>
+                  <a:prstClr val="black">
+                    <a:lumMod val="75000"/>
+                    <a:lumOff val="25000"/>
+                  </a:prstClr>
+                </a:solidFill>
+              </a:rPr>
+              <a:t> </a:t>
+            </a:r>
+            <a:r>
+              <a:rPr lang="en-US" sz="2000" dirty="0" err="1" smtClean="0">
+                <a:solidFill>
+                  <a:prstClr val="black">
+                    <a:lumMod val="75000"/>
+                    <a:lumOff val="25000"/>
+                  </a:prstClr>
+                </a:solidFill>
+              </a:rPr>
+              <a:t>lợi</a:t>
+            </a:r>
+            <a:r>
+              <a:rPr lang="en-US" sz="2000" dirty="0" smtClean="0">
+                <a:solidFill>
+                  <a:prstClr val="black">
+                    <a:lumMod val="75000"/>
+                    <a:lumOff val="25000"/>
+                  </a:prstClr>
+                </a:solidFill>
+              </a:rPr>
+              <a:t> </a:t>
+            </a:r>
+            <a:r>
+              <a:rPr lang="en-US" sz="2000" dirty="0" err="1" smtClean="0">
+                <a:solidFill>
+                  <a:prstClr val="black">
+                    <a:lumMod val="75000"/>
+                    <a:lumOff val="25000"/>
+                  </a:prstClr>
+                </a:solidFill>
+              </a:rPr>
+              <a:t>nhất</a:t>
+            </a:r>
+            <a:r>
+              <a:rPr lang="en-US" sz="2000" dirty="0" smtClean="0">
+                <a:solidFill>
+                  <a:prstClr val="black">
+                    <a:lumMod val="75000"/>
+                    <a:lumOff val="25000"/>
+                  </a:prstClr>
+                </a:solidFill>
+              </a:rPr>
+              <a:t>.</a:t>
+            </a:r>
+          </a:p>
+        </p:txBody>
+      </p:sp>
+      <p:pic>
+        <p:nvPicPr>
+          <p:cNvPr id="5" name="Picture 4"/>
+          <p:cNvPicPr>
+            <a:picLocks noChangeAspect="1"/>
+          </p:cNvPicPr>
+          <p:nvPr/>
+        </p:nvPicPr>
+        <p:blipFill>
+          <a:blip r:embed="rId3"/>
+          <a:stretch>
+            <a:fillRect/>
+          </a:stretch>
+        </p:blipFill>
+        <p:spPr>
+          <a:xfrm>
+            <a:off x="3658138" y="2894544"/>
+            <a:ext cx="7121479" cy="3804950"/>
+          </a:xfrm>
+          <a:prstGeom prst="rect">
+            <a:avLst/>
+          </a:prstGeom>
+        </p:spPr>
+      </p:pic>
+    </p:spTree>
+    <p:extLst>
+      <p:ext uri="{BB962C8B-B14F-4D97-AF65-F5344CB8AC3E}">
+        <p14:creationId xmlns:p14="http://schemas.microsoft.com/office/powerpoint/2010/main" val="3775569970"/>
+      </p:ext>
+    </p:extLst>
+  </p:cSld>
+  <p:clrMapOvr>
+    <a:masterClrMapping/>
+  </p:clrMapOvr>
+  <p:timing>
+    <p:tnLst>
+      <p:par>
+        <p:cTn id="1" dur="indefinite" restart="never" nodeType="tmRoot"/>
+      </p:par>
+    </p:tnLst>
+  </p:timing>
+</p:sld>
+</file>
+
+<file path=ppt/slides/slide17.xml><?xml version="1.0" encoding="utf-8"?>
+<p:sld xmlns:a="http://schemas.openxmlformats.org/drawingml/2006/main" xmlns:r="http://schemas.openxmlformats.org/officeDocument/2006/relationships" xmlns:p="http://schemas.openxmlformats.org/presentationml/2006/main">
+  <p:cSld>
+    <p:spTree>
+      <p:nvGrpSpPr>
+        <p:cNvPr id="1" name=""/>
+        <p:cNvGrpSpPr/>
+        <p:nvPr/>
+      </p:nvGrpSpPr>
+      <p:grpSpPr>
+        <a:xfrm>
+          <a:off x="0" y="0"/>
+          <a:ext cx="0" cy="0"/>
+          <a:chOff x="0" y="0"/>
+          <a:chExt cx="0" cy="0"/>
+        </a:xfrm>
+      </p:grpSpPr>
+      <p:sp>
+        <p:nvSpPr>
+          <p:cNvPr id="2" name="Title 1"/>
+          <p:cNvSpPr>
+            <a:spLocks noGrp="1"/>
+          </p:cNvSpPr>
+          <p:nvPr>
+            <p:ph type="title"/>
+          </p:nvPr>
+        </p:nvSpPr>
+        <p:spPr/>
+        <p:txBody>
+          <a:bodyPr/>
+          <a:lstStyle/>
+          <a:p>
+            <a:r>
+              <a:rPr lang="en-US" dirty="0" err="1" smtClean="0"/>
+              <a:t>Cách</a:t>
+            </a:r>
+            <a:r>
+              <a:rPr lang="en-US" dirty="0" smtClean="0"/>
+              <a:t> </a:t>
+            </a:r>
+            <a:r>
+              <a:rPr lang="en-US" dirty="0" err="1" smtClean="0"/>
+              <a:t>kết</a:t>
+            </a:r>
+            <a:r>
+              <a:rPr lang="en-US" dirty="0" smtClean="0"/>
+              <a:t> </a:t>
+            </a:r>
+            <a:r>
+              <a:rPr lang="en-US" dirty="0" err="1" smtClean="0"/>
+              <a:t>nối</a:t>
+            </a:r>
+            <a:r>
+              <a:rPr lang="en-US" dirty="0" smtClean="0"/>
+              <a:t> </a:t>
+            </a:r>
+            <a:r>
+              <a:rPr lang="en-US" dirty="0" err="1" smtClean="0"/>
+              <a:t>với</a:t>
+            </a:r>
+            <a:r>
+              <a:rPr lang="en-US" dirty="0" smtClean="0"/>
+              <a:t> React-Redux</a:t>
+            </a:r>
+            <a:br>
+              <a:rPr lang="en-US" dirty="0" smtClean="0"/>
+            </a:br>
+            <a:endParaRPr lang="vi-VN" dirty="0"/>
+          </a:p>
+        </p:txBody>
+      </p:sp>
+      <p:sp>
+        <p:nvSpPr>
+          <p:cNvPr id="3" name="Content Placeholder 2"/>
+          <p:cNvSpPr>
+            <a:spLocks noGrp="1"/>
+          </p:cNvSpPr>
+          <p:nvPr>
+            <p:ph idx="1"/>
+          </p:nvPr>
+        </p:nvSpPr>
+        <p:spPr>
+          <a:xfrm>
+            <a:off x="2567726" y="1772991"/>
+            <a:ext cx="8915400" cy="3777622"/>
+          </a:xfrm>
+        </p:spPr>
+        <p:txBody>
+          <a:bodyPr>
+            <a:normAutofit/>
+          </a:bodyPr>
+          <a:lstStyle/>
+          <a:p>
+            <a:endParaRPr lang="en-US" sz="2000" dirty="0" smtClean="0">
+              <a:solidFill>
+                <a:prstClr val="black">
+                  <a:lumMod val="75000"/>
+                  <a:lumOff val="25000"/>
+                </a:prstClr>
+              </a:solidFill>
+            </a:endParaRPr>
+          </a:p>
+        </p:txBody>
+      </p:sp>
+      <p:pic>
+        <p:nvPicPr>
+          <p:cNvPr id="4" name="Picture 3"/>
+          <p:cNvPicPr>
+            <a:picLocks noChangeAspect="1"/>
+          </p:cNvPicPr>
+          <p:nvPr/>
+        </p:nvPicPr>
+        <p:blipFill>
+          <a:blip r:embed="rId3"/>
+          <a:stretch>
+            <a:fillRect/>
+          </a:stretch>
+        </p:blipFill>
+        <p:spPr>
+          <a:xfrm>
+            <a:off x="2643455" y="1772991"/>
+            <a:ext cx="8810625" cy="4352925"/>
+          </a:xfrm>
+          <a:prstGeom prst="rect">
+            <a:avLst/>
+          </a:prstGeom>
+        </p:spPr>
+      </p:pic>
+    </p:spTree>
+    <p:extLst>
+      <p:ext uri="{BB962C8B-B14F-4D97-AF65-F5344CB8AC3E}">
+        <p14:creationId xmlns:p14="http://schemas.microsoft.com/office/powerpoint/2010/main" val="1405886941"/>
+      </p:ext>
+    </p:extLst>
+  </p:cSld>
+  <p:clrMapOvr>
+    <a:masterClrMapping/>
+  </p:clrMapOvr>
+  <p:timing>
+    <p:tnLst>
+      <p:par>
+        <p:cTn id="1" dur="indefinite" restart="never" nodeType="tmRoot"/>
+      </p:par>
+    </p:tnLst>
+  </p:timing>
+</p:sld>
+</file>
+
+<file path=ppt/slides/slide18.xml><?xml version="1.0" encoding="utf-8"?>
+<p:sld xmlns:a="http://schemas.openxmlformats.org/drawingml/2006/main" xmlns:r="http://schemas.openxmlformats.org/officeDocument/2006/relationships" xmlns:p="http://schemas.openxmlformats.org/presentationml/2006/main">
+  <p:cSld>
+    <p:spTree>
+      <p:nvGrpSpPr>
+        <p:cNvPr id="1" name=""/>
+        <p:cNvGrpSpPr/>
+        <p:nvPr/>
+      </p:nvGrpSpPr>
+      <p:grpSpPr>
+        <a:xfrm>
+          <a:off x="0" y="0"/>
+          <a:ext cx="0" cy="0"/>
+          <a:chOff x="0" y="0"/>
+          <a:chExt cx="0" cy="0"/>
+        </a:xfrm>
+      </p:grpSpPr>
+      <p:sp>
+        <p:nvSpPr>
+          <p:cNvPr id="2" name="Title 1"/>
+          <p:cNvSpPr>
+            <a:spLocks noGrp="1"/>
+          </p:cNvSpPr>
+          <p:nvPr>
+            <p:ph type="title"/>
+          </p:nvPr>
+        </p:nvSpPr>
+        <p:spPr/>
+        <p:txBody>
+          <a:bodyPr/>
+          <a:lstStyle/>
+          <a:p>
+            <a:r>
+              <a:rPr lang="en-US" dirty="0" err="1" smtClean="0"/>
+              <a:t>Hướng</a:t>
+            </a:r>
+            <a:r>
+              <a:rPr lang="en-US" dirty="0" smtClean="0"/>
+              <a:t> </a:t>
+            </a:r>
+            <a:r>
+              <a:rPr lang="en-US" dirty="0" err="1" smtClean="0"/>
+              <a:t>dẫn</a:t>
+            </a:r>
+            <a:r>
+              <a:rPr lang="en-US" dirty="0" smtClean="0"/>
+              <a:t> </a:t>
+            </a:r>
+            <a:r>
+              <a:rPr lang="en-US" dirty="0" err="1" smtClean="0"/>
+              <a:t>sử</a:t>
+            </a:r>
+            <a:r>
+              <a:rPr lang="en-US" dirty="0" smtClean="0"/>
+              <a:t> </a:t>
+            </a:r>
+            <a:r>
+              <a:rPr lang="en-US" dirty="0" err="1" smtClean="0"/>
+              <a:t>dụng</a:t>
+            </a:r>
+            <a:r>
+              <a:rPr lang="en-US" dirty="0" smtClean="0"/>
+              <a:t> </a:t>
+            </a:r>
+            <a:r>
+              <a:rPr lang="en-US" dirty="0" err="1" smtClean="0"/>
+              <a:t>và</a:t>
+            </a:r>
+            <a:r>
+              <a:rPr lang="en-US" dirty="0" smtClean="0"/>
+              <a:t> demo.</a:t>
+            </a:r>
+            <a:endParaRPr lang="en-US" dirty="0"/>
+          </a:p>
+        </p:txBody>
+      </p:sp>
+      <p:sp>
+        <p:nvSpPr>
+          <p:cNvPr id="3" name="Content Placeholder 2"/>
+          <p:cNvSpPr>
+            <a:spLocks noGrp="1"/>
+          </p:cNvSpPr>
+          <p:nvPr>
+            <p:ph idx="1"/>
+          </p:nvPr>
+        </p:nvSpPr>
+        <p:spPr/>
+        <p:txBody>
+          <a:bodyPr/>
+          <a:lstStyle/>
+          <a:p>
+            <a:r>
+              <a:rPr lang="en-US" dirty="0" smtClean="0"/>
+              <a:t>Video </a:t>
+            </a:r>
+            <a:endParaRPr lang="en-US" dirty="0"/>
+          </a:p>
+        </p:txBody>
+      </p:sp>
+      <p:pic>
+        <p:nvPicPr>
+          <p:cNvPr id="4" name="20160527162122-af01a0fbc5.[gif-2-mp4.com]">
+            <a:hlinkClick r:id="" action="ppaction://media"/>
+          </p:cNvPr>
+          <p:cNvPicPr>
+            <a:picLocks noChangeAspect="1"/>
+          </p:cNvPicPr>
+          <p:nvPr>
+            <a:videoFile r:link="rId2"/>
+            <p:extLst>
+              <p:ext uri="{DAA4B4D4-6D71-4841-9C94-3DE7FCFB9230}">
+                <p14:media xmlns:p14="http://schemas.microsoft.com/office/powerpoint/2010/main" r:embed="rId1"/>
+              </p:ext>
+            </p:extLst>
+          </p:nvPr>
+        </p:nvPicPr>
+        <p:blipFill>
+          <a:blip r:embed="rId4"/>
+          <a:stretch>
+            <a:fillRect/>
+          </a:stretch>
+        </p:blipFill>
+        <p:spPr>
+          <a:xfrm>
+            <a:off x="3086235" y="2563834"/>
+            <a:ext cx="7410450" cy="3790950"/>
+          </a:xfrm>
+          <a:prstGeom prst="rect">
+            <a:avLst/>
+          </a:prstGeom>
+        </p:spPr>
+      </p:pic>
+    </p:spTree>
+    <p:extLst>
+      <p:ext uri="{BB962C8B-B14F-4D97-AF65-F5344CB8AC3E}">
+        <p14:creationId xmlns:p14="http://schemas.microsoft.com/office/powerpoint/2010/main" val="1144915528"/>
+      </p:ext>
+    </p:extLst>
+  </p:cSld>
+  <p:clrMapOvr>
+    <a:masterClrMapping/>
+  </p:clrMapOvr>
+  <p:timing>
+    <p:tnLst>
+      <p:par>
+        <p:cTn id="1" dur="indefinite" restart="never" nodeType="tmRoot">
+          <p:childTnLst>
+            <p:seq concurrent="1" nextAc="seek">
+              <p:cTn id="2" restart="whenNotActive" fill="hold" evtFilter="cancelBubble" nodeType="interactiveSeq">
+                <p:stCondLst>
+                  <p:cond evt="onClick" delay="0">
+                    <p:tgtEl>
+                      <p:spTgt spid="4"/>
+                    </p:tgtEl>
+                  </p:cond>
+                </p:stCondLst>
+                <p:endSync evt="end" delay="0">
+                  <p:rtn val="all"/>
+                </p:endSync>
+                <p:childTnLst>
+                  <p:par>
+                    <p:cTn id="3" fill="hold">
+                      <p:stCondLst>
+                        <p:cond delay="0"/>
+                      </p:stCondLst>
+                      <p:childTnLst>
+                        <p:par>
+                          <p:cTn id="4" fill="hold">
+                            <p:stCondLst>
+                              <p:cond delay="0"/>
+                            </p:stCondLst>
+                            <p:childTnLst>
+                              <p:par>
+                                <p:cTn id="5" presetID="2" presetClass="mediacall" presetSubtype="0" fill="hold" nodeType="clickEffect">
+                                  <p:stCondLst>
+                                    <p:cond delay="0"/>
+                                  </p:stCondLst>
+                                  <p:childTnLst>
+                                    <p:cmd type="call" cmd="togglePause">
+                                      <p:cBhvr>
+                                        <p:cTn id="6" dur="1" fill="hold"/>
+                                        <p:tgtEl>
+                                          <p:spTgt spid="4"/>
+                                        </p:tgtEl>
+                                      </p:cBhvr>
+                                    </p:cmd>
+                                  </p:childTnLst>
+                                </p:cTn>
+                              </p:par>
+                            </p:childTnLst>
+                          </p:cTn>
+                        </p:par>
+                      </p:childTnLst>
+                    </p:cTn>
+                  </p:par>
+                </p:childTnLst>
+              </p:cTn>
+              <p:nextCondLst>
+                <p:cond evt="onClick" delay="0">
+                  <p:tgtEl>
+                    <p:spTgt spid="4"/>
+                  </p:tgtEl>
+                </p:cond>
+              </p:nextCondLst>
+            </p:seq>
+            <p:video>
+              <p:cMediaNode vol="80000">
+                <p:cTn id="7" fill="hold" display="0">
+                  <p:stCondLst>
+                    <p:cond delay="indefinite"/>
+                  </p:stCondLst>
+                </p:cTn>
+                <p:tgtEl>
+                  <p:spTgt spid="4"/>
+                </p:tgtEl>
+              </p:cMediaNode>
+            </p:video>
+          </p:childTnLst>
+        </p:cTn>
       </p:par>
     </p:tnLst>
   </p:timing>
@@ -8405,13 +11836,13 @@
             <p:ph idx="1"/>
             <p:extLst>
               <p:ext uri="{D42A27DB-BD31-4B8C-83A1-F6EECF244321}">
-                <p14:modId xmlns:p14="http://schemas.microsoft.com/office/powerpoint/2010/main" val="4128056957"/>
+                <p14:modId xmlns:p14="http://schemas.microsoft.com/office/powerpoint/2010/main" val="1421614250"/>
               </p:ext>
             </p:extLst>
           </p:nvPr>
         </p:nvGraphicFramePr>
         <p:xfrm>
-          <a:off x="2589213" y="2133600"/>
+          <a:off x="2592925" y="1743307"/>
           <a:ext cx="8915400" cy="1854200"/>
         </p:xfrm>
         <a:graphic>
@@ -8594,6 +12025,10 @@
                     <a:lstStyle/>
                     <a:p>
                       <a:pPr algn="ctr"/>
+                      <a:r>
+                        <a:rPr lang="en-US" dirty="0" smtClean="0"/>
+                        <a:t>1212273</a:t>
+                      </a:r>
                       <a:endParaRPr lang="vi-VN" dirty="0"/>
                     </a:p>
                   </a:txBody>
@@ -8655,7 +12090,7 @@
     </p:spTree>
     <p:extLst>
       <p:ext uri="{BB962C8B-B14F-4D97-AF65-F5344CB8AC3E}">
-        <p14:creationId xmlns:p14="http://schemas.microsoft.com/office/powerpoint/2010/main" val="539089952"/>
+        <p14:creationId xmlns:p14="http://schemas.microsoft.com/office/powerpoint/2010/main" val="3805333718"/>
       </p:ext>
     </p:extLst>
   </p:cSld>
@@ -8844,18 +12279,387 @@
         </p:nvSpPr>
         <p:spPr/>
         <p:txBody>
-          <a:bodyPr/>
+          <a:bodyPr>
+            <a:normAutofit fontScale="92500" lnSpcReduction="20000"/>
+          </a:bodyPr>
           <a:lstStyle/>
           <a:p>
-            <a:pPr lvl="1"/>
-            <a:endParaRPr lang="vi-VN" dirty="0"/>
+            <a:pPr marL="971550" lvl="1" indent="-514350">
+              <a:buFont typeface="+mj-lt"/>
+              <a:buAutoNum type="romanUcPeriod"/>
+            </a:pPr>
+            <a:r>
+              <a:rPr lang="en-US" sz="2400" dirty="0" smtClean="0">
+                <a:hlinkClick r:id="rId2" action="ppaction://hlinksldjump"/>
+              </a:rPr>
+              <a:t> </a:t>
+            </a:r>
+            <a:r>
+              <a:rPr lang="en-US" sz="2400" dirty="0" err="1" smtClean="0">
+                <a:hlinkClick r:id="rId2" action="ppaction://hlinksldjump"/>
+              </a:rPr>
+              <a:t>Giới</a:t>
+            </a:r>
+            <a:r>
+              <a:rPr lang="en-US" sz="2400" dirty="0" smtClean="0">
+                <a:hlinkClick r:id="rId2" action="ppaction://hlinksldjump"/>
+              </a:rPr>
+              <a:t> </a:t>
+            </a:r>
+            <a:r>
+              <a:rPr lang="en-US" sz="2400" dirty="0" err="1" smtClean="0">
+                <a:hlinkClick r:id="rId2" action="ppaction://hlinksldjump"/>
+              </a:rPr>
+              <a:t>thiệu</a:t>
+            </a:r>
+            <a:r>
+              <a:rPr lang="en-US" sz="2400" dirty="0" smtClean="0">
+                <a:hlinkClick r:id="rId2" action="ppaction://hlinksldjump"/>
+              </a:rPr>
+              <a:t> </a:t>
+            </a:r>
+            <a:r>
+              <a:rPr lang="en-US" sz="2400" dirty="0" err="1" smtClean="0">
+                <a:hlinkClick r:id="rId2" action="ppaction://hlinksldjump"/>
+              </a:rPr>
+              <a:t>về</a:t>
+            </a:r>
+            <a:r>
+              <a:rPr lang="en-US" sz="2400" dirty="0" smtClean="0">
+                <a:hlinkClick r:id="rId2" action="ppaction://hlinksldjump"/>
+              </a:rPr>
+              <a:t> React</a:t>
+            </a:r>
+            <a:endParaRPr lang="en-US" sz="2400" dirty="0" smtClean="0"/>
+          </a:p>
+          <a:p>
+            <a:pPr marL="1200150" lvl="2" indent="-342900">
+              <a:buFont typeface="+mj-lt"/>
+              <a:buAutoNum type="arabicPeriod"/>
+            </a:pPr>
+            <a:r>
+              <a:rPr lang="en-US" sz="2200" dirty="0" smtClean="0"/>
+              <a:t>React </a:t>
+            </a:r>
+            <a:r>
+              <a:rPr lang="en-US" sz="2200" dirty="0" err="1" smtClean="0"/>
+              <a:t>là</a:t>
+            </a:r>
+            <a:r>
+              <a:rPr lang="en-US" sz="2200" dirty="0" smtClean="0"/>
+              <a:t> </a:t>
+            </a:r>
+            <a:r>
+              <a:rPr lang="en-US" sz="2200" dirty="0" err="1" smtClean="0"/>
+              <a:t>gì</a:t>
+            </a:r>
+            <a:r>
+              <a:rPr lang="en-US" sz="2200" dirty="0" smtClean="0"/>
+              <a:t>?</a:t>
+            </a:r>
+          </a:p>
+          <a:p>
+            <a:pPr marL="1200150" lvl="2" indent="-342900">
+              <a:buFont typeface="+mj-lt"/>
+              <a:buAutoNum type="arabicPeriod"/>
+            </a:pPr>
+            <a:r>
+              <a:rPr lang="en-US" sz="2200" dirty="0" smtClean="0"/>
+              <a:t>React dung </a:t>
+            </a:r>
+            <a:r>
+              <a:rPr lang="en-US" sz="2200" dirty="0" err="1" smtClean="0"/>
+              <a:t>để</a:t>
+            </a:r>
+            <a:r>
+              <a:rPr lang="en-US" sz="2200" dirty="0" smtClean="0"/>
+              <a:t> </a:t>
+            </a:r>
+            <a:r>
+              <a:rPr lang="en-US" sz="2200" dirty="0" err="1" smtClean="0"/>
+              <a:t>làm</a:t>
+            </a:r>
+            <a:r>
+              <a:rPr lang="en-US" sz="2200" dirty="0" smtClean="0"/>
+              <a:t> </a:t>
+            </a:r>
+            <a:r>
+              <a:rPr lang="en-US" sz="2200" dirty="0" err="1" smtClean="0"/>
+              <a:t>gì</a:t>
+            </a:r>
+            <a:r>
+              <a:rPr lang="en-US" sz="2200" dirty="0" smtClean="0"/>
+              <a:t>, </a:t>
+            </a:r>
+            <a:r>
+              <a:rPr lang="en-US" sz="2200" dirty="0" err="1" smtClean="0"/>
+              <a:t>khi</a:t>
+            </a:r>
+            <a:r>
+              <a:rPr lang="en-US" sz="2200" dirty="0" smtClean="0"/>
+              <a:t> </a:t>
+            </a:r>
+            <a:r>
+              <a:rPr lang="en-US" sz="2200" dirty="0" err="1" smtClean="0"/>
+              <a:t>nào</a:t>
+            </a:r>
+            <a:r>
+              <a:rPr lang="en-US" sz="2200" dirty="0" smtClean="0"/>
+              <a:t> </a:t>
+            </a:r>
+            <a:r>
+              <a:rPr lang="en-US" sz="2200" dirty="0" err="1" smtClean="0"/>
+              <a:t>thì</a:t>
+            </a:r>
+            <a:r>
+              <a:rPr lang="en-US" sz="2200" dirty="0" smtClean="0"/>
+              <a:t> dung</a:t>
+            </a:r>
+          </a:p>
+          <a:p>
+            <a:pPr marL="1200150" lvl="2" indent="-342900">
+              <a:buFont typeface="+mj-lt"/>
+              <a:buAutoNum type="arabicPeriod"/>
+            </a:pPr>
+            <a:r>
+              <a:rPr lang="en-US" sz="2200" dirty="0" err="1" smtClean="0"/>
+              <a:t>Các</a:t>
+            </a:r>
+            <a:r>
+              <a:rPr lang="en-US" sz="2200" dirty="0" smtClean="0"/>
+              <a:t> </a:t>
+            </a:r>
+            <a:r>
+              <a:rPr lang="en-US" sz="2200" dirty="0" err="1" smtClean="0"/>
+              <a:t>thành</a:t>
+            </a:r>
+            <a:r>
+              <a:rPr lang="en-US" sz="2200" dirty="0" smtClean="0"/>
+              <a:t> </a:t>
+            </a:r>
+            <a:r>
+              <a:rPr lang="en-US" sz="2200" dirty="0" err="1" smtClean="0"/>
+              <a:t>phần</a:t>
+            </a:r>
+            <a:r>
+              <a:rPr lang="en-US" sz="2200" dirty="0" smtClean="0"/>
+              <a:t> </a:t>
+            </a:r>
+            <a:r>
+              <a:rPr lang="en-US" sz="2200" dirty="0" err="1" smtClean="0"/>
+              <a:t>trong</a:t>
+            </a:r>
+            <a:r>
+              <a:rPr lang="en-US" sz="2200" dirty="0" smtClean="0"/>
+              <a:t> React</a:t>
+            </a:r>
+          </a:p>
+          <a:p>
+            <a:pPr marL="800100" lvl="1" indent="-342900">
+              <a:buFont typeface="+mj-lt"/>
+              <a:buAutoNum type="romanUcPeriod"/>
+            </a:pPr>
+            <a:r>
+              <a:rPr lang="en-US" sz="2400" dirty="0"/>
+              <a:t> 	</a:t>
+            </a:r>
+            <a:r>
+              <a:rPr lang="en-US" sz="2400" dirty="0" err="1" smtClean="0">
+                <a:hlinkClick r:id="rId3" action="ppaction://hlinksldjump"/>
+              </a:rPr>
+              <a:t>Giới</a:t>
+            </a:r>
+            <a:r>
+              <a:rPr lang="en-US" sz="2400" dirty="0" smtClean="0">
+                <a:hlinkClick r:id="rId3" action="ppaction://hlinksldjump"/>
+              </a:rPr>
+              <a:t> </a:t>
+            </a:r>
+            <a:r>
+              <a:rPr lang="en-US" sz="2400" dirty="0" err="1" smtClean="0">
+                <a:hlinkClick r:id="rId3" action="ppaction://hlinksldjump"/>
+              </a:rPr>
+              <a:t>thiệu</a:t>
+            </a:r>
+            <a:r>
+              <a:rPr lang="en-US" sz="2400" dirty="0" smtClean="0">
+                <a:hlinkClick r:id="rId3" action="ppaction://hlinksldjump"/>
+              </a:rPr>
+              <a:t> </a:t>
+            </a:r>
+            <a:r>
+              <a:rPr lang="en-US" sz="2400" dirty="0" err="1" smtClean="0">
+                <a:hlinkClick r:id="rId3" action="ppaction://hlinksldjump"/>
+              </a:rPr>
+              <a:t>về</a:t>
+            </a:r>
+            <a:r>
+              <a:rPr lang="en-US" sz="2400" dirty="0" smtClean="0">
+                <a:hlinkClick r:id="rId3" action="ppaction://hlinksldjump"/>
+              </a:rPr>
+              <a:t> Redux</a:t>
+            </a:r>
+            <a:endParaRPr lang="en-US" sz="2400" dirty="0" smtClean="0"/>
+          </a:p>
+          <a:p>
+            <a:pPr marL="1314450" lvl="2" indent="-457200">
+              <a:buFont typeface="+mj-lt"/>
+              <a:buAutoNum type="arabicPeriod"/>
+            </a:pPr>
+            <a:r>
+              <a:rPr lang="en-US" sz="2200" dirty="0" smtClean="0"/>
+              <a:t>Redux </a:t>
+            </a:r>
+            <a:r>
+              <a:rPr lang="en-US" sz="2200" dirty="0" err="1" smtClean="0"/>
+              <a:t>là</a:t>
+            </a:r>
+            <a:r>
+              <a:rPr lang="en-US" sz="2200" dirty="0" smtClean="0"/>
+              <a:t> </a:t>
+            </a:r>
+            <a:r>
+              <a:rPr lang="en-US" sz="2200" dirty="0" err="1" smtClean="0"/>
+              <a:t>gì</a:t>
+            </a:r>
+            <a:r>
+              <a:rPr lang="en-US" sz="2200" dirty="0" smtClean="0"/>
+              <a:t>?</a:t>
+            </a:r>
+          </a:p>
+          <a:p>
+            <a:pPr marL="1314450" lvl="2" indent="-457200">
+              <a:buFont typeface="+mj-lt"/>
+              <a:buAutoNum type="arabicPeriod"/>
+            </a:pPr>
+            <a:r>
+              <a:rPr lang="en-US" sz="2200" dirty="0" smtClean="0"/>
+              <a:t>Redux Flow</a:t>
+            </a:r>
+          </a:p>
+          <a:p>
+            <a:pPr marL="1314450" lvl="2" indent="-457200">
+              <a:buFont typeface="+mj-lt"/>
+              <a:buAutoNum type="arabicPeriod"/>
+            </a:pPr>
+            <a:r>
+              <a:rPr lang="en-US" sz="2200" dirty="0" err="1" smtClean="0"/>
+              <a:t>Các</a:t>
+            </a:r>
+            <a:r>
+              <a:rPr lang="en-US" sz="2200" dirty="0" smtClean="0"/>
+              <a:t> </a:t>
+            </a:r>
+            <a:r>
+              <a:rPr lang="en-US" sz="2200" dirty="0" err="1" smtClean="0"/>
+              <a:t>đặc</a:t>
+            </a:r>
+            <a:r>
+              <a:rPr lang="en-US" sz="2200" dirty="0" smtClean="0"/>
+              <a:t> </a:t>
+            </a:r>
+            <a:r>
+              <a:rPr lang="en-US" sz="2200" dirty="0" err="1" smtClean="0"/>
+              <a:t>điểm</a:t>
+            </a:r>
+            <a:r>
+              <a:rPr lang="en-US" sz="2200" dirty="0" smtClean="0"/>
+              <a:t> </a:t>
+            </a:r>
+            <a:r>
+              <a:rPr lang="en-US" sz="2200" dirty="0" err="1" smtClean="0"/>
+              <a:t>của</a:t>
+            </a:r>
+            <a:r>
+              <a:rPr lang="en-US" sz="2200" dirty="0" smtClean="0"/>
+              <a:t> Redux</a:t>
+            </a:r>
+          </a:p>
+          <a:p>
+            <a:pPr marL="914400" lvl="1" indent="-457200">
+              <a:buFont typeface="+mj-lt"/>
+              <a:buAutoNum type="romanUcPeriod"/>
+            </a:pPr>
+            <a:r>
+              <a:rPr lang="en-US" sz="2400" dirty="0"/>
+              <a:t> </a:t>
+            </a:r>
+            <a:r>
+              <a:rPr lang="en-US" sz="2400" dirty="0" err="1" smtClean="0">
+                <a:hlinkClick r:id="rId4" action="ppaction://hlinksldjump"/>
+              </a:rPr>
+              <a:t>Cách</a:t>
+            </a:r>
+            <a:r>
+              <a:rPr lang="en-US" sz="2400" dirty="0" smtClean="0">
+                <a:hlinkClick r:id="rId4" action="ppaction://hlinksldjump"/>
+              </a:rPr>
+              <a:t> </a:t>
+            </a:r>
+            <a:r>
+              <a:rPr lang="en-US" sz="2400" dirty="0" err="1" smtClean="0">
+                <a:hlinkClick r:id="rId4" action="ppaction://hlinksldjump"/>
+              </a:rPr>
+              <a:t>kết</a:t>
+            </a:r>
+            <a:r>
+              <a:rPr lang="en-US" sz="2400" dirty="0" smtClean="0">
+                <a:hlinkClick r:id="rId4" action="ppaction://hlinksldjump"/>
+              </a:rPr>
+              <a:t> </a:t>
+            </a:r>
+            <a:r>
+              <a:rPr lang="en-US" sz="2400" dirty="0" err="1" smtClean="0">
+                <a:hlinkClick r:id="rId4" action="ppaction://hlinksldjump"/>
+              </a:rPr>
+              <a:t>nối</a:t>
+            </a:r>
+            <a:r>
+              <a:rPr lang="en-US" sz="2400" dirty="0" smtClean="0">
+                <a:hlinkClick r:id="rId4" action="ppaction://hlinksldjump"/>
+              </a:rPr>
+              <a:t> </a:t>
+            </a:r>
+            <a:r>
+              <a:rPr lang="en-US" sz="2400" dirty="0" err="1" smtClean="0">
+                <a:hlinkClick r:id="rId4" action="ppaction://hlinksldjump"/>
+              </a:rPr>
+              <a:t>với</a:t>
+            </a:r>
+            <a:r>
+              <a:rPr lang="en-US" sz="2400" dirty="0" smtClean="0">
+                <a:hlinkClick r:id="rId4" action="ppaction://hlinksldjump"/>
+              </a:rPr>
+              <a:t> React-Redux </a:t>
+            </a:r>
+            <a:endParaRPr lang="en-US" sz="2400" dirty="0" smtClean="0"/>
+          </a:p>
+          <a:p>
+            <a:pPr marL="914400" lvl="1" indent="-457200">
+              <a:buFont typeface="+mj-lt"/>
+              <a:buAutoNum type="romanUcPeriod"/>
+            </a:pPr>
+            <a:r>
+              <a:rPr lang="vi-VN" sz="2400" dirty="0" smtClean="0">
+                <a:hlinkClick r:id="rId5" action="ppaction://hlinksldjump"/>
+              </a:rPr>
+              <a:t>Hướng dẫn sử dụng và demo sử dụng React + Redux</a:t>
+            </a:r>
+            <a:endParaRPr lang="en-US" sz="2400" dirty="0" smtClean="0"/>
+          </a:p>
+          <a:p>
+            <a:pPr marL="800100" lvl="1" indent="-342900">
+              <a:buFont typeface="+mj-lt"/>
+              <a:buAutoNum type="romanUcPeriod"/>
+            </a:pPr>
+            <a:endParaRPr lang="vi-VN" sz="2400" dirty="0"/>
           </a:p>
         </p:txBody>
       </p:sp>
     </p:spTree>
     <p:extLst>
       <p:ext uri="{BB962C8B-B14F-4D97-AF65-F5344CB8AC3E}">
-        <p14:creationId xmlns:p14="http://schemas.microsoft.com/office/powerpoint/2010/main" val="2113000627"/>
+        <p14:creationId xmlns:p14="http://schemas.microsoft.com/office/powerpoint/2010/main" val="1424313509"/>
       </p:ext>
     </p:extLst>
   </p:cSld>
@@ -9898,7 +13702,7 @@
     </p:spTree>
     <p:extLst>
       <p:ext uri="{BB962C8B-B14F-4D97-AF65-F5344CB8AC3E}">
-        <p14:creationId xmlns:p14="http://schemas.microsoft.com/office/powerpoint/2010/main" val="168798100"/>
+        <p14:creationId xmlns:p14="http://schemas.microsoft.com/office/powerpoint/2010/main" val="219345425"/>
       </p:ext>
     </p:extLst>
   </p:cSld>
@@ -11183,7 +14987,7 @@
     </p:spTree>
     <p:extLst>
       <p:ext uri="{BB962C8B-B14F-4D97-AF65-F5344CB8AC3E}">
-        <p14:creationId xmlns:p14="http://schemas.microsoft.com/office/powerpoint/2010/main" val="2551275320"/>
+        <p14:creationId xmlns:p14="http://schemas.microsoft.com/office/powerpoint/2010/main" val="1738215776"/>
       </p:ext>
     </p:extLst>
   </p:cSld>
@@ -11851,7 +15655,7 @@
     </p:spTree>
     <p:extLst>
       <p:ext uri="{BB962C8B-B14F-4D97-AF65-F5344CB8AC3E}">
-        <p14:creationId xmlns:p14="http://schemas.microsoft.com/office/powerpoint/2010/main" val="1402553444"/>
+        <p14:creationId xmlns:p14="http://schemas.microsoft.com/office/powerpoint/2010/main" val="2700520374"/>
       </p:ext>
     </p:extLst>
   </p:cSld>
@@ -11936,115 +15740,520 @@
         </p:nvSpPr>
         <p:spPr/>
         <p:txBody>
-          <a:bodyPr/>
+          <a:bodyPr>
+            <a:normAutofit/>
+          </a:bodyPr>
           <a:lstStyle/>
           <a:p>
             <a:r>
-              <a:rPr lang="en-US" dirty="0" smtClean="0"/>
+              <a:rPr lang="en-US" sz="2000" dirty="0" smtClean="0"/>
               <a:t>JSX = JavaScript + XML</a:t>
             </a:r>
           </a:p>
           <a:p>
             <a:r>
-              <a:rPr lang="en-US" dirty="0" smtClean="0"/>
+              <a:rPr lang="en-US" sz="2000" dirty="0" smtClean="0"/>
               <a:t>JSX </a:t>
             </a:r>
             <a:r>
-              <a:rPr lang="en-US" dirty="0" err="1" smtClean="0"/>
+              <a:rPr lang="en-US" sz="2000" dirty="0" err="1" smtClean="0"/>
               <a:t>là</a:t>
             </a:r>
             <a:r>
-              <a:rPr lang="en-US" dirty="0" smtClean="0"/>
-              <a:t> </a:t>
-            </a:r>
-            <a:r>
-              <a:rPr lang="en-US" dirty="0" err="1" smtClean="0"/>
+              <a:rPr lang="en-US" sz="2000" dirty="0" smtClean="0"/>
+              <a:t> </a:t>
+            </a:r>
+            <a:r>
+              <a:rPr lang="en-US" sz="2000" dirty="0" err="1" smtClean="0"/>
               <a:t>một</a:t>
             </a:r>
             <a:r>
-              <a:rPr lang="en-US" dirty="0" smtClean="0"/>
-              <a:t> </a:t>
-            </a:r>
-            <a:r>
-              <a:rPr lang="en-US" dirty="0" err="1" smtClean="0"/>
+              <a:rPr lang="en-US" sz="2000" dirty="0" smtClean="0"/>
+              <a:t> </a:t>
+            </a:r>
+            <a:r>
+              <a:rPr lang="en-US" sz="2000" dirty="0" err="1" smtClean="0"/>
               <a:t>dạng</a:t>
             </a:r>
             <a:r>
-              <a:rPr lang="en-US" dirty="0" smtClean="0"/>
-              <a:t> </a:t>
-            </a:r>
-            <a:r>
-              <a:rPr lang="en-US" dirty="0" err="1" smtClean="0"/>
+              <a:rPr lang="en-US" sz="2000" dirty="0" smtClean="0"/>
+              <a:t> </a:t>
+            </a:r>
+            <a:r>
+              <a:rPr lang="en-US" sz="2000" dirty="0" err="1" smtClean="0"/>
               <a:t>ngôn</a:t>
             </a:r>
             <a:r>
-              <a:rPr lang="en-US" dirty="0" smtClean="0"/>
-              <a:t> </a:t>
-            </a:r>
-            <a:r>
-              <a:rPr lang="en-US" dirty="0" err="1" smtClean="0"/>
+              <a:rPr lang="en-US" sz="2000" dirty="0" smtClean="0"/>
+              <a:t> </a:t>
+            </a:r>
+            <a:r>
+              <a:rPr lang="en-US" sz="2000" dirty="0" err="1" smtClean="0"/>
               <a:t>ngữ</a:t>
             </a:r>
             <a:r>
-              <a:rPr lang="en-US" dirty="0" smtClean="0"/>
-              <a:t> </a:t>
-            </a:r>
-            <a:r>
-              <a:rPr lang="en-US" dirty="0" err="1" smtClean="0"/>
+              <a:rPr lang="en-US" sz="2000" dirty="0" smtClean="0"/>
+              <a:t> </a:t>
+            </a:r>
+            <a:r>
+              <a:rPr lang="en-US" sz="2000" dirty="0" err="1" smtClean="0"/>
               <a:t>cho</a:t>
             </a:r>
             <a:r>
-              <a:rPr lang="en-US" dirty="0" smtClean="0"/>
-              <a:t> </a:t>
-            </a:r>
-            <a:r>
-              <a:rPr lang="en-US" dirty="0" err="1" smtClean="0"/>
+              <a:rPr lang="en-US" sz="2000" dirty="0" smtClean="0"/>
+              <a:t> </a:t>
+            </a:r>
+            <a:r>
+              <a:rPr lang="en-US" sz="2000" dirty="0" err="1" smtClean="0"/>
               <a:t>phép</a:t>
             </a:r>
             <a:r>
-              <a:rPr lang="en-US" dirty="0" smtClean="0"/>
-              <a:t> </a:t>
-            </a:r>
-            <a:r>
-              <a:rPr lang="en-US" dirty="0" err="1" smtClean="0"/>
+              <a:rPr lang="en-US" sz="2000" dirty="0" smtClean="0"/>
+              <a:t> </a:t>
+            </a:r>
+            <a:r>
+              <a:rPr lang="en-US" sz="2000" dirty="0" err="1" smtClean="0"/>
               <a:t>viếc</a:t>
             </a:r>
             <a:r>
-              <a:rPr lang="en-US" dirty="0" smtClean="0"/>
-              <a:t> </a:t>
-            </a:r>
-            <a:r>
-              <a:rPr lang="en-US" dirty="0" err="1" smtClean="0"/>
+              <a:rPr lang="en-US" sz="2000" dirty="0" smtClean="0"/>
+              <a:t> </a:t>
+            </a:r>
+            <a:r>
+              <a:rPr lang="en-US" sz="2000" dirty="0" err="1" smtClean="0"/>
               <a:t>các</a:t>
             </a:r>
             <a:r>
-              <a:rPr lang="en-US" dirty="0" smtClean="0"/>
-              <a:t> </a:t>
-            </a:r>
-            <a:r>
-              <a:rPr lang="en-US" dirty="0" err="1" smtClean="0"/>
+              <a:rPr lang="en-US" sz="2000" dirty="0" smtClean="0"/>
+              <a:t> </a:t>
+            </a:r>
+            <a:r>
+              <a:rPr lang="en-US" sz="2000" dirty="0" err="1" smtClean="0"/>
               <a:t>mã</a:t>
             </a:r>
             <a:r>
-              <a:rPr lang="en-US" dirty="0" smtClean="0"/>
+              <a:rPr lang="en-US" sz="2000" dirty="0" smtClean="0"/>
               <a:t> HTML </a:t>
             </a:r>
             <a:r>
-              <a:rPr lang="en-US" dirty="0" err="1" smtClean="0"/>
+              <a:rPr lang="en-US" sz="2000" dirty="0" err="1" smtClean="0"/>
               <a:t>trong</a:t>
             </a:r>
             <a:r>
-              <a:rPr lang="en-US" dirty="0" smtClean="0"/>
-              <a:t> JavaScript</a:t>
-            </a:r>
-            <a:endParaRPr lang="vi-VN" dirty="0"/>
+              <a:rPr lang="en-US" sz="2000" dirty="0" smtClean="0"/>
+              <a:t> JavaScript. </a:t>
+            </a:r>
+            <a:r>
+              <a:rPr lang="en-US" sz="2000" dirty="0" err="1" smtClean="0"/>
+              <a:t>Đặc</a:t>
+            </a:r>
+            <a:r>
+              <a:rPr lang="en-US" sz="2000" dirty="0" smtClean="0"/>
+              <a:t> </a:t>
+            </a:r>
+            <a:r>
+              <a:rPr lang="en-US" sz="2000" dirty="0" err="1" smtClean="0"/>
+              <a:t>điểm</a:t>
+            </a:r>
+            <a:r>
+              <a:rPr lang="en-US" sz="2000" dirty="0" smtClean="0"/>
+              <a:t> :</a:t>
+            </a:r>
+          </a:p>
+          <a:p>
+            <a:pPr lvl="1"/>
+            <a:r>
+              <a:rPr lang="en-US" sz="1800" dirty="0" err="1" smtClean="0"/>
+              <a:t>Nhanh</a:t>
+            </a:r>
+            <a:r>
+              <a:rPr lang="en-US" sz="1800" dirty="0" smtClean="0"/>
+              <a:t> </a:t>
+            </a:r>
+            <a:r>
+              <a:rPr lang="en-US" sz="1800" dirty="0" err="1" smtClean="0"/>
+              <a:t>hơn</a:t>
+            </a:r>
+            <a:r>
+              <a:rPr lang="en-US" sz="1800" dirty="0"/>
+              <a:t> </a:t>
+            </a:r>
+            <a:r>
+              <a:rPr lang="en-US" sz="1800" dirty="0" smtClean="0"/>
+              <a:t>: JSX </a:t>
+            </a:r>
+            <a:r>
+              <a:rPr lang="en-US" sz="1800" dirty="0" err="1" smtClean="0"/>
+              <a:t>tối</a:t>
+            </a:r>
+            <a:r>
+              <a:rPr lang="en-US" sz="1800" dirty="0" smtClean="0"/>
+              <a:t> </a:t>
+            </a:r>
+            <a:r>
+              <a:rPr lang="en-US" sz="1800" dirty="0" err="1" smtClean="0"/>
+              <a:t>ưu</a:t>
+            </a:r>
+            <a:r>
+              <a:rPr lang="en-US" sz="1800" dirty="0" smtClean="0"/>
+              <a:t> </a:t>
+            </a:r>
+            <a:r>
+              <a:rPr lang="en-US" sz="1800" dirty="0" err="1" smtClean="0"/>
+              <a:t>hóa</a:t>
+            </a:r>
+            <a:r>
+              <a:rPr lang="en-US" sz="1800" dirty="0" smtClean="0"/>
+              <a:t> </a:t>
+            </a:r>
+            <a:r>
+              <a:rPr lang="en-US" sz="1800" dirty="0" err="1" smtClean="0"/>
+              <a:t>trong</a:t>
+            </a:r>
+            <a:r>
+              <a:rPr lang="en-US" sz="1800" dirty="0" smtClean="0"/>
+              <a:t> </a:t>
+            </a:r>
+            <a:r>
+              <a:rPr lang="en-US" sz="1800" dirty="0" err="1" smtClean="0"/>
+              <a:t>khi</a:t>
+            </a:r>
+            <a:r>
+              <a:rPr lang="en-US" sz="1800" dirty="0" smtClean="0"/>
+              <a:t> </a:t>
+            </a:r>
+            <a:r>
+              <a:rPr lang="en-US" sz="1800" dirty="0" err="1" smtClean="0"/>
+              <a:t>biên</a:t>
+            </a:r>
+            <a:r>
+              <a:rPr lang="en-US" sz="1800" dirty="0" smtClean="0"/>
+              <a:t> </a:t>
+            </a:r>
+            <a:r>
+              <a:rPr lang="en-US" sz="1800" dirty="0" err="1" smtClean="0"/>
+              <a:t>dịch</a:t>
+            </a:r>
+            <a:r>
+              <a:rPr lang="en-US" sz="1800" dirty="0" smtClean="0"/>
+              <a:t> sang </a:t>
+            </a:r>
+            <a:r>
+              <a:rPr lang="en-US" sz="1800" dirty="0" err="1" smtClean="0"/>
+              <a:t>mã</a:t>
+            </a:r>
+            <a:r>
+              <a:rPr lang="en-US" sz="1800" dirty="0" smtClean="0"/>
+              <a:t> </a:t>
+            </a:r>
+            <a:r>
+              <a:rPr lang="en-US" sz="1800" dirty="0" err="1" smtClean="0"/>
+              <a:t>Javascript</a:t>
+            </a:r>
+            <a:r>
+              <a:rPr lang="en-US" sz="1800" dirty="0" smtClean="0"/>
+              <a:t>. </a:t>
+            </a:r>
+            <a:r>
+              <a:rPr lang="en-US" sz="1800" dirty="0" err="1" smtClean="0"/>
+              <a:t>Mã</a:t>
+            </a:r>
+            <a:r>
+              <a:rPr lang="en-US" sz="1800" dirty="0" smtClean="0"/>
+              <a:t> </a:t>
+            </a:r>
+            <a:r>
+              <a:rPr lang="en-US" sz="1800" dirty="0" err="1" smtClean="0"/>
+              <a:t>này</a:t>
+            </a:r>
+            <a:r>
+              <a:rPr lang="en-US" sz="1800" dirty="0" smtClean="0"/>
+              <a:t> </a:t>
+            </a:r>
+            <a:r>
+              <a:rPr lang="en-US" sz="1800" dirty="0" err="1" smtClean="0"/>
+              <a:t>thực</a:t>
+            </a:r>
+            <a:r>
+              <a:rPr lang="en-US" sz="1800" dirty="0" smtClean="0"/>
+              <a:t> </a:t>
+            </a:r>
+            <a:r>
+              <a:rPr lang="en-US" sz="1800" dirty="0" err="1" smtClean="0"/>
+              <a:t>hiện</a:t>
+            </a:r>
+            <a:r>
+              <a:rPr lang="en-US" sz="1800" dirty="0" smtClean="0"/>
+              <a:t> </a:t>
+            </a:r>
+            <a:r>
+              <a:rPr lang="en-US" sz="1800" dirty="0" err="1" smtClean="0"/>
+              <a:t>nhanh</a:t>
+            </a:r>
+            <a:r>
+              <a:rPr lang="en-US" sz="1800" dirty="0" smtClean="0"/>
+              <a:t> </a:t>
+            </a:r>
+            <a:r>
+              <a:rPr lang="en-US" sz="1800" dirty="0" err="1" smtClean="0"/>
+              <a:t>hơn</a:t>
+            </a:r>
+            <a:r>
+              <a:rPr lang="en-US" sz="1800" dirty="0" smtClean="0"/>
+              <a:t> </a:t>
+            </a:r>
+            <a:r>
+              <a:rPr lang="en-US" sz="1800" dirty="0" err="1" smtClean="0"/>
+              <a:t>nhiều</a:t>
+            </a:r>
+            <a:r>
+              <a:rPr lang="en-US" sz="1800" dirty="0" smtClean="0"/>
+              <a:t> so </a:t>
+            </a:r>
+            <a:r>
+              <a:rPr lang="en-US" sz="1800" dirty="0" err="1" smtClean="0"/>
+              <a:t>với</a:t>
+            </a:r>
+            <a:r>
+              <a:rPr lang="en-US" sz="1800" dirty="0" smtClean="0"/>
+              <a:t> </a:t>
+            </a:r>
+            <a:r>
+              <a:rPr lang="en-US" sz="1800" dirty="0" err="1" smtClean="0"/>
+              <a:t>đoạn</a:t>
+            </a:r>
+            <a:r>
+              <a:rPr lang="en-US" sz="1800" dirty="0" smtClean="0"/>
+              <a:t> </a:t>
+            </a:r>
+            <a:r>
+              <a:rPr lang="en-US" sz="1800" dirty="0" err="1" smtClean="0"/>
+              <a:t>mã</a:t>
+            </a:r>
+            <a:r>
+              <a:rPr lang="en-US" sz="1800" dirty="0" smtClean="0"/>
+              <a:t> </a:t>
+            </a:r>
+            <a:r>
+              <a:rPr lang="en-US" sz="1800" dirty="0" err="1" smtClean="0"/>
+              <a:t>tương</a:t>
+            </a:r>
+            <a:r>
+              <a:rPr lang="en-US" sz="1800" dirty="0" smtClean="0"/>
+              <a:t> </a:t>
+            </a:r>
+            <a:r>
+              <a:rPr lang="en-US" sz="1800" dirty="0" err="1" smtClean="0"/>
+              <a:t>đương</a:t>
+            </a:r>
+            <a:r>
+              <a:rPr lang="en-US" sz="1800" dirty="0" smtClean="0"/>
+              <a:t> </a:t>
+            </a:r>
+            <a:r>
+              <a:rPr lang="en-US" sz="1800" dirty="0" err="1" smtClean="0"/>
+              <a:t>viết</a:t>
+            </a:r>
+            <a:r>
+              <a:rPr lang="en-US" sz="1800" dirty="0" smtClean="0"/>
+              <a:t> </a:t>
+            </a:r>
+            <a:r>
+              <a:rPr lang="en-US" sz="1800" dirty="0" err="1" smtClean="0"/>
+              <a:t>trực</a:t>
+            </a:r>
+            <a:r>
+              <a:rPr lang="en-US" sz="1800" dirty="0" smtClean="0"/>
+              <a:t> </a:t>
+            </a:r>
+            <a:r>
+              <a:rPr lang="en-US" sz="1800" dirty="0" err="1" smtClean="0"/>
+              <a:t>tiếp</a:t>
+            </a:r>
+            <a:r>
+              <a:rPr lang="en-US" sz="1800" dirty="0" smtClean="0"/>
+              <a:t> </a:t>
+            </a:r>
+            <a:r>
+              <a:rPr lang="en-US" sz="1800" dirty="0" err="1" smtClean="0"/>
+              <a:t>bằng</a:t>
+            </a:r>
+            <a:r>
+              <a:rPr lang="en-US" sz="1800" dirty="0" smtClean="0"/>
+              <a:t> </a:t>
+            </a:r>
+            <a:r>
+              <a:rPr lang="en-US" sz="1800" dirty="0" err="1" smtClean="0"/>
+              <a:t>Javascript</a:t>
+            </a:r>
+            <a:endParaRPr lang="en-US" sz="1800" dirty="0" smtClean="0"/>
+          </a:p>
+          <a:p>
+            <a:pPr lvl="1"/>
+            <a:r>
+              <a:rPr lang="en-US" sz="1800" dirty="0" smtClean="0"/>
+              <a:t>An </a:t>
+            </a:r>
+            <a:r>
+              <a:rPr lang="en-US" sz="1800" dirty="0" err="1" smtClean="0"/>
+              <a:t>toàn</a:t>
+            </a:r>
+            <a:r>
+              <a:rPr lang="en-US" sz="1800" dirty="0" smtClean="0"/>
+              <a:t> </a:t>
+            </a:r>
+            <a:r>
+              <a:rPr lang="en-US" sz="1800" dirty="0" err="1" smtClean="0"/>
+              <a:t>hơn</a:t>
+            </a:r>
+            <a:r>
+              <a:rPr lang="en-US" sz="1800" dirty="0" smtClean="0"/>
+              <a:t>: </a:t>
+            </a:r>
+            <a:r>
+              <a:rPr lang="en-US" sz="1800" dirty="0" err="1" smtClean="0"/>
+              <a:t>được</a:t>
+            </a:r>
+            <a:r>
+              <a:rPr lang="en-US" sz="1800" dirty="0" smtClean="0"/>
+              <a:t> </a:t>
+            </a:r>
+            <a:r>
+              <a:rPr lang="en-US" sz="1800" dirty="0" err="1" smtClean="0"/>
+              <a:t>biên</a:t>
+            </a:r>
+            <a:r>
+              <a:rPr lang="en-US" sz="1800" dirty="0" smtClean="0"/>
+              <a:t> </a:t>
+            </a:r>
+            <a:r>
+              <a:rPr lang="en-US" sz="1800" dirty="0" err="1" smtClean="0"/>
+              <a:t>dịch</a:t>
+            </a:r>
+            <a:r>
+              <a:rPr lang="en-US" sz="1800" dirty="0" smtClean="0"/>
+              <a:t> </a:t>
+            </a:r>
+            <a:r>
+              <a:rPr lang="en-US" sz="1800" dirty="0" err="1" smtClean="0"/>
+              <a:t>trước</a:t>
+            </a:r>
+            <a:r>
+              <a:rPr lang="en-US" sz="1800" dirty="0" smtClean="0"/>
+              <a:t> </a:t>
+            </a:r>
+            <a:r>
+              <a:rPr lang="en-US" sz="1800" dirty="0" err="1" smtClean="0"/>
+              <a:t>khi</a:t>
+            </a:r>
+            <a:r>
+              <a:rPr lang="en-US" sz="1800" dirty="0" smtClean="0"/>
+              <a:t> </a:t>
+            </a:r>
+            <a:r>
+              <a:rPr lang="en-US" sz="1800" dirty="0" err="1" smtClean="0"/>
+              <a:t>chạy</a:t>
+            </a:r>
+            <a:r>
+              <a:rPr lang="en-US" sz="1800" dirty="0" smtClean="0"/>
+              <a:t> </a:t>
+            </a:r>
+            <a:r>
+              <a:rPr lang="en-US" sz="1800" dirty="0" err="1" smtClean="0"/>
+              <a:t>giống</a:t>
+            </a:r>
+            <a:r>
+              <a:rPr lang="en-US" sz="1800" dirty="0" smtClean="0"/>
+              <a:t> </a:t>
+            </a:r>
+            <a:r>
+              <a:rPr lang="en-US" sz="1800" dirty="0" err="1" smtClean="0"/>
+              <a:t>như</a:t>
+            </a:r>
+            <a:r>
+              <a:rPr lang="en-US" sz="1800" dirty="0" smtClean="0"/>
+              <a:t> Java, C++ … =&gt; </a:t>
+            </a:r>
+            <a:r>
+              <a:rPr lang="en-US" sz="1800" dirty="0" err="1" smtClean="0"/>
+              <a:t>lỗi</a:t>
+            </a:r>
+            <a:r>
+              <a:rPr lang="en-US" sz="1800" dirty="0" smtClean="0"/>
+              <a:t> </a:t>
+            </a:r>
+            <a:r>
+              <a:rPr lang="en-US" sz="1800" dirty="0" err="1" smtClean="0"/>
+              <a:t>được</a:t>
+            </a:r>
+            <a:r>
+              <a:rPr lang="en-US" sz="1800" dirty="0" smtClean="0"/>
+              <a:t> </a:t>
+            </a:r>
+            <a:r>
+              <a:rPr lang="en-US" sz="1800" dirty="0" err="1" smtClean="0"/>
+              <a:t>phát</a:t>
+            </a:r>
+            <a:r>
+              <a:rPr lang="en-US" sz="1800" dirty="0" smtClean="0"/>
+              <a:t> </a:t>
+            </a:r>
+            <a:r>
+              <a:rPr lang="en-US" sz="1800" dirty="0" err="1" smtClean="0"/>
+              <a:t>hiện</a:t>
+            </a:r>
+            <a:r>
+              <a:rPr lang="en-US" sz="1800" dirty="0" smtClean="0"/>
+              <a:t> </a:t>
+            </a:r>
+            <a:r>
+              <a:rPr lang="en-US" sz="1800" dirty="0" err="1" smtClean="0"/>
+              <a:t>trong</a:t>
+            </a:r>
+            <a:r>
+              <a:rPr lang="en-US" sz="1800" dirty="0" smtClean="0"/>
+              <a:t> </a:t>
+            </a:r>
+            <a:r>
+              <a:rPr lang="en-US" sz="1800" dirty="0" err="1" smtClean="0"/>
+              <a:t>quá</a:t>
+            </a:r>
+            <a:r>
+              <a:rPr lang="en-US" sz="1800" dirty="0" smtClean="0"/>
+              <a:t> </a:t>
+            </a:r>
+            <a:r>
+              <a:rPr lang="en-US" sz="1800" dirty="0" err="1" smtClean="0"/>
+              <a:t>trình</a:t>
+            </a:r>
+            <a:r>
+              <a:rPr lang="en-US" sz="1800" dirty="0" smtClean="0"/>
+              <a:t> </a:t>
+            </a:r>
+            <a:r>
+              <a:rPr lang="en-US" sz="1800" dirty="0" err="1" smtClean="0"/>
+              <a:t>biên</a:t>
+            </a:r>
+            <a:r>
+              <a:rPr lang="en-US" sz="1800" dirty="0" smtClean="0"/>
+              <a:t> </a:t>
+            </a:r>
+            <a:r>
+              <a:rPr lang="en-US" sz="1800" dirty="0" err="1" smtClean="0"/>
+              <a:t>dịch</a:t>
+            </a:r>
+            <a:endParaRPr lang="en-US" sz="1800" dirty="0" smtClean="0"/>
+          </a:p>
+          <a:p>
+            <a:pPr lvl="1"/>
+            <a:endParaRPr lang="en-US" sz="1800" dirty="0" smtClean="0"/>
           </a:p>
         </p:txBody>
       </p:sp>
     </p:spTree>
     <p:extLst>
       <p:ext uri="{BB962C8B-B14F-4D97-AF65-F5344CB8AC3E}">
-        <p14:creationId xmlns:p14="http://schemas.microsoft.com/office/powerpoint/2010/main" val="3938771359"/>
+        <p14:creationId xmlns:p14="http://schemas.microsoft.com/office/powerpoint/2010/main" val="4208855691"/>
       </p:ext>
     </p:extLst>
   </p:cSld>
@@ -12094,46 +16303,10 @@
           <a:lstStyle/>
           <a:p>
             <a:r>
-              <a:rPr lang="en-US" dirty="0" err="1" smtClean="0"/>
-              <a:t>Hướng</a:t>
-            </a:r>
-            <a:r>
               <a:rPr lang="en-US" dirty="0" smtClean="0"/>
-              <a:t> </a:t>
-            </a:r>
-            <a:r>
-              <a:rPr lang="en-US" dirty="0" err="1" smtClean="0"/>
-              <a:t>dẫn</a:t>
-            </a:r>
-            <a:r>
-              <a:rPr lang="en-US" dirty="0" smtClean="0"/>
-              <a:t> </a:t>
-            </a:r>
-            <a:r>
-              <a:rPr lang="en-US" dirty="0" err="1" smtClean="0"/>
-              <a:t>sử</a:t>
-            </a:r>
-            <a:r>
-              <a:rPr lang="en-US" dirty="0" smtClean="0"/>
-              <a:t> </a:t>
-            </a:r>
-            <a:r>
-              <a:rPr lang="en-US" dirty="0" err="1" smtClean="0"/>
-              <a:t>dụng</a:t>
-            </a:r>
-            <a:r>
-              <a:rPr lang="en-US" dirty="0" smtClean="0"/>
-              <a:t> </a:t>
-            </a:r>
-            <a:r>
-              <a:rPr lang="en-US" dirty="0" err="1" smtClean="0"/>
-              <a:t>và</a:t>
-            </a:r>
-            <a:r>
-              <a:rPr lang="en-US" dirty="0" smtClean="0"/>
-              <a:t> demo.</a:t>
-            </a:r>
-            <a:endParaRPr lang="en-US" dirty="0"/>
+              <a:t>Virtual DOM</a:t>
+            </a:r>
+            <a:endParaRPr lang="vi-VN" dirty="0"/>
           </a:p>
         </p:txBody>
       </p:sp>
@@ -12149,54 +16322,612 @@
         </p:nvSpPr>
         <p:spPr/>
         <p:txBody>
-          <a:bodyPr/>
+          <a:bodyPr>
+            <a:normAutofit/>
+          </a:bodyPr>
           <a:lstStyle/>
           <a:p>
             <a:r>
-              <a:rPr lang="en-US" dirty="0" smtClean="0"/>
-              <a:t>Video </a:t>
-            </a:r>
-            <a:endParaRPr lang="en-US" dirty="0"/>
+              <a:rPr lang="en-US" sz="2000" dirty="0" err="1" smtClean="0"/>
+              <a:t>Được</a:t>
+            </a:r>
+            <a:r>
+              <a:rPr lang="en-US" sz="2000" dirty="0" smtClean="0"/>
+              <a:t> React </a:t>
+            </a:r>
+            <a:r>
+              <a:rPr lang="en-US" sz="2000" dirty="0" err="1" smtClean="0"/>
+              <a:t>sử</a:t>
+            </a:r>
+            <a:r>
+              <a:rPr lang="en-US" sz="2000" dirty="0" smtClean="0"/>
+              <a:t> </a:t>
+            </a:r>
+            <a:r>
+              <a:rPr lang="en-US" sz="2000" dirty="0" err="1" smtClean="0"/>
+              <a:t>dụng</a:t>
+            </a:r>
+            <a:r>
+              <a:rPr lang="en-US" sz="2000" dirty="0" smtClean="0"/>
+              <a:t> </a:t>
+            </a:r>
+            <a:r>
+              <a:rPr lang="en-US" sz="2000" dirty="0" err="1" smtClean="0"/>
+              <a:t>để</a:t>
+            </a:r>
+            <a:r>
+              <a:rPr lang="en-US" sz="2000" dirty="0" smtClean="0"/>
+              <a:t> </a:t>
+            </a:r>
+            <a:r>
+              <a:rPr lang="en-US" sz="2000" dirty="0" err="1" smtClean="0"/>
+              <a:t>tối</a:t>
+            </a:r>
+            <a:r>
+              <a:rPr lang="en-US" sz="2000" dirty="0" smtClean="0"/>
+              <a:t> </a:t>
+            </a:r>
+            <a:r>
+              <a:rPr lang="en-US" sz="2000" dirty="0" err="1" smtClean="0"/>
+              <a:t>ưu</a:t>
+            </a:r>
+            <a:r>
+              <a:rPr lang="en-US" sz="2000" dirty="0" smtClean="0"/>
+              <a:t> </a:t>
+            </a:r>
+            <a:r>
+              <a:rPr lang="en-US" sz="2000" dirty="0" err="1" smtClean="0"/>
+              <a:t>việc</a:t>
+            </a:r>
+            <a:r>
+              <a:rPr lang="en-US" sz="2000" dirty="0" smtClean="0"/>
+              <a:t> update </a:t>
+            </a:r>
+            <a:r>
+              <a:rPr lang="en-US" sz="2000" dirty="0" err="1" smtClean="0"/>
+              <a:t>giao</a:t>
+            </a:r>
+            <a:r>
+              <a:rPr lang="en-US" sz="2000" dirty="0" smtClean="0"/>
+              <a:t> </a:t>
+            </a:r>
+            <a:r>
+              <a:rPr lang="en-US" sz="2000" dirty="0" err="1" smtClean="0"/>
+              <a:t>diện</a:t>
+            </a:r>
+            <a:r>
+              <a:rPr lang="en-US" sz="2000" dirty="0" smtClean="0"/>
+              <a:t> </a:t>
+            </a:r>
+            <a:r>
+              <a:rPr lang="en-US" sz="2000" dirty="0" err="1" smtClean="0"/>
+              <a:t>khi</a:t>
+            </a:r>
+            <a:r>
+              <a:rPr lang="en-US" sz="2000" dirty="0" smtClean="0"/>
+              <a:t> </a:t>
+            </a:r>
+            <a:r>
+              <a:rPr lang="en-US" sz="2000" dirty="0" err="1" smtClean="0"/>
+              <a:t>có</a:t>
+            </a:r>
+            <a:r>
+              <a:rPr lang="en-US" sz="2000" dirty="0" smtClean="0"/>
+              <a:t> </a:t>
+            </a:r>
+            <a:r>
+              <a:rPr lang="en-US" sz="2000" dirty="0" err="1" smtClean="0"/>
+              <a:t>sự</a:t>
+            </a:r>
+            <a:r>
+              <a:rPr lang="en-US" sz="2000" dirty="0" smtClean="0"/>
+              <a:t> </a:t>
+            </a:r>
+            <a:r>
+              <a:rPr lang="en-US" sz="2000" dirty="0" err="1" smtClean="0"/>
+              <a:t>thay</a:t>
+            </a:r>
+            <a:r>
+              <a:rPr lang="en-US" sz="2000" dirty="0" smtClean="0"/>
+              <a:t> </a:t>
+            </a:r>
+            <a:r>
+              <a:rPr lang="en-US" sz="2000" dirty="0" err="1" smtClean="0"/>
+              <a:t>đổi</a:t>
+            </a:r>
+            <a:r>
+              <a:rPr lang="en-US" sz="2000" dirty="0" smtClean="0"/>
+              <a:t> </a:t>
+            </a:r>
+            <a:r>
+              <a:rPr lang="en-US" sz="2000" dirty="0" err="1" smtClean="0"/>
+              <a:t>về</a:t>
+            </a:r>
+            <a:r>
+              <a:rPr lang="en-US" sz="2000" dirty="0" smtClean="0"/>
+              <a:t> </a:t>
+            </a:r>
+            <a:r>
+              <a:rPr lang="en-US" sz="2000" dirty="0" err="1" smtClean="0"/>
+              <a:t>dữ</a:t>
+            </a:r>
+            <a:r>
+              <a:rPr lang="en-US" sz="2000" dirty="0" smtClean="0"/>
+              <a:t> </a:t>
+            </a:r>
+            <a:r>
+              <a:rPr lang="en-US" sz="2000" dirty="0" err="1" smtClean="0"/>
+              <a:t>liệu</a:t>
+            </a:r>
+            <a:r>
+              <a:rPr lang="en-US" sz="2000" dirty="0" smtClean="0"/>
+              <a:t>.</a:t>
+            </a:r>
+          </a:p>
+          <a:p>
+            <a:r>
+              <a:rPr lang="en-US" sz="2000" dirty="0" err="1" smtClean="0"/>
+              <a:t>Có</a:t>
+            </a:r>
+            <a:r>
+              <a:rPr lang="en-US" sz="2000" dirty="0" smtClean="0"/>
+              <a:t> </a:t>
+            </a:r>
+            <a:r>
+              <a:rPr lang="en-US" sz="2000" dirty="0" err="1" smtClean="0"/>
+              <a:t>thể</a:t>
+            </a:r>
+            <a:r>
+              <a:rPr lang="en-US" sz="2000" dirty="0" smtClean="0"/>
+              <a:t> </a:t>
+            </a:r>
+            <a:r>
+              <a:rPr lang="en-US" sz="2000" dirty="0" err="1" smtClean="0"/>
+              <a:t>hiểu</a:t>
+            </a:r>
+            <a:r>
+              <a:rPr lang="en-US" sz="2000" dirty="0" smtClean="0"/>
+              <a:t> </a:t>
+            </a:r>
+            <a:r>
+              <a:rPr lang="en-US" sz="2000" dirty="0" err="1" smtClean="0"/>
+              <a:t>nó</a:t>
+            </a:r>
+            <a:r>
+              <a:rPr lang="en-US" sz="2000" dirty="0" smtClean="0"/>
+              <a:t> </a:t>
+            </a:r>
+            <a:r>
+              <a:rPr lang="en-US" sz="2000" dirty="0" err="1" smtClean="0"/>
+              <a:t>là</a:t>
+            </a:r>
+            <a:r>
+              <a:rPr lang="en-US" sz="2000" dirty="0" smtClean="0"/>
+              <a:t> </a:t>
+            </a:r>
+            <a:r>
+              <a:rPr lang="en-US" sz="2000" dirty="0" err="1" smtClean="0"/>
+              <a:t>một</a:t>
+            </a:r>
+            <a:r>
+              <a:rPr lang="en-US" sz="2000" dirty="0" smtClean="0"/>
+              <a:t> </a:t>
+            </a:r>
+            <a:r>
+              <a:rPr lang="en-US" sz="2000" dirty="0" err="1" smtClean="0"/>
+              <a:t>bản</a:t>
+            </a:r>
+            <a:r>
+              <a:rPr lang="en-US" sz="2000" dirty="0" smtClean="0"/>
+              <a:t> </a:t>
+            </a:r>
+            <a:r>
+              <a:rPr lang="en-US" sz="2000" dirty="0" err="1" smtClean="0"/>
+              <a:t>sao</a:t>
+            </a:r>
+            <a:r>
+              <a:rPr lang="en-US" sz="2000" dirty="0" smtClean="0"/>
+              <a:t> </a:t>
+            </a:r>
+            <a:r>
+              <a:rPr lang="en-US" sz="2000" dirty="0" err="1" smtClean="0"/>
+              <a:t>của</a:t>
+            </a:r>
+            <a:r>
+              <a:rPr lang="en-US" sz="2000" dirty="0" smtClean="0"/>
+              <a:t> DOM</a:t>
+            </a:r>
+          </a:p>
+          <a:p>
+            <a:r>
+              <a:rPr lang="en-US" sz="2000" dirty="0" err="1" smtClean="0"/>
+              <a:t>Cách</a:t>
+            </a:r>
+            <a:r>
+              <a:rPr lang="en-US" sz="2000" dirty="0" smtClean="0"/>
+              <a:t> </a:t>
+            </a:r>
+            <a:r>
+              <a:rPr lang="en-US" sz="2000" dirty="0" err="1" smtClean="0"/>
+              <a:t>hoạt</a:t>
+            </a:r>
+            <a:r>
+              <a:rPr lang="en-US" sz="2000" dirty="0" smtClean="0"/>
+              <a:t> </a:t>
+            </a:r>
+            <a:r>
+              <a:rPr lang="en-US" sz="2000" dirty="0" err="1" smtClean="0"/>
+              <a:t>động</a:t>
+            </a:r>
+            <a:r>
+              <a:rPr lang="en-US" sz="2000" dirty="0" smtClean="0"/>
+              <a:t> : </a:t>
+            </a:r>
+            <a:r>
+              <a:rPr lang="en-US" sz="2000" dirty="0" err="1" smtClean="0"/>
+              <a:t>Khi</a:t>
+            </a:r>
+            <a:r>
+              <a:rPr lang="en-US" sz="2000" dirty="0" smtClean="0"/>
+              <a:t> </a:t>
+            </a:r>
+            <a:r>
+              <a:rPr lang="en-US" sz="2000" dirty="0" err="1" smtClean="0"/>
+              <a:t>ứng</a:t>
+            </a:r>
+            <a:r>
+              <a:rPr lang="en-US" sz="2000" dirty="0" smtClean="0"/>
+              <a:t> </a:t>
+            </a:r>
+            <a:r>
+              <a:rPr lang="en-US" sz="2000" dirty="0" err="1" smtClean="0"/>
+              <a:t>dụng</a:t>
+            </a:r>
+            <a:r>
+              <a:rPr lang="en-US" sz="2000" dirty="0" smtClean="0"/>
+              <a:t> </a:t>
+            </a:r>
+            <a:r>
+              <a:rPr lang="en-US" sz="2000" dirty="0" err="1" smtClean="0"/>
+              <a:t>hoạt</a:t>
+            </a:r>
+            <a:r>
+              <a:rPr lang="en-US" sz="2000" dirty="0" smtClean="0"/>
+              <a:t> </a:t>
+            </a:r>
+            <a:r>
+              <a:rPr lang="en-US" sz="2000" dirty="0" err="1" smtClean="0"/>
+              <a:t>động</a:t>
+            </a:r>
+            <a:r>
+              <a:rPr lang="en-US" sz="2000" dirty="0" smtClean="0"/>
+              <a:t>, </a:t>
+            </a:r>
+            <a:r>
+              <a:rPr lang="en-US" sz="2000" dirty="0" err="1" smtClean="0"/>
+              <a:t>các</a:t>
+            </a:r>
+            <a:r>
+              <a:rPr lang="en-US" sz="2000" dirty="0" smtClean="0"/>
+              <a:t> </a:t>
+            </a:r>
+            <a:r>
+              <a:rPr lang="en-US" sz="2000" dirty="0" err="1" smtClean="0"/>
+              <a:t>thay</a:t>
+            </a:r>
+            <a:r>
+              <a:rPr lang="en-US" sz="2000" dirty="0" smtClean="0"/>
+              <a:t> </a:t>
+            </a:r>
+            <a:r>
+              <a:rPr lang="en-US" sz="2000" dirty="0" err="1" smtClean="0"/>
+              <a:t>đổi</a:t>
+            </a:r>
+            <a:r>
+              <a:rPr lang="en-US" sz="2000" dirty="0" smtClean="0"/>
+              <a:t> </a:t>
+            </a:r>
+            <a:r>
+              <a:rPr lang="en-US" sz="2000" dirty="0" err="1" smtClean="0"/>
+              <a:t>trên</a:t>
+            </a:r>
+            <a:r>
+              <a:rPr lang="en-US" sz="2000" dirty="0" smtClean="0"/>
+              <a:t> DOM </a:t>
+            </a:r>
+            <a:r>
+              <a:rPr lang="en-US" sz="2000" dirty="0" err="1" smtClean="0"/>
+              <a:t>sẽ</a:t>
+            </a:r>
+            <a:r>
+              <a:rPr lang="en-US" sz="2000" dirty="0" smtClean="0"/>
+              <a:t> </a:t>
+            </a:r>
+            <a:r>
+              <a:rPr lang="en-US" sz="2000" dirty="0" err="1" smtClean="0"/>
+              <a:t>được</a:t>
+            </a:r>
+            <a:r>
+              <a:rPr lang="en-US" sz="2000" dirty="0" smtClean="0"/>
+              <a:t> </a:t>
+            </a:r>
+            <a:r>
+              <a:rPr lang="en-US" sz="2000" dirty="0" err="1" smtClean="0"/>
+              <a:t>tính</a:t>
+            </a:r>
+            <a:r>
+              <a:rPr lang="en-US" sz="2000" dirty="0" smtClean="0"/>
+              <a:t> </a:t>
+            </a:r>
+            <a:r>
+              <a:rPr lang="en-US" sz="2000" dirty="0" err="1" smtClean="0"/>
+              <a:t>toán</a:t>
+            </a:r>
+            <a:r>
+              <a:rPr lang="en-US" sz="2000" dirty="0" smtClean="0"/>
+              <a:t> </a:t>
+            </a:r>
+            <a:r>
+              <a:rPr lang="en-US" sz="2000" dirty="0" err="1" smtClean="0"/>
+              <a:t>trước</a:t>
+            </a:r>
+            <a:r>
+              <a:rPr lang="en-US" sz="2000" dirty="0" smtClean="0"/>
+              <a:t> </a:t>
+            </a:r>
+            <a:r>
+              <a:rPr lang="en-US" sz="2000" dirty="0" err="1" smtClean="0"/>
+              <a:t>trên</a:t>
+            </a:r>
+            <a:r>
+              <a:rPr lang="en-US" sz="2000" dirty="0" smtClean="0"/>
+              <a:t> Virtual DOM, </a:t>
+            </a:r>
+            <a:r>
+              <a:rPr lang="en-US" sz="2000" dirty="0" err="1" smtClean="0"/>
+              <a:t>phân</a:t>
+            </a:r>
+            <a:r>
+              <a:rPr lang="en-US" sz="2000" dirty="0" smtClean="0"/>
+              <a:t> </a:t>
+            </a:r>
+            <a:r>
+              <a:rPr lang="en-US" sz="2000" dirty="0" err="1" smtClean="0"/>
+              <a:t>tích</a:t>
+            </a:r>
+            <a:r>
+              <a:rPr lang="en-US" sz="2000" dirty="0" smtClean="0"/>
+              <a:t> </a:t>
+            </a:r>
+            <a:r>
+              <a:rPr lang="en-US" sz="2000" dirty="0" err="1" smtClean="0"/>
+              <a:t>và</a:t>
+            </a:r>
+            <a:r>
+              <a:rPr lang="en-US" sz="2000" dirty="0" smtClean="0"/>
+              <a:t> </a:t>
+            </a:r>
+            <a:r>
+              <a:rPr lang="en-US" sz="2000" dirty="0" err="1" smtClean="0"/>
+              <a:t>tối</a:t>
+            </a:r>
+            <a:r>
+              <a:rPr lang="en-US" sz="2000" dirty="0" smtClean="0"/>
+              <a:t> </a:t>
+            </a:r>
+            <a:r>
+              <a:rPr lang="en-US" sz="2000" dirty="0" err="1" smtClean="0"/>
+              <a:t>ưu</a:t>
+            </a:r>
+            <a:r>
+              <a:rPr lang="en-US" sz="2000" dirty="0" smtClean="0"/>
+              <a:t> </a:t>
+            </a:r>
+            <a:r>
+              <a:rPr lang="en-US" sz="2000" dirty="0" err="1" smtClean="0"/>
+              <a:t>sau</a:t>
+            </a:r>
+            <a:r>
+              <a:rPr lang="en-US" sz="2000" dirty="0" smtClean="0"/>
+              <a:t> </a:t>
+            </a:r>
+            <a:r>
+              <a:rPr lang="en-US" sz="2000" dirty="0" err="1" smtClean="0"/>
+              <a:t>đó</a:t>
+            </a:r>
+            <a:r>
+              <a:rPr lang="en-US" sz="2000" dirty="0" smtClean="0"/>
+              <a:t> </a:t>
+            </a:r>
+            <a:r>
+              <a:rPr lang="en-US" sz="2000" dirty="0" err="1" smtClean="0"/>
+              <a:t>mới</a:t>
+            </a:r>
+            <a:r>
+              <a:rPr lang="en-US" sz="2000" dirty="0" smtClean="0"/>
+              <a:t> update DOM. </a:t>
+            </a:r>
+            <a:r>
+              <a:rPr lang="en-US" sz="2000" dirty="0" err="1" smtClean="0"/>
+              <a:t>Việc</a:t>
+            </a:r>
+            <a:r>
+              <a:rPr lang="en-US" sz="2000" dirty="0" smtClean="0"/>
+              <a:t> </a:t>
+            </a:r>
+            <a:r>
+              <a:rPr lang="en-US" sz="2000" dirty="0" err="1" smtClean="0"/>
+              <a:t>này</a:t>
+            </a:r>
+            <a:r>
+              <a:rPr lang="en-US" sz="2000" dirty="0" smtClean="0"/>
+              <a:t> </a:t>
+            </a:r>
+            <a:r>
+              <a:rPr lang="en-US" sz="2000" dirty="0" err="1" smtClean="0"/>
+              <a:t>giúp</a:t>
+            </a:r>
+            <a:r>
+              <a:rPr lang="en-US" sz="2000" dirty="0" smtClean="0"/>
+              <a:t> </a:t>
+            </a:r>
+            <a:r>
+              <a:rPr lang="en-US" sz="2000" dirty="0" err="1" smtClean="0"/>
+              <a:t>giảm</a:t>
+            </a:r>
+            <a:r>
+              <a:rPr lang="en-US" sz="2000" dirty="0" smtClean="0"/>
+              <a:t> </a:t>
+            </a:r>
+            <a:r>
+              <a:rPr lang="en-US" sz="2000" dirty="0" err="1" smtClean="0"/>
+              <a:t>thiểu</a:t>
+            </a:r>
+            <a:r>
+              <a:rPr lang="en-US" sz="2000" dirty="0" smtClean="0"/>
+              <a:t> </a:t>
+            </a:r>
+            <a:r>
+              <a:rPr lang="en-US" sz="2000" dirty="0" err="1" smtClean="0"/>
+              <a:t>sự</a:t>
+            </a:r>
+            <a:r>
+              <a:rPr lang="en-US" sz="2000" dirty="0" smtClean="0"/>
+              <a:t> </a:t>
+            </a:r>
+            <a:r>
+              <a:rPr lang="en-US" sz="2000" dirty="0" err="1" smtClean="0"/>
+              <a:t>thay</a:t>
+            </a:r>
+            <a:r>
+              <a:rPr lang="en-US" sz="2000" dirty="0" smtClean="0"/>
+              <a:t> </a:t>
+            </a:r>
+            <a:r>
+              <a:rPr lang="en-US" sz="2000" dirty="0" err="1" smtClean="0"/>
+              <a:t>đổi</a:t>
+            </a:r>
+            <a:r>
+              <a:rPr lang="en-US" sz="2000" dirty="0" smtClean="0"/>
+              <a:t> </a:t>
+            </a:r>
+            <a:r>
+              <a:rPr lang="en-US" sz="2000" dirty="0" err="1" smtClean="0"/>
+              <a:t>trên</a:t>
+            </a:r>
+            <a:r>
+              <a:rPr lang="en-US" sz="2000" dirty="0" smtClean="0"/>
+              <a:t> DOM </a:t>
+            </a:r>
+            <a:r>
+              <a:rPr lang="en-US" sz="2000" dirty="0" err="1" smtClean="0"/>
+              <a:t>dẫn</a:t>
+            </a:r>
+            <a:r>
+              <a:rPr lang="en-US" sz="2000" dirty="0" smtClean="0"/>
+              <a:t> </a:t>
+            </a:r>
+            <a:r>
+              <a:rPr lang="en-US" sz="2000" dirty="0" err="1" smtClean="0"/>
+              <a:t>đến</a:t>
+            </a:r>
+            <a:r>
+              <a:rPr lang="en-US" sz="2000" dirty="0" smtClean="0"/>
+              <a:t> </a:t>
+            </a:r>
+            <a:r>
+              <a:rPr lang="en-US" sz="2000" dirty="0" err="1" smtClean="0"/>
+              <a:t>tăng</a:t>
+            </a:r>
+            <a:r>
+              <a:rPr lang="en-US" sz="2000" dirty="0" smtClean="0"/>
+              <a:t> </a:t>
+            </a:r>
+            <a:r>
+              <a:rPr lang="en-US" sz="2000" dirty="0" err="1" smtClean="0"/>
+              <a:t>hiệu</a:t>
+            </a:r>
+            <a:r>
+              <a:rPr lang="en-US" sz="2000" dirty="0" smtClean="0"/>
+              <a:t> </a:t>
+            </a:r>
+            <a:r>
+              <a:rPr lang="en-US" sz="2000" dirty="0" err="1" smtClean="0"/>
+              <a:t>xuất</a:t>
+            </a:r>
+            <a:r>
+              <a:rPr lang="en-US" sz="2000" dirty="0" smtClean="0"/>
+              <a:t> </a:t>
+            </a:r>
+            <a:r>
+              <a:rPr lang="en-US" sz="2000" dirty="0" err="1" smtClean="0"/>
+              <a:t>của</a:t>
+            </a:r>
+            <a:r>
+              <a:rPr lang="en-US" sz="2000" dirty="0" smtClean="0"/>
+              <a:t> </a:t>
+            </a:r>
+            <a:r>
+              <a:rPr lang="en-US" sz="2000" dirty="0" err="1" smtClean="0"/>
+              <a:t>ứng</a:t>
+            </a:r>
+            <a:r>
+              <a:rPr lang="en-US" sz="2000" dirty="0" smtClean="0"/>
+              <a:t> </a:t>
+            </a:r>
+            <a:r>
+              <a:rPr lang="en-US" sz="2000" dirty="0" err="1" smtClean="0"/>
+              <a:t>dụng</a:t>
+            </a:r>
+            <a:endParaRPr lang="vi-VN" sz="2000" dirty="0"/>
           </a:p>
         </p:txBody>
       </p:sp>
       <p:pic>
         <p:nvPicPr>
-          <p:cNvPr id="4" name="20160527162122-af01a0fbc5.[gif-2-mp4.com]">
-            <a:hlinkClick r:id="" action="ppaction://media"/>
-          </p:cNvPr>
+          <p:cNvPr id="4098" name="Picture 2" descr="http://blog.ows.vn/content/images/2016/03/virtual-dom.png"/>
           <p:cNvPicPr>
-            <a:picLocks noChangeAspect="1"/>
+            <a:picLocks noChangeAspect="1" noChangeArrowheads="1"/>
           </p:cNvPicPr>
-          <p:nvPr>
-            <a:videoFile r:link="rId2"/>
-            <p:extLst>
-              <p:ext uri="{DAA4B4D4-6D71-4841-9C94-3DE7FCFB9230}">
-                <p14:media xmlns:p14="http://schemas.microsoft.com/office/powerpoint/2010/main" r:embed="rId1"/>
-              </p:ext>
-            </p:extLst>
-          </p:nvPr>
+          <p:nvPr/>
         </p:nvPicPr>
         <p:blipFill>
-          <a:blip r:embed="rId4"/>
+          <a:blip r:embed="rId2">
+            <a:extLst>
+              <a:ext uri="{28A0092B-C50C-407E-A947-70E740481C1C}">
+                <a14:useLocalDpi xmlns:a14="http://schemas.microsoft.com/office/drawing/2010/main" val="0"/>
+              </a:ext>
+            </a:extLst>
+          </a:blip>
+          <a:srcRect/>
           <a:stretch>
             <a:fillRect/>
           </a:stretch>
         </p:blipFill>
-        <p:spPr>
+        <p:spPr bwMode="auto">
           <a:xfrm>
-            <a:off x="3086235" y="2563834"/>
-            <a:ext cx="7410450" cy="3790950"/>
+            <a:off x="4075112" y="4121058"/>
+            <a:ext cx="5943600" cy="2057401"/>
           </a:xfrm>
           <a:prstGeom prst="rect">
             <a:avLst/>
           </a:prstGeom>
+          <a:noFill/>
+          <a:extLst>
+            <a:ext uri="{909E8E84-426E-40DD-AFC4-6F175D3DCCD1}">
+              <a14:hiddenFill xmlns:a14="http://schemas.microsoft.com/office/drawing/2010/main">
+                <a:solidFill>
+                  <a:srgbClr val="FFFFFF"/>
+                </a:solidFill>
+              </a14:hiddenFill>
+            </a:ext>
+          </a:extLst>
         </p:spPr>
       </p:pic>
     </p:spTree>
     <p:extLst>
       <p:ext uri="{BB962C8B-B14F-4D97-AF65-F5344CB8AC3E}">
-        <p14:creationId xmlns:p14="http://schemas.microsoft.com/office/powerpoint/2010/main" val="1144915528"/>
+        <p14:creationId xmlns:p14="http://schemas.microsoft.com/office/powerpoint/2010/main" val="913940672"/>
       </p:ext>
     </p:extLst>
   </p:cSld>
@@ -12206,80 +16937,437 @@
   <p:timing>
     <p:tnLst>
       <p:par>
-        <p:cTn id="1" dur="indefinite" restart="never" nodeType="tmRoot">
-          <p:childTnLst>
-            <p:seq concurrent="1" nextAc="seek">
-              <p:cTn id="2" restart="whenNotActive" fill="hold" evtFilter="cancelBubble" nodeType="interactiveSeq">
-                <p:stCondLst>
-                  <p:cond evt="onClick" delay="0">
-                    <p:tgtEl>
-                      <p:spTgt spid="4"/>
-                    </p:tgtEl>
-                  </p:cond>
-                </p:stCondLst>
-                <p:endSync evt="end" delay="0">
-                  <p:rtn val="all"/>
-                </p:endSync>
-                <p:childTnLst>
-                  <p:par>
-                    <p:cTn id="3" fill="hold">
-                      <p:stCondLst>
-                        <p:cond delay="0"/>
-                      </p:stCondLst>
-                      <p:childTnLst>
-                        <p:par>
-                          <p:cTn id="4" fill="hold">
-                            <p:stCondLst>
-                              <p:cond delay="0"/>
-                            </p:stCondLst>
-                            <p:childTnLst>
-                              <p:par>
-                                <p:cTn id="5" presetID="2" presetClass="mediacall" presetSubtype="0" fill="hold" nodeType="clickEffect">
-                                  <p:stCondLst>
-                                    <p:cond delay="0"/>
-                                  </p:stCondLst>
-                                  <p:childTnLst>
-                                    <p:cmd type="call" cmd="togglePause">
-                                      <p:cBhvr>
-                                        <p:cTn id="6" dur="1" fill="hold"/>
-                                        <p:tgtEl>
-                                          <p:spTgt spid="4"/>
-                                        </p:tgtEl>
-                                      </p:cBhvr>
-                                    </p:cmd>
-                                  </p:childTnLst>
-                                </p:cTn>
-                              </p:par>
-                            </p:childTnLst>
-                          </p:cTn>
-                        </p:par>
-                      </p:childTnLst>
-                    </p:cTn>
-                  </p:par>
-                </p:childTnLst>
-              </p:cTn>
-              <p:nextCondLst>
-                <p:cond evt="onClick" delay="0">
-                  <p:tgtEl>
-                    <p:spTgt spid="4"/>
-                  </p:tgtEl>
-                </p:cond>
-              </p:nextCondLst>
-            </p:seq>
-            <p:video>
-              <p:cMediaNode vol="80000">
-                <p:cTn id="7" fill="hold" display="0">
-                  <p:stCondLst>
-                    <p:cond delay="indefinite"/>
-                  </p:stCondLst>
-                </p:cTn>
-                <p:tgtEl>
-                  <p:spTgt spid="4"/>
-                </p:tgtEl>
-              </p:cMediaNode>
-            </p:video>
-          </p:childTnLst>
-        </p:cTn>
+        <p:cTn id="1" dur="indefinite" restart="never" nodeType="tmRoot"/>
+      </p:par>
+    </p:tnLst>
+  </p:timing>
+</p:sld>
+</file>
+
+<file path=ppt/slides/slide9.xml><?xml version="1.0" encoding="utf-8"?>
+<p:sld xmlns:a="http://schemas.openxmlformats.org/drawingml/2006/main" xmlns:r="http://schemas.openxmlformats.org/officeDocument/2006/relationships" xmlns:p="http://schemas.openxmlformats.org/presentationml/2006/main">
+  <p:cSld>
+    <p:spTree>
+      <p:nvGrpSpPr>
+        <p:cNvPr id="1" name=""/>
+        <p:cNvGrpSpPr/>
+        <p:nvPr/>
+      </p:nvGrpSpPr>
+      <p:grpSpPr>
+        <a:xfrm>
+          <a:off x="0" y="0"/>
+          <a:ext cx="0" cy="0"/>
+          <a:chOff x="0" y="0"/>
+          <a:chExt cx="0" cy="0"/>
+        </a:xfrm>
+      </p:grpSpPr>
+      <p:sp>
+        <p:nvSpPr>
+          <p:cNvPr id="2" name="Title 1"/>
+          <p:cNvSpPr>
+            <a:spLocks noGrp="1"/>
+          </p:cNvSpPr>
+          <p:nvPr>
+            <p:ph type="title"/>
+          </p:nvPr>
+        </p:nvSpPr>
+        <p:spPr/>
+        <p:txBody>
+          <a:bodyPr/>
+          <a:lstStyle/>
+          <a:p>
+            <a:r>
+              <a:rPr lang="en-US" dirty="0" smtClean="0"/>
+              <a:t>One-way data flow</a:t>
+            </a:r>
+            <a:endParaRPr lang="vi-VN" dirty="0"/>
+          </a:p>
+        </p:txBody>
+      </p:sp>
+      <p:sp>
+        <p:nvSpPr>
+          <p:cNvPr id="3" name="Content Placeholder 2"/>
+          <p:cNvSpPr>
+            <a:spLocks noGrp="1"/>
+          </p:cNvSpPr>
+          <p:nvPr>
+            <p:ph idx="1"/>
+          </p:nvPr>
+        </p:nvSpPr>
+        <p:spPr>
+          <a:xfrm>
+            <a:off x="2589212" y="1695718"/>
+            <a:ext cx="8915400" cy="3777622"/>
+          </a:xfrm>
+        </p:spPr>
+        <p:txBody>
+          <a:bodyPr/>
+          <a:lstStyle/>
+          <a:p>
+            <a:r>
+              <a:rPr lang="en-US" dirty="0" err="1" smtClean="0"/>
+              <a:t>Dữ</a:t>
+            </a:r>
+            <a:r>
+              <a:rPr lang="en-US" dirty="0" smtClean="0"/>
+              <a:t> </a:t>
+            </a:r>
+            <a:r>
+              <a:rPr lang="en-US" dirty="0" err="1" smtClean="0"/>
+              <a:t>liệu</a:t>
+            </a:r>
+            <a:r>
+              <a:rPr lang="en-US" dirty="0" smtClean="0"/>
+              <a:t> </a:t>
+            </a:r>
+            <a:r>
+              <a:rPr lang="en-US" dirty="0" err="1" smtClean="0"/>
+              <a:t>chỉ</a:t>
+            </a:r>
+            <a:r>
+              <a:rPr lang="en-US" dirty="0" smtClean="0"/>
+              <a:t> </a:t>
+            </a:r>
+            <a:r>
+              <a:rPr lang="en-US" dirty="0" err="1" smtClean="0"/>
+              <a:t>được</a:t>
+            </a:r>
+            <a:r>
+              <a:rPr lang="en-US" dirty="0" smtClean="0"/>
+              <a:t> </a:t>
+            </a:r>
+            <a:r>
+              <a:rPr lang="en-US" dirty="0" err="1" smtClean="0"/>
+              <a:t>truyền</a:t>
+            </a:r>
+            <a:r>
+              <a:rPr lang="en-US" dirty="0" smtClean="0"/>
+              <a:t> </a:t>
+            </a:r>
+            <a:r>
+              <a:rPr lang="en-US" dirty="0" err="1" smtClean="0"/>
+              <a:t>đi</a:t>
+            </a:r>
+            <a:r>
+              <a:rPr lang="en-US" dirty="0" smtClean="0"/>
+              <a:t> </a:t>
+            </a:r>
+            <a:r>
+              <a:rPr lang="en-US" dirty="0" err="1" smtClean="0"/>
+              <a:t>từ</a:t>
+            </a:r>
+            <a:r>
+              <a:rPr lang="en-US" dirty="0" smtClean="0"/>
+              <a:t> </a:t>
+            </a:r>
+            <a:r>
+              <a:rPr lang="en-US" dirty="0" err="1" smtClean="0"/>
+              <a:t>lớp</a:t>
+            </a:r>
+            <a:r>
+              <a:rPr lang="en-US" dirty="0" smtClean="0"/>
+              <a:t> cha sang </a:t>
+            </a:r>
+            <a:r>
+              <a:rPr lang="en-US" dirty="0" err="1" smtClean="0"/>
+              <a:t>lớp</a:t>
+            </a:r>
+            <a:r>
+              <a:rPr lang="en-US" dirty="0" smtClean="0"/>
+              <a:t> con.</a:t>
+            </a:r>
+          </a:p>
+          <a:p>
+            <a:r>
+              <a:rPr lang="en-US" dirty="0" err="1" smtClean="0"/>
+              <a:t>Thông</a:t>
+            </a:r>
+            <a:r>
+              <a:rPr lang="en-US" dirty="0" smtClean="0"/>
+              <a:t> qua Props </a:t>
+            </a:r>
+            <a:r>
+              <a:rPr lang="en-US" dirty="0" err="1" smtClean="0"/>
+              <a:t>và</a:t>
+            </a:r>
+            <a:r>
+              <a:rPr lang="en-US" dirty="0" smtClean="0"/>
+              <a:t>  State</a:t>
+            </a:r>
+          </a:p>
+          <a:p>
+            <a:r>
+              <a:rPr lang="en-US" dirty="0" smtClean="0"/>
+              <a:t>Props : </a:t>
+            </a:r>
+            <a:r>
+              <a:rPr lang="en-US" dirty="0" err="1" smtClean="0"/>
+              <a:t>mang</a:t>
+            </a:r>
+            <a:r>
+              <a:rPr lang="en-US" dirty="0" smtClean="0"/>
+              <a:t> </a:t>
+            </a:r>
+            <a:r>
+              <a:rPr lang="en-US" dirty="0" err="1" smtClean="0"/>
+              <a:t>tính</a:t>
+            </a:r>
+            <a:r>
+              <a:rPr lang="en-US" dirty="0" smtClean="0"/>
+              <a:t> external, </a:t>
+            </a:r>
+            <a:r>
+              <a:rPr lang="en-US" dirty="0" err="1" smtClean="0"/>
+              <a:t>không</a:t>
+            </a:r>
+            <a:r>
+              <a:rPr lang="en-US" dirty="0" smtClean="0"/>
+              <a:t> </a:t>
+            </a:r>
+            <a:r>
+              <a:rPr lang="en-US" dirty="0" err="1" smtClean="0"/>
+              <a:t>bị</a:t>
+            </a:r>
+            <a:r>
+              <a:rPr lang="en-US" dirty="0" smtClean="0"/>
+              <a:t> </a:t>
+            </a:r>
+            <a:r>
+              <a:rPr lang="en-US" dirty="0" err="1" smtClean="0"/>
+              <a:t>kiểm</a:t>
+            </a:r>
+            <a:r>
+              <a:rPr lang="en-US" dirty="0" smtClean="0"/>
+              <a:t> </a:t>
+            </a:r>
+            <a:r>
+              <a:rPr lang="en-US" dirty="0" err="1" smtClean="0"/>
+              <a:t>soát</a:t>
+            </a:r>
+            <a:r>
+              <a:rPr lang="en-US" dirty="0" smtClean="0"/>
+              <a:t> </a:t>
+            </a:r>
+            <a:r>
+              <a:rPr lang="en-US" dirty="0" err="1" smtClean="0"/>
+              <a:t>bởi</a:t>
+            </a:r>
+            <a:r>
+              <a:rPr lang="en-US" dirty="0" smtClean="0"/>
+              <a:t> </a:t>
+            </a:r>
+            <a:r>
+              <a:rPr lang="en-US" dirty="0" err="1" smtClean="0"/>
+              <a:t>bản</a:t>
+            </a:r>
+            <a:r>
+              <a:rPr lang="en-US" dirty="0" smtClean="0"/>
+              <a:t> </a:t>
+            </a:r>
+            <a:r>
+              <a:rPr lang="en-US" dirty="0" err="1" smtClean="0"/>
+              <a:t>thân</a:t>
+            </a:r>
+            <a:r>
+              <a:rPr lang="en-US" dirty="0" smtClean="0"/>
+              <a:t> </a:t>
+            </a:r>
+            <a:r>
+              <a:rPr lang="en-US" dirty="0" err="1" smtClean="0"/>
+              <a:t>nó</a:t>
+            </a:r>
+            <a:r>
+              <a:rPr lang="en-US" dirty="0" smtClean="0"/>
+              <a:t>. </a:t>
+            </a:r>
+            <a:r>
+              <a:rPr lang="en-US" dirty="0" err="1" smtClean="0"/>
+              <a:t>Nó</a:t>
+            </a:r>
+            <a:r>
+              <a:rPr lang="en-US" dirty="0" smtClean="0"/>
+              <a:t> </a:t>
+            </a:r>
+            <a:r>
+              <a:rPr lang="en-US" dirty="0" err="1" smtClean="0"/>
+              <a:t>được</a:t>
+            </a:r>
+            <a:r>
+              <a:rPr lang="en-US" dirty="0" smtClean="0"/>
+              <a:t> </a:t>
+            </a:r>
+            <a:r>
+              <a:rPr lang="en-US" dirty="0" err="1" smtClean="0"/>
+              <a:t>truyền</a:t>
+            </a:r>
+            <a:r>
+              <a:rPr lang="en-US" dirty="0" smtClean="0"/>
+              <a:t> </a:t>
+            </a:r>
+            <a:r>
+              <a:rPr lang="en-US" dirty="0" err="1" smtClean="0"/>
+              <a:t>từ</a:t>
+            </a:r>
+            <a:r>
+              <a:rPr lang="en-US" dirty="0" smtClean="0"/>
+              <a:t> component cha sang component con.</a:t>
+            </a:r>
+          </a:p>
+          <a:p>
+            <a:r>
+              <a:rPr lang="en-US" dirty="0" smtClean="0"/>
+              <a:t>State : </a:t>
+            </a:r>
+            <a:r>
+              <a:rPr lang="en-US" dirty="0" err="1" smtClean="0"/>
+              <a:t>chỉ</a:t>
+            </a:r>
+            <a:r>
+              <a:rPr lang="en-US" dirty="0" smtClean="0"/>
+              <a:t> </a:t>
+            </a:r>
+            <a:r>
+              <a:rPr lang="en-US" dirty="0" err="1" smtClean="0"/>
+              <a:t>có</a:t>
+            </a:r>
+            <a:r>
+              <a:rPr lang="en-US" dirty="0" smtClean="0"/>
+              <a:t> </a:t>
+            </a:r>
+            <a:r>
+              <a:rPr lang="en-US" dirty="0" err="1" smtClean="0"/>
+              <a:t>thể</a:t>
+            </a:r>
+            <a:r>
+              <a:rPr lang="en-US" dirty="0" smtClean="0"/>
+              <a:t> </a:t>
+            </a:r>
+            <a:r>
+              <a:rPr lang="en-US" dirty="0" err="1" smtClean="0"/>
+              <a:t>được</a:t>
+            </a:r>
+            <a:r>
+              <a:rPr lang="en-US" dirty="0" smtClean="0"/>
+              <a:t> </a:t>
+            </a:r>
+            <a:r>
+              <a:rPr lang="en-US" dirty="0" err="1" smtClean="0"/>
+              <a:t>thay</a:t>
+            </a:r>
+            <a:r>
+              <a:rPr lang="en-US" dirty="0" smtClean="0"/>
+              <a:t> </a:t>
+            </a:r>
+            <a:r>
+              <a:rPr lang="en-US" dirty="0" err="1" smtClean="0"/>
+              <a:t>đổi</a:t>
+            </a:r>
+            <a:r>
+              <a:rPr lang="en-US" dirty="0" smtClean="0"/>
+              <a:t> </a:t>
+            </a:r>
+            <a:r>
+              <a:rPr lang="en-US" dirty="0" err="1" smtClean="0"/>
+              <a:t>bên</a:t>
+            </a:r>
+            <a:r>
+              <a:rPr lang="en-US" dirty="0" smtClean="0"/>
+              <a:t> </a:t>
+            </a:r>
+            <a:r>
+              <a:rPr lang="en-US" dirty="0" err="1" smtClean="0"/>
+              <a:t>trong</a:t>
+            </a:r>
+            <a:r>
+              <a:rPr lang="en-US" dirty="0" smtClean="0"/>
+              <a:t> </a:t>
+            </a:r>
+            <a:r>
+              <a:rPr lang="en-US" dirty="0" err="1" smtClean="0"/>
+              <a:t>bản</a:t>
+            </a:r>
+            <a:r>
+              <a:rPr lang="en-US" dirty="0" smtClean="0"/>
+              <a:t> </a:t>
+            </a:r>
+            <a:r>
+              <a:rPr lang="en-US" dirty="0" err="1" smtClean="0"/>
+              <a:t>thân</a:t>
+            </a:r>
+            <a:r>
+              <a:rPr lang="en-US" dirty="0" smtClean="0"/>
+              <a:t> component</a:t>
+            </a:r>
+          </a:p>
+          <a:p>
+            <a:pPr marL="0" indent="0">
+              <a:buNone/>
+            </a:pPr>
+            <a:r>
+              <a:rPr lang="en-US" dirty="0" smtClean="0"/>
+              <a:t> </a:t>
+            </a:r>
+          </a:p>
+          <a:p>
+            <a:endParaRPr lang="vi-VN" dirty="0"/>
+          </a:p>
+        </p:txBody>
+      </p:sp>
+      <p:pic>
+        <p:nvPicPr>
+          <p:cNvPr id="6" name="Picture 2" descr="http://reactjs.cn/react/img/blog/tutsplus.png"/>
+          <p:cNvPicPr>
+            <a:picLocks noChangeAspect="1" noChangeArrowheads="1"/>
+          </p:cNvPicPr>
+          <p:nvPr/>
+        </p:nvPicPr>
+        <p:blipFill>
+          <a:blip r:embed="rId2">
+            <a:extLst>
+              <a:ext uri="{28A0092B-C50C-407E-A947-70E740481C1C}">
+                <a14:useLocalDpi xmlns:a14="http://schemas.microsoft.com/office/drawing/2010/main" val="0"/>
+              </a:ext>
+            </a:extLst>
+          </a:blip>
+          <a:srcRect/>
+          <a:stretch>
+            <a:fillRect/>
+          </a:stretch>
+        </p:blipFill>
+        <p:spPr bwMode="auto">
+          <a:xfrm>
+            <a:off x="3479868" y="3584529"/>
+            <a:ext cx="5380797" cy="3131971"/>
+          </a:xfrm>
+          <a:prstGeom prst="rect">
+            <a:avLst/>
+          </a:prstGeom>
+          <a:noFill/>
+          <a:extLst>
+            <a:ext uri="{909E8E84-426E-40DD-AFC4-6F175D3DCCD1}">
+              <a14:hiddenFill xmlns:a14="http://schemas.microsoft.com/office/drawing/2010/main">
+                <a:solidFill>
+                  <a:srgbClr val="FFFFFF"/>
+                </a:solidFill>
+              </a14:hiddenFill>
+            </a:ext>
+          </a:extLst>
+        </p:spPr>
+      </p:pic>
+    </p:spTree>
+    <p:extLst>
+      <p:ext uri="{BB962C8B-B14F-4D97-AF65-F5344CB8AC3E}">
+        <p14:creationId xmlns:p14="http://schemas.microsoft.com/office/powerpoint/2010/main" val="3884190569"/>
+      </p:ext>
+    </p:extLst>
+  </p:cSld>
+  <p:clrMapOvr>
+    <a:masterClrMapping/>
+  </p:clrMapOvr>
+  <p:timing>
+    <p:tnLst>
+      <p:par>
+        <p:cTn id="1" dur="indefinite" restart="never" nodeType="tmRoot"/>
       </p:par>
     </p:tnLst>
   </p:timing>
@@ -12467,4 +17555,265 @@
     </a:ext>
   </a:extLst>
 </a:theme>
+</file>
+
+<file path=ppt/theme/theme2.xml><?xml version="1.0" encoding="utf-8"?>
+<a:theme xmlns:a="http://schemas.openxmlformats.org/drawingml/2006/main" name="Office Theme">
+  <a:themeElements>
+    <a:clrScheme name="Office">
+      <a:dk1>
+        <a:sysClr val="windowText" lastClr="000000"/>
+      </a:dk1>
+      <a:lt1>
+        <a:sysClr val="window" lastClr="FFFFFF"/>
+      </a:lt1>
+      <a:dk2>
+        <a:srgbClr val="44546A"/>
+      </a:dk2>
+      <a:lt2>
+        <a:srgbClr val="E7E6E6"/>
+      </a:lt2>
+      <a:accent1>
+        <a:srgbClr val="5B9BD5"/>
+      </a:accent1>
+      <a:accent2>
+        <a:srgbClr val="ED7D31"/>
+      </a:accent2>
+      <a:accent3>
+        <a:srgbClr val="A5A5A5"/>
+      </a:accent3>
+      <a:accent4>
+        <a:srgbClr val="FFC000"/>
+      </a:accent4>
+      <a:accent5>
+        <a:srgbClr val="4472C4"/>
+      </a:accent5>
+      <a:accent6>
+        <a:srgbClr val="70AD47"/>
+      </a:accent6>
+      <a:hlink>
+        <a:srgbClr val="0563C1"/>
+      </a:hlink>
+      <a:folHlink>
+        <a:srgbClr val="954F72"/>
+      </a:folHlink>
+    </a:clrScheme>
+    <a:fontScheme name="Office">
+      <a:majorFont>
+        <a:latin typeface="Calibri Light" panose="020F0302020204030204"/>
+        <a:ea typeface=""/>
+        <a:cs typeface=""/>
+        <a:font script="Jpan" typeface="ＭＳ Ｐゴシック"/>
+        <a:font script="Hang" typeface="맑은 고딕"/>
+        <a:font script="Hans" typeface="宋体"/>
+        <a:font script="Hant" typeface="新細明體"/>
+        <a:font script="Arab" typeface="Times New Roman"/>
+        <a:font script="Hebr" typeface="Times New Roman"/>
+        <a:font script="Thai" typeface="Angsana New"/>
+        <a:font script="Ethi" typeface="Nyala"/>
+        <a:font script="Beng" typeface="Vrinda"/>
+        <a:font script="Gujr" typeface="Shruti"/>
+        <a:font script="Khmr" typeface="MoolBoran"/>
+        <a:font script="Knda" typeface="Tunga"/>
+        <a:font script="Guru" typeface="Raavi"/>
+        <a:font script="Cans" typeface="Euphemia"/>
+        <a:font script="Cher" typeface="Plantagenet Cherokee"/>
+        <a:font script="Yiii" typeface="Microsoft Yi Baiti"/>
+        <a:font script="Tibt" typeface="Microsoft Himalaya"/>
+        <a:font script="Thaa" typeface="MV Boli"/>
+        <a:font script="Deva" typeface="Mangal"/>
+        <a:font script="Telu" typeface="Gautami"/>
+        <a:font script="Taml" typeface="Latha"/>
+        <a:font script="Syrc" typeface="Estrangelo Edessa"/>
+        <a:font script="Orya" typeface="Kalinga"/>
+        <a:font script="Mlym" typeface="Kartika"/>
+        <a:font script="Laoo" typeface="DokChampa"/>
+        <a:font script="Sinh" typeface="Iskoola Pota"/>
+        <a:font script="Mong" typeface="Mongolian Baiti"/>
+        <a:font script="Viet" typeface="Times New Roman"/>
+        <a:font script="Uigh" typeface="Microsoft Uighur"/>
+        <a:font script="Geor" typeface="Sylfaen"/>
+      </a:majorFont>
+      <a:minorFont>
+        <a:latin typeface="Calibri" panose="020F0502020204030204"/>
+        <a:ea typeface=""/>
+        <a:cs typeface=""/>
+        <a:font script="Jpan" typeface="ＭＳ Ｐゴシック"/>
+        <a:font script="Hang" typeface="맑은 고딕"/>
+        <a:font script="Hans" typeface="宋体"/>
+        <a:font script="Hant" typeface="新細明體"/>
+        <a:font script="Arab" typeface="Arial"/>
+        <a:font script="Hebr" typeface="Arial"/>
+        <a:font script="Thai" typeface="Cordia New"/>
+        <a:font script="Ethi" typeface="Nyala"/>
+        <a:font script="Beng" typeface="Vrinda"/>
+        <a:font script="Gujr" typeface="Shruti"/>
+        <a:font script="Khmr" typeface="DaunPenh"/>
+        <a:font script="Knda" typeface="Tunga"/>
+        <a:font script="Guru" typeface="Raavi"/>
+        <a:font script="Cans" typeface="Euphemia"/>
+        <a:font script="Cher" typeface="Plantagenet Cherokee"/>
+        <a:font script="Yiii" typeface="Microsoft Yi Baiti"/>
+        <a:font script="Tibt" typeface="Microsoft Himalaya"/>
+        <a:font script="Thaa" typeface="MV Boli"/>
+        <a:font script="Deva" typeface="Mangal"/>
+        <a:font script="Telu" typeface="Gautami"/>
+        <a:font script="Taml" typeface="Latha"/>
+        <a:font script="Syrc" typeface="Estrangelo Edessa"/>
+        <a:font script="Orya" typeface="Kalinga"/>
+        <a:font script="Mlym" typeface="Kartika"/>
+        <a:font script="Laoo" typeface="DokChampa"/>
+        <a:font script="Sinh" typeface="Iskoola Pota"/>
+        <a:font script="Mong" typeface="Mongolian Baiti"/>
+        <a:font script="Viet" typeface="Arial"/>
+        <a:font script="Uigh" typeface="Microsoft Uighur"/>
+        <a:font script="Geor" typeface="Sylfaen"/>
+      </a:minorFont>
+    </a:fontScheme>
+    <a:fmtScheme name="Office">
+      <a:fillStyleLst>
+        <a:solidFill>
+          <a:schemeClr val="phClr"/>
+        </a:solidFill>
+        <a:gradFill rotWithShape="1">
+          <a:gsLst>
+            <a:gs pos="0">
+              <a:schemeClr val="phClr">
+                <a:lumMod val="110000"/>
+                <a:satMod val="105000"/>
+                <a:tint val="67000"/>
+              </a:schemeClr>
+            </a:gs>
+            <a:gs pos="50000">
+              <a:schemeClr val="phClr">
+                <a:lumMod val="105000"/>
+                <a:satMod val="103000"/>
+                <a:tint val="73000"/>
+              </a:schemeClr>
+            </a:gs>
+            <a:gs pos="100000">
+              <a:schemeClr val="phClr">
+                <a:lumMod val="105000"/>
+                <a:satMod val="109000"/>
+                <a:tint val="81000"/>
+              </a:schemeClr>
+            </a:gs>
+          </a:gsLst>
+          <a:lin ang="5400000" scaled="0"/>
+        </a:gradFill>
+        <a:gradFill rotWithShape="1">
+          <a:gsLst>
+            <a:gs pos="0">
+              <a:schemeClr val="phClr">
+                <a:satMod val="103000"/>
+                <a:lumMod val="102000"/>
+                <a:tint val="94000"/>
+              </a:schemeClr>
+            </a:gs>
+            <a:gs pos="50000">
+              <a:schemeClr val="phClr">
+                <a:satMod val="110000"/>
+                <a:lumMod val="100000"/>
+                <a:shade val="100000"/>
+              </a:schemeClr>
+            </a:gs>
+            <a:gs pos="100000">
+              <a:schemeClr val="phClr">
+                <a:lumMod val="99000"/>
+                <a:satMod val="120000"/>
+                <a:shade val="78000"/>
+              </a:schemeClr>
+            </a:gs>
+          </a:gsLst>
+          <a:lin ang="5400000" scaled="0"/>
+        </a:gradFill>
+      </a:fillStyleLst>
+      <a:lnStyleLst>
+        <a:ln w="6350" cap="flat" cmpd="sng" algn="ctr">
+          <a:solidFill>
+            <a:schemeClr val="phClr"/>
+          </a:solidFill>
+          <a:prstDash val="solid"/>
+          <a:miter lim="800000"/>
+        </a:ln>
+        <a:ln w="12700" cap="flat" cmpd="sng" algn="ctr">
+          <a:solidFill>
+            <a:schemeClr val="phClr"/>
+          </a:solidFill>
+          <a:prstDash val="solid"/>
+          <a:miter lim="800000"/>
+        </a:ln>
+        <a:ln w="19050" cap="flat" cmpd="sng" algn="ctr">
+          <a:solidFill>
+            <a:schemeClr val="phClr"/>
+          </a:solidFill>
+          <a:prstDash val="solid"/>
+          <a:miter lim="800000"/>
+        </a:ln>
+      </a:lnStyleLst>
+      <a:effectStyleLst>
+        <a:effectStyle>
+          <a:effectLst/>
+        </a:effectStyle>
+        <a:effectStyle>
+          <a:effectLst/>
+        </a:effectStyle>
+        <a:effectStyle>
+          <a:effectLst>
+            <a:outerShdw blurRad="57150" dist="19050" dir="5400000" algn="ctr" rotWithShape="0">
+              <a:srgbClr val="000000">
+                <a:alpha val="63000"/>
+              </a:srgbClr>
+            </a:outerShdw>
+          </a:effectLst>
+        </a:effectStyle>
+      </a:effectStyleLst>
+      <a:bgFillStyleLst>
+        <a:solidFill>
+          <a:schemeClr val="phClr"/>
+        </a:solidFill>
+        <a:solidFill>
+          <a:schemeClr val="phClr">
+            <a:tint val="95000"/>
+            <a:satMod val="170000"/>
+          </a:schemeClr>
+        </a:solidFill>
+        <a:gradFill rotWithShape="1">
+          <a:gsLst>
+            <a:gs pos="0">
+              <a:schemeClr val="phClr">
+                <a:tint val="93000"/>
+                <a:satMod val="150000"/>
+                <a:shade val="98000"/>
+                <a:lumMod val="102000"/>
+              </a:schemeClr>
+            </a:gs>
+            <a:gs pos="50000">
+              <a:schemeClr val="phClr">
+                <a:tint val="98000"/>
+                <a:satMod val="130000"/>
+                <a:shade val="90000"/>
+                <a:lumMod val="103000"/>
+              </a:schemeClr>
+            </a:gs>
+            <a:gs pos="100000">
+              <a:schemeClr val="phClr">
+                <a:shade val="63000"/>
+                <a:satMod val="120000"/>
+              </a:schemeClr>
+            </a:gs>
+          </a:gsLst>
+          <a:lin ang="5400000" scaled="0"/>
+        </a:gradFill>
+      </a:bgFillStyleLst>
+    </a:fmtScheme>
+  </a:themeElements>
+  <a:objectDefaults/>
+  <a:extraClrSchemeLst/>
+  <a:extLst>
+    <a:ext uri="{05A4C25C-085E-4340-85A3-A5531E510DB2}">
+      <thm15:themeFamily xmlns:thm15="http://schemas.microsoft.com/office/thememl/2012/main" name="Office Theme" id="{62F939B6-93AF-4DB8-9C6B-D6C7DFDC589F}" vid="{4A3C46E8-61CC-4603-A589-7422A47A8E4A}"/>
+    </a:ext>
+  </a:extLst>
+</a:theme>
 </file>
--- a/Giới-thiệu-về-React-Redux.pptx
+++ b/Giới-thiệu-về-React-Redux.pptx
@@ -5,7 +5,7 @@
     <p:sldMasterId id="2147483665" r:id="rId1"/>
   </p:sldMasterIdLst>
   <p:notesMasterIdLst>
-    <p:notesMasterId r:id="rId20"/>
+    <p:notesMasterId r:id="rId21"/>
   </p:notesMasterIdLst>
   <p:sldIdLst>
     <p:sldId id="264" r:id="rId2"/>
@@ -26,6 +26,7 @@
     <p:sldId id="279" r:id="rId17"/>
     <p:sldId id="280" r:id="rId18"/>
     <p:sldId id="263" r:id="rId19"/>
+    <p:sldId id="281" r:id="rId20"/>
   </p:sldIdLst>
   <p:sldSz cx="12192000" cy="6858000"/>
   <p:notesSz cx="6858000" cy="9144000"/>
@@ -11748,6 +11749,115 @@
             </p:video>
           </p:childTnLst>
         </p:cTn>
+      </p:par>
+    </p:tnLst>
+  </p:timing>
+</p:sld>
+</file>
+
+<file path=ppt/slides/slide19.xml><?xml version="1.0" encoding="utf-8"?>
+<p:sld xmlns:a="http://schemas.openxmlformats.org/drawingml/2006/main" xmlns:r="http://schemas.openxmlformats.org/officeDocument/2006/relationships" xmlns:p="http://schemas.openxmlformats.org/presentationml/2006/main">
+  <p:cSld>
+    <p:spTree>
+      <p:nvGrpSpPr>
+        <p:cNvPr id="1" name=""/>
+        <p:cNvGrpSpPr/>
+        <p:nvPr/>
+      </p:nvGrpSpPr>
+      <p:grpSpPr>
+        <a:xfrm>
+          <a:off x="0" y="0"/>
+          <a:ext cx="0" cy="0"/>
+          <a:chOff x="0" y="0"/>
+          <a:chExt cx="0" cy="0"/>
+        </a:xfrm>
+      </p:grpSpPr>
+      <p:sp>
+        <p:nvSpPr>
+          <p:cNvPr id="2" name="Title 1"/>
+          <p:cNvSpPr>
+            <a:spLocks noGrp="1"/>
+          </p:cNvSpPr>
+          <p:nvPr>
+            <p:ph type="title"/>
+          </p:nvPr>
+        </p:nvSpPr>
+        <p:spPr>
+          <a:xfrm>
+            <a:off x="1687132" y="5312020"/>
+            <a:ext cx="9508387" cy="985749"/>
+          </a:xfrm>
+        </p:spPr>
+        <p:txBody>
+          <a:bodyPr>
+            <a:noAutofit/>
+          </a:bodyPr>
+          <a:lstStyle/>
+          <a:p>
+            <a:pPr algn="ctr"/>
+            <a:r>
+              <a:rPr lang="vi-VN" sz="4400" dirty="0" smtClean="0"/>
+              <a:t>Cám ơn thầy cô và các bạn đã lắng nghe</a:t>
+            </a:r>
+            <a:endParaRPr lang="vi-VN" sz="4400" dirty="0"/>
+          </a:p>
+        </p:txBody>
+      </p:sp>
+      <p:pic>
+        <p:nvPicPr>
+          <p:cNvPr id="1026" name="Picture 2" descr="https://s3.amazonaws.com/img.charteo.com/art_pictures/C0076/Contact-Thank-You-Slides_C0076_012_c01_l.png"/>
+          <p:cNvPicPr>
+            <a:picLocks noChangeAspect="1" noChangeArrowheads="1"/>
+          </p:cNvPicPr>
+          <p:nvPr/>
+        </p:nvPicPr>
+        <p:blipFill>
+          <a:blip r:embed="rId2">
+            <a:extLst>
+              <a:ext uri="{28A0092B-C50C-407E-A947-70E740481C1C}">
+                <a14:useLocalDpi xmlns:a14="http://schemas.microsoft.com/office/drawing/2010/main" val="0"/>
+              </a:ext>
+            </a:extLst>
+          </a:blip>
+          <a:srcRect/>
+          <a:stretch>
+            <a:fillRect/>
+          </a:stretch>
+        </p:blipFill>
+        <p:spPr bwMode="auto">
+          <a:xfrm>
+            <a:off x="3258914" y="413106"/>
+            <a:ext cx="6438127" cy="4828596"/>
+          </a:xfrm>
+          <a:prstGeom prst="rect">
+            <a:avLst/>
+          </a:prstGeom>
+          <a:noFill/>
+          <a:extLst>
+            <a:ext uri="{909E8E84-426E-40DD-AFC4-6F175D3DCCD1}">
+              <a14:hiddenFill xmlns:a14="http://schemas.microsoft.com/office/drawing/2010/main">
+                <a:solidFill>
+                  <a:srgbClr val="FFFFFF"/>
+                </a:solidFill>
+              </a14:hiddenFill>
+            </a:ext>
+          </a:extLst>
+        </p:spPr>
+      </p:pic>
+    </p:spTree>
+    <p:extLst>
+      <p:ext uri="{BB962C8B-B14F-4D97-AF65-F5344CB8AC3E}">
+        <p14:creationId xmlns:p14="http://schemas.microsoft.com/office/powerpoint/2010/main" val="2279912390"/>
+      </p:ext>
+    </p:extLst>
+  </p:cSld>
+  <p:clrMapOvr>
+    <a:masterClrMapping/>
+  </p:clrMapOvr>
+  <p:timing>
+    <p:tnLst>
+      <p:par>
+        <p:cTn id="1" dur="indefinite" restart="never" nodeType="tmRoot"/>
       </p:par>
     </p:tnLst>
   </p:timing>
